--- a/logo/bitcoin-btc-logo.pptx
+++ b/logo/bitcoin-btc-logo.pptx
@@ -5,7 +5,8 @@
     <p:sldMasterId id="2147483648" r:id="rId1"/>
   </p:sldMasterIdLst>
   <p:sldIdLst>
-    <p:sldId id="256" r:id="rId2"/>
+    <p:sldId id="258" r:id="rId2"/>
+    <p:sldId id="257" r:id="rId3"/>
   </p:sldIdLst>
   <p:sldSz cx="12192000" cy="6858000"/>
   <p:notesSz cx="6858000" cy="9144000"/>
@@ -115,7 +116,7 @@
 <file path=ppt/revisionInfo.xml><?xml version="1.0" encoding="utf-8"?>
 <p1510:revInfo xmlns:a="http://schemas.openxmlformats.org/drawingml/2006/main" xmlns:r="http://schemas.openxmlformats.org/officeDocument/2006/relationships" xmlns:p1510="http://schemas.microsoft.com/office/powerpoint/2015/10/main">
   <p1510:revLst>
-    <p1510:client id="{DFDC7C28-6C66-4F4E-B086-3AA776292A33}" v="767" dt="2024-03-19T17:44:17.588"/>
+    <p1510:client id="{DFDC7C28-6C66-4F4E-B086-3AA776292A33}" v="772" dt="2024-03-20T11:16:10.641"/>
   </p1510:revLst>
 </p1510:revInfo>
 </file>
@@ -125,12 +126,12 @@
   <pc:docChgLst>
     <pc:chgData name="Tomi Lind" userId="73fe6e1701840021" providerId="LiveId" clId="{DFDC7C28-6C66-4F4E-B086-3AA776292A33}"/>
     <pc:docChg chg="undo redo custSel addSld delSld modSld addMainMaster delMainMaster">
-      <pc:chgData name="Tomi Lind" userId="73fe6e1701840021" providerId="LiveId" clId="{DFDC7C28-6C66-4F4E-B086-3AA776292A33}" dt="2024-03-19T17:44:17.586" v="976" actId="164"/>
+      <pc:chgData name="Tomi Lind" userId="73fe6e1701840021" providerId="LiveId" clId="{DFDC7C28-6C66-4F4E-B086-3AA776292A33}" dt="2024-03-20T11:16:26.522" v="986" actId="47"/>
       <pc:docMkLst>
         <pc:docMk/>
       </pc:docMkLst>
-      <pc:sldChg chg="addSp delSp modSp new mod modClrScheme chgLayout">
-        <pc:chgData name="Tomi Lind" userId="73fe6e1701840021" providerId="LiveId" clId="{DFDC7C28-6C66-4F4E-B086-3AA776292A33}" dt="2024-03-19T17:44:17.586" v="976" actId="164"/>
+      <pc:sldChg chg="addSp delSp modSp new del mod modClrScheme chgLayout">
+        <pc:chgData name="Tomi Lind" userId="73fe6e1701840021" providerId="LiveId" clId="{DFDC7C28-6C66-4F4E-B086-3AA776292A33}" dt="2024-03-20T11:16:26.522" v="986" actId="47"/>
         <pc:sldMkLst>
           <pc:docMk/>
           <pc:sldMk cId="1223590295" sldId="256"/>
@@ -304,7 +305,7 @@
           </ac:spMkLst>
         </pc:spChg>
         <pc:spChg chg="mod">
-          <ac:chgData name="Tomi Lind" userId="73fe6e1701840021" providerId="LiveId" clId="{DFDC7C28-6C66-4F4E-B086-3AA776292A33}" dt="2024-03-19T17:38:33.657" v="968"/>
+          <ac:chgData name="Tomi Lind" userId="73fe6e1701840021" providerId="LiveId" clId="{DFDC7C28-6C66-4F4E-B086-3AA776292A33}" dt="2024-03-20T11:12:21.156" v="977" actId="165"/>
           <ac:spMkLst>
             <pc:docMk/>
             <pc:sldMk cId="1223590295" sldId="256"/>
@@ -312,7 +313,7 @@
           </ac:spMkLst>
         </pc:spChg>
         <pc:spChg chg="mod">
-          <ac:chgData name="Tomi Lind" userId="73fe6e1701840021" providerId="LiveId" clId="{DFDC7C28-6C66-4F4E-B086-3AA776292A33}" dt="2024-03-19T17:38:33.657" v="968"/>
+          <ac:chgData name="Tomi Lind" userId="73fe6e1701840021" providerId="LiveId" clId="{DFDC7C28-6C66-4F4E-B086-3AA776292A33}" dt="2024-03-20T11:12:21.156" v="977" actId="165"/>
           <ac:spMkLst>
             <pc:docMk/>
             <pc:sldMk cId="1223590295" sldId="256"/>
@@ -320,7 +321,7 @@
           </ac:spMkLst>
         </pc:spChg>
         <pc:spChg chg="mod">
-          <ac:chgData name="Tomi Lind" userId="73fe6e1701840021" providerId="LiveId" clId="{DFDC7C28-6C66-4F4E-B086-3AA776292A33}" dt="2024-03-19T17:38:33.657" v="968"/>
+          <ac:chgData name="Tomi Lind" userId="73fe6e1701840021" providerId="LiveId" clId="{DFDC7C28-6C66-4F4E-B086-3AA776292A33}" dt="2024-03-20T11:12:21.156" v="977" actId="165"/>
           <ac:spMkLst>
             <pc:docMk/>
             <pc:sldMk cId="1223590295" sldId="256"/>
@@ -328,7 +329,7 @@
           </ac:spMkLst>
         </pc:spChg>
         <pc:spChg chg="mod">
-          <ac:chgData name="Tomi Lind" userId="73fe6e1701840021" providerId="LiveId" clId="{DFDC7C28-6C66-4F4E-B086-3AA776292A33}" dt="2024-03-19T17:38:33.657" v="968"/>
+          <ac:chgData name="Tomi Lind" userId="73fe6e1701840021" providerId="LiveId" clId="{DFDC7C28-6C66-4F4E-B086-3AA776292A33}" dt="2024-03-20T11:12:21.156" v="977" actId="165"/>
           <ac:spMkLst>
             <pc:docMk/>
             <pc:sldMk cId="1223590295" sldId="256"/>
@@ -336,7 +337,7 @@
           </ac:spMkLst>
         </pc:spChg>
         <pc:spChg chg="mod">
-          <ac:chgData name="Tomi Lind" userId="73fe6e1701840021" providerId="LiveId" clId="{DFDC7C28-6C66-4F4E-B086-3AA776292A33}" dt="2024-03-19T17:38:33.657" v="968"/>
+          <ac:chgData name="Tomi Lind" userId="73fe6e1701840021" providerId="LiveId" clId="{DFDC7C28-6C66-4F4E-B086-3AA776292A33}" dt="2024-03-20T11:12:21.156" v="977" actId="165"/>
           <ac:spMkLst>
             <pc:docMk/>
             <pc:sldMk cId="1223590295" sldId="256"/>
@@ -344,7 +345,7 @@
           </ac:spMkLst>
         </pc:spChg>
         <pc:spChg chg="mod">
-          <ac:chgData name="Tomi Lind" userId="73fe6e1701840021" providerId="LiveId" clId="{DFDC7C28-6C66-4F4E-B086-3AA776292A33}" dt="2024-03-19T17:38:33.657" v="968"/>
+          <ac:chgData name="Tomi Lind" userId="73fe6e1701840021" providerId="LiveId" clId="{DFDC7C28-6C66-4F4E-B086-3AA776292A33}" dt="2024-03-20T11:12:21.156" v="977" actId="165"/>
           <ac:spMkLst>
             <pc:docMk/>
             <pc:sldMk cId="1223590295" sldId="256"/>
@@ -352,7 +353,7 @@
           </ac:spMkLst>
         </pc:spChg>
         <pc:spChg chg="mod">
-          <ac:chgData name="Tomi Lind" userId="73fe6e1701840021" providerId="LiveId" clId="{DFDC7C28-6C66-4F4E-B086-3AA776292A33}" dt="2024-03-19T17:38:33.657" v="968"/>
+          <ac:chgData name="Tomi Lind" userId="73fe6e1701840021" providerId="LiveId" clId="{DFDC7C28-6C66-4F4E-B086-3AA776292A33}" dt="2024-03-20T11:12:21.156" v="977" actId="165"/>
           <ac:spMkLst>
             <pc:docMk/>
             <pc:sldMk cId="1223590295" sldId="256"/>
@@ -360,7 +361,7 @@
           </ac:spMkLst>
         </pc:spChg>
         <pc:spChg chg="mod">
-          <ac:chgData name="Tomi Lind" userId="73fe6e1701840021" providerId="LiveId" clId="{DFDC7C28-6C66-4F4E-B086-3AA776292A33}" dt="2024-03-19T17:38:33.657" v="968"/>
+          <ac:chgData name="Tomi Lind" userId="73fe6e1701840021" providerId="LiveId" clId="{DFDC7C28-6C66-4F4E-B086-3AA776292A33}" dt="2024-03-20T11:12:21.156" v="977" actId="165"/>
           <ac:spMkLst>
             <pc:docMk/>
             <pc:sldMk cId="1223590295" sldId="256"/>
@@ -368,63 +369,63 @@
           </ac:spMkLst>
         </pc:spChg>
         <pc:spChg chg="mod">
-          <ac:chgData name="Tomi Lind" userId="73fe6e1701840021" providerId="LiveId" clId="{DFDC7C28-6C66-4F4E-B086-3AA776292A33}" dt="2024-03-19T17:38:33.657" v="968"/>
+          <ac:chgData name="Tomi Lind" userId="73fe6e1701840021" providerId="LiveId" clId="{DFDC7C28-6C66-4F4E-B086-3AA776292A33}" dt="2024-03-20T11:12:21.156" v="977" actId="165"/>
           <ac:spMkLst>
             <pc:docMk/>
             <pc:sldMk cId="1223590295" sldId="256"/>
             <ac:spMk id="41" creationId="{3EDE3DB7-B887-C61F-EB69-0376A05A7253}"/>
           </ac:spMkLst>
         </pc:spChg>
-        <pc:spChg chg="add mod">
-          <ac:chgData name="Tomi Lind" userId="73fe6e1701840021" providerId="LiveId" clId="{DFDC7C28-6C66-4F4E-B086-3AA776292A33}" dt="2024-03-19T17:44:17.586" v="976" actId="164"/>
+        <pc:spChg chg="add mod topLvl">
+          <ac:chgData name="Tomi Lind" userId="73fe6e1701840021" providerId="LiveId" clId="{DFDC7C28-6C66-4F4E-B086-3AA776292A33}" dt="2024-03-20T11:12:28.597" v="978" actId="164"/>
           <ac:spMkLst>
             <pc:docMk/>
             <pc:sldMk cId="1223590295" sldId="256"/>
             <ac:spMk id="43" creationId="{F06C3112-B20E-E8A1-D26A-F9A8F717D7A6}"/>
           </ac:spMkLst>
         </pc:spChg>
-        <pc:spChg chg="add mod">
-          <ac:chgData name="Tomi Lind" userId="73fe6e1701840021" providerId="LiveId" clId="{DFDC7C28-6C66-4F4E-B086-3AA776292A33}" dt="2024-03-19T17:44:17.586" v="976" actId="164"/>
+        <pc:spChg chg="add mod topLvl">
+          <ac:chgData name="Tomi Lind" userId="73fe6e1701840021" providerId="LiveId" clId="{DFDC7C28-6C66-4F4E-B086-3AA776292A33}" dt="2024-03-20T11:12:28.597" v="978" actId="164"/>
           <ac:spMkLst>
             <pc:docMk/>
             <pc:sldMk cId="1223590295" sldId="256"/>
             <ac:spMk id="44" creationId="{48D83332-967A-FB6E-D4B7-4415B09677EE}"/>
           </ac:spMkLst>
         </pc:spChg>
-        <pc:spChg chg="add mod">
-          <ac:chgData name="Tomi Lind" userId="73fe6e1701840021" providerId="LiveId" clId="{DFDC7C28-6C66-4F4E-B086-3AA776292A33}" dt="2024-03-19T17:44:17.586" v="976" actId="164"/>
+        <pc:spChg chg="add mod topLvl">
+          <ac:chgData name="Tomi Lind" userId="73fe6e1701840021" providerId="LiveId" clId="{DFDC7C28-6C66-4F4E-B086-3AA776292A33}" dt="2024-03-20T11:12:28.597" v="978" actId="164"/>
           <ac:spMkLst>
             <pc:docMk/>
             <pc:sldMk cId="1223590295" sldId="256"/>
             <ac:spMk id="45" creationId="{99B6CF1D-F4E3-8AD1-F114-0846E494166A}"/>
           </ac:spMkLst>
         </pc:spChg>
-        <pc:spChg chg="add mod">
-          <ac:chgData name="Tomi Lind" userId="73fe6e1701840021" providerId="LiveId" clId="{DFDC7C28-6C66-4F4E-B086-3AA776292A33}" dt="2024-03-19T17:44:17.586" v="976" actId="164"/>
+        <pc:spChg chg="add mod topLvl">
+          <ac:chgData name="Tomi Lind" userId="73fe6e1701840021" providerId="LiveId" clId="{DFDC7C28-6C66-4F4E-B086-3AA776292A33}" dt="2024-03-20T11:12:28.597" v="978" actId="164"/>
           <ac:spMkLst>
             <pc:docMk/>
             <pc:sldMk cId="1223590295" sldId="256"/>
             <ac:spMk id="46" creationId="{E99D759A-2C14-DF0A-15BD-A9982D85F97A}"/>
           </ac:spMkLst>
         </pc:spChg>
-        <pc:spChg chg="add mod">
-          <ac:chgData name="Tomi Lind" userId="73fe6e1701840021" providerId="LiveId" clId="{DFDC7C28-6C66-4F4E-B086-3AA776292A33}" dt="2024-03-19T17:44:17.586" v="976" actId="164"/>
+        <pc:spChg chg="add mod topLvl">
+          <ac:chgData name="Tomi Lind" userId="73fe6e1701840021" providerId="LiveId" clId="{DFDC7C28-6C66-4F4E-B086-3AA776292A33}" dt="2024-03-20T11:12:28.597" v="978" actId="164"/>
           <ac:spMkLst>
             <pc:docMk/>
             <pc:sldMk cId="1223590295" sldId="256"/>
             <ac:spMk id="47" creationId="{B46C1E8E-5A97-B9CC-5BA8-678AB2026376}"/>
           </ac:spMkLst>
         </pc:spChg>
-        <pc:spChg chg="add mod">
-          <ac:chgData name="Tomi Lind" userId="73fe6e1701840021" providerId="LiveId" clId="{DFDC7C28-6C66-4F4E-B086-3AA776292A33}" dt="2024-03-19T17:44:17.586" v="976" actId="164"/>
+        <pc:spChg chg="add mod topLvl">
+          <ac:chgData name="Tomi Lind" userId="73fe6e1701840021" providerId="LiveId" clId="{DFDC7C28-6C66-4F4E-B086-3AA776292A33}" dt="2024-03-20T11:12:28.597" v="978" actId="164"/>
           <ac:spMkLst>
             <pc:docMk/>
             <pc:sldMk cId="1223590295" sldId="256"/>
             <ac:spMk id="48" creationId="{FA9167F5-DF24-03EF-B3B0-A1DE13D421E1}"/>
           </ac:spMkLst>
         </pc:spChg>
-        <pc:spChg chg="add mod">
-          <ac:chgData name="Tomi Lind" userId="73fe6e1701840021" providerId="LiveId" clId="{DFDC7C28-6C66-4F4E-B086-3AA776292A33}" dt="2024-03-19T17:44:17.586" v="976" actId="164"/>
+        <pc:spChg chg="add mod topLvl">
+          <ac:chgData name="Tomi Lind" userId="73fe6e1701840021" providerId="LiveId" clId="{DFDC7C28-6C66-4F4E-B086-3AA776292A33}" dt="2024-03-20T11:12:28.597" v="978" actId="164"/>
           <ac:spMkLst>
             <pc:docMk/>
             <pc:sldMk cId="1223590295" sldId="256"/>
@@ -432,7 +433,15 @@
           </ac:spMkLst>
         </pc:spChg>
         <pc:grpChg chg="add mod">
-          <ac:chgData name="Tomi Lind" userId="73fe6e1701840021" providerId="LiveId" clId="{DFDC7C28-6C66-4F4E-B086-3AA776292A33}" dt="2024-03-19T17:44:17.586" v="976" actId="164"/>
+          <ac:chgData name="Tomi Lind" userId="73fe6e1701840021" providerId="LiveId" clId="{DFDC7C28-6C66-4F4E-B086-3AA776292A33}" dt="2024-03-20T11:12:28.597" v="978" actId="164"/>
+          <ac:grpSpMkLst>
+            <pc:docMk/>
+            <pc:sldMk cId="1223590295" sldId="256"/>
+            <ac:grpSpMk id="2" creationId="{B72E0438-0DC2-FB57-1138-6BBF3DC17F5F}"/>
+          </ac:grpSpMkLst>
+        </pc:grpChg>
+        <pc:grpChg chg="add del mod">
+          <ac:chgData name="Tomi Lind" userId="73fe6e1701840021" providerId="LiveId" clId="{DFDC7C28-6C66-4F4E-B086-3AA776292A33}" dt="2024-03-20T11:12:21.156" v="977" actId="165"/>
           <ac:grpSpMkLst>
             <pc:docMk/>
             <pc:sldMk cId="1223590295" sldId="256"/>
@@ -447,8 +456,8 @@
             <ac:grpSpMk id="7" creationId="{FB7E3DC9-FA59-F7C5-A347-FCDC4AFF5EA2}"/>
           </ac:grpSpMkLst>
         </pc:grpChg>
-        <pc:grpChg chg="add mod">
-          <ac:chgData name="Tomi Lind" userId="73fe6e1701840021" providerId="LiveId" clId="{DFDC7C28-6C66-4F4E-B086-3AA776292A33}" dt="2024-03-19T17:44:17.586" v="976" actId="164"/>
+        <pc:grpChg chg="add mod topLvl">
+          <ac:chgData name="Tomi Lind" userId="73fe6e1701840021" providerId="LiveId" clId="{DFDC7C28-6C66-4F4E-B086-3AA776292A33}" dt="2024-03-20T11:12:21.156" v="977" actId="165"/>
           <ac:grpSpMkLst>
             <pc:docMk/>
             <pc:sldMk cId="1223590295" sldId="256"/>
@@ -479,8 +488,8 @@
             <ac:picMk id="31" creationId="{0F1D6505-C3C7-5609-C17A-96164A0038E4}"/>
           </ac:picMkLst>
         </pc:picChg>
-        <pc:picChg chg="add mod">
-          <ac:chgData name="Tomi Lind" userId="73fe6e1701840021" providerId="LiveId" clId="{DFDC7C28-6C66-4F4E-B086-3AA776292A33}" dt="2024-03-19T17:44:17.586" v="976" actId="164"/>
+        <pc:picChg chg="add mod topLvl">
+          <ac:chgData name="Tomi Lind" userId="73fe6e1701840021" providerId="LiveId" clId="{DFDC7C28-6C66-4F4E-B086-3AA776292A33}" dt="2024-03-20T11:12:21.156" v="977" actId="165"/>
           <ac:picMkLst>
             <pc:docMk/>
             <pc:sldMk cId="1223590295" sldId="256"/>
@@ -519,6 +528,101 @@
           <pc:sldMk cId="110841472" sldId="257"/>
         </pc:sldMkLst>
       </pc:sldChg>
+      <pc:sldChg chg="delSp modSp add">
+        <pc:chgData name="Tomi Lind" userId="73fe6e1701840021" providerId="LiveId" clId="{DFDC7C28-6C66-4F4E-B086-3AA776292A33}" dt="2024-03-20T11:15:54.709" v="981" actId="165"/>
+        <pc:sldMkLst>
+          <pc:docMk/>
+          <pc:sldMk cId="1529459634" sldId="257"/>
+        </pc:sldMkLst>
+        <pc:spChg chg="mod topLvl">
+          <ac:chgData name="Tomi Lind" userId="73fe6e1701840021" providerId="LiveId" clId="{DFDC7C28-6C66-4F4E-B086-3AA776292A33}" dt="2024-03-20T11:15:54.709" v="981" actId="165"/>
+          <ac:spMkLst>
+            <pc:docMk/>
+            <pc:sldMk cId="1529459634" sldId="257"/>
+            <ac:spMk id="33" creationId="{64210DD2-0DCA-F92E-6C08-6CCEECA7E8BE}"/>
+          </ac:spMkLst>
+        </pc:spChg>
+        <pc:spChg chg="mod topLvl">
+          <ac:chgData name="Tomi Lind" userId="73fe6e1701840021" providerId="LiveId" clId="{DFDC7C28-6C66-4F4E-B086-3AA776292A33}" dt="2024-03-20T11:15:54.709" v="981" actId="165"/>
+          <ac:spMkLst>
+            <pc:docMk/>
+            <pc:sldMk cId="1529459634" sldId="257"/>
+            <ac:spMk id="34" creationId="{946D74E4-D46A-E866-697E-70C9AF2347D4}"/>
+          </ac:spMkLst>
+        </pc:spChg>
+        <pc:spChg chg="mod topLvl">
+          <ac:chgData name="Tomi Lind" userId="73fe6e1701840021" providerId="LiveId" clId="{DFDC7C28-6C66-4F4E-B086-3AA776292A33}" dt="2024-03-20T11:15:54.709" v="981" actId="165"/>
+          <ac:spMkLst>
+            <pc:docMk/>
+            <pc:sldMk cId="1529459634" sldId="257"/>
+            <ac:spMk id="35" creationId="{393F6874-69C3-2EC3-9DC3-A5AFD7D2C414}"/>
+          </ac:spMkLst>
+        </pc:spChg>
+        <pc:spChg chg="mod topLvl">
+          <ac:chgData name="Tomi Lind" userId="73fe6e1701840021" providerId="LiveId" clId="{DFDC7C28-6C66-4F4E-B086-3AA776292A33}" dt="2024-03-20T11:15:54.709" v="981" actId="165"/>
+          <ac:spMkLst>
+            <pc:docMk/>
+            <pc:sldMk cId="1529459634" sldId="257"/>
+            <ac:spMk id="36" creationId="{F6088985-D353-3DD8-876B-803F41CE89F3}"/>
+          </ac:spMkLst>
+        </pc:spChg>
+        <pc:spChg chg="mod topLvl">
+          <ac:chgData name="Tomi Lind" userId="73fe6e1701840021" providerId="LiveId" clId="{DFDC7C28-6C66-4F4E-B086-3AA776292A33}" dt="2024-03-20T11:15:54.709" v="981" actId="165"/>
+          <ac:spMkLst>
+            <pc:docMk/>
+            <pc:sldMk cId="1529459634" sldId="257"/>
+            <ac:spMk id="37" creationId="{0069E417-00E7-7ECE-3B92-E432C6A111F8}"/>
+          </ac:spMkLst>
+        </pc:spChg>
+        <pc:spChg chg="mod topLvl">
+          <ac:chgData name="Tomi Lind" userId="73fe6e1701840021" providerId="LiveId" clId="{DFDC7C28-6C66-4F4E-B086-3AA776292A33}" dt="2024-03-20T11:15:54.709" v="981" actId="165"/>
+          <ac:spMkLst>
+            <pc:docMk/>
+            <pc:sldMk cId="1529459634" sldId="257"/>
+            <ac:spMk id="38" creationId="{AFA46248-6C00-93D5-3E73-5B865D725D1D}"/>
+          </ac:spMkLst>
+        </pc:spChg>
+        <pc:spChg chg="mod topLvl">
+          <ac:chgData name="Tomi Lind" userId="73fe6e1701840021" providerId="LiveId" clId="{DFDC7C28-6C66-4F4E-B086-3AA776292A33}" dt="2024-03-20T11:15:54.709" v="981" actId="165"/>
+          <ac:spMkLst>
+            <pc:docMk/>
+            <pc:sldMk cId="1529459634" sldId="257"/>
+            <ac:spMk id="39" creationId="{D6FC7DC6-A1BF-84EF-45DF-282406389CCB}"/>
+          </ac:spMkLst>
+        </pc:spChg>
+        <pc:spChg chg="mod topLvl">
+          <ac:chgData name="Tomi Lind" userId="73fe6e1701840021" providerId="LiveId" clId="{DFDC7C28-6C66-4F4E-B086-3AA776292A33}" dt="2024-03-20T11:15:54.709" v="981" actId="165"/>
+          <ac:spMkLst>
+            <pc:docMk/>
+            <pc:sldMk cId="1529459634" sldId="257"/>
+            <ac:spMk id="40" creationId="{EDC864D6-4D6D-4BF3-898E-11CF51FCBD0C}"/>
+          </ac:spMkLst>
+        </pc:spChg>
+        <pc:spChg chg="mod topLvl">
+          <ac:chgData name="Tomi Lind" userId="73fe6e1701840021" providerId="LiveId" clId="{DFDC7C28-6C66-4F4E-B086-3AA776292A33}" dt="2024-03-20T11:15:54.709" v="981" actId="165"/>
+          <ac:spMkLst>
+            <pc:docMk/>
+            <pc:sldMk cId="1529459634" sldId="257"/>
+            <ac:spMk id="41" creationId="{3EDE3DB7-B887-C61F-EB69-0376A05A7253}"/>
+          </ac:spMkLst>
+        </pc:spChg>
+        <pc:grpChg chg="del">
+          <ac:chgData name="Tomi Lind" userId="73fe6e1701840021" providerId="LiveId" clId="{DFDC7C28-6C66-4F4E-B086-3AA776292A33}" dt="2024-03-20T11:15:21.342" v="980" actId="478"/>
+          <ac:grpSpMkLst>
+            <pc:docMk/>
+            <pc:sldMk cId="1529459634" sldId="257"/>
+            <ac:grpSpMk id="2" creationId="{B72E0438-0DC2-FB57-1138-6BBF3DC17F5F}"/>
+          </ac:grpSpMkLst>
+        </pc:grpChg>
+        <pc:grpChg chg="del">
+          <ac:chgData name="Tomi Lind" userId="73fe6e1701840021" providerId="LiveId" clId="{DFDC7C28-6C66-4F4E-B086-3AA776292A33}" dt="2024-03-20T11:15:54.709" v="981" actId="165"/>
+          <ac:grpSpMkLst>
+            <pc:docMk/>
+            <pc:sldMk cId="1529459634" sldId="257"/>
+            <ac:grpSpMk id="32" creationId="{83D90ABA-8180-29F9-D95E-854324AC9B1B}"/>
+          </ac:grpSpMkLst>
+        </pc:grpChg>
+      </pc:sldChg>
       <pc:sldChg chg="add del">
         <pc:chgData name="Tomi Lind" userId="73fe6e1701840021" providerId="LiveId" clId="{DFDC7C28-6C66-4F4E-B086-3AA776292A33}" dt="2024-03-19T16:59:23.799" v="7" actId="47"/>
         <pc:sldMkLst>
@@ -540,6 +644,37 @@
             <ac:grpSpMk id="7" creationId="{FB7E3DC9-FA59-F7C5-A347-FCDC4AFF5EA2}"/>
           </ac:grpSpMkLst>
         </pc:grpChg>
+      </pc:sldChg>
+      <pc:sldChg chg="delSp modSp add mod">
+        <pc:chgData name="Tomi Lind" userId="73fe6e1701840021" providerId="LiveId" clId="{DFDC7C28-6C66-4F4E-B086-3AA776292A33}" dt="2024-03-20T11:16:16.463" v="985" actId="478"/>
+        <pc:sldMkLst>
+          <pc:docMk/>
+          <pc:sldMk cId="4081558524" sldId="258"/>
+        </pc:sldMkLst>
+        <pc:grpChg chg="mod">
+          <ac:chgData name="Tomi Lind" userId="73fe6e1701840021" providerId="LiveId" clId="{DFDC7C28-6C66-4F4E-B086-3AA776292A33}" dt="2024-03-20T11:16:10.640" v="983" actId="167"/>
+          <ac:grpSpMkLst>
+            <pc:docMk/>
+            <pc:sldMk cId="4081558524" sldId="258"/>
+            <ac:grpSpMk id="2" creationId="{B72E0438-0DC2-FB57-1138-6BBF3DC17F5F}"/>
+          </ac:grpSpMkLst>
+        </pc:grpChg>
+        <pc:grpChg chg="del">
+          <ac:chgData name="Tomi Lind" userId="73fe6e1701840021" providerId="LiveId" clId="{DFDC7C28-6C66-4F4E-B086-3AA776292A33}" dt="2024-03-20T11:16:16.463" v="985" actId="478"/>
+          <ac:grpSpMkLst>
+            <pc:docMk/>
+            <pc:sldMk cId="4081558524" sldId="258"/>
+            <ac:grpSpMk id="32" creationId="{83D90ABA-8180-29F9-D95E-854324AC9B1B}"/>
+          </ac:grpSpMkLst>
+        </pc:grpChg>
+        <pc:picChg chg="ord">
+          <ac:chgData name="Tomi Lind" userId="73fe6e1701840021" providerId="LiveId" clId="{DFDC7C28-6C66-4F4E-B086-3AA776292A33}" dt="2024-03-20T11:16:13.192" v="984" actId="167"/>
+          <ac:picMkLst>
+            <pc:docMk/>
+            <pc:sldMk cId="4081558524" sldId="258"/>
+            <ac:picMk id="42" creationId="{83CBA39E-F1F5-2F2E-8749-08C496776519}"/>
+          </ac:picMkLst>
+        </pc:picChg>
       </pc:sldChg>
       <pc:sldChg chg="add del">
         <pc:chgData name="Tomi Lind" userId="73fe6e1701840021" providerId="LiveId" clId="{DFDC7C28-6C66-4F4E-B086-3AA776292A33}" dt="2024-03-19T17:42:22.703" v="973" actId="47"/>
@@ -724,7 +859,7 @@
           <a:p>
             <a:fld id="{70FB0044-ACBC-402F-885F-7B365F3B83E2}" type="datetimeFigureOut">
               <a:rPr lang="en-FI" smtClean="0"/>
-              <a:t>19/03/2024</a:t>
+              <a:t>20/03/2024</a:t>
             </a:fld>
             <a:endParaRPr lang="en-FI"/>
           </a:p>
@@ -924,7 +1059,7 @@
           <a:p>
             <a:fld id="{70FB0044-ACBC-402F-885F-7B365F3B83E2}" type="datetimeFigureOut">
               <a:rPr lang="en-FI" smtClean="0"/>
-              <a:t>19/03/2024</a:t>
+              <a:t>20/03/2024</a:t>
             </a:fld>
             <a:endParaRPr lang="en-FI"/>
           </a:p>
@@ -1134,7 +1269,7 @@
           <a:p>
             <a:fld id="{70FB0044-ACBC-402F-885F-7B365F3B83E2}" type="datetimeFigureOut">
               <a:rPr lang="en-FI" smtClean="0"/>
-              <a:t>19/03/2024</a:t>
+              <a:t>20/03/2024</a:t>
             </a:fld>
             <a:endParaRPr lang="en-FI"/>
           </a:p>
@@ -1334,7 +1469,7 @@
           <a:p>
             <a:fld id="{70FB0044-ACBC-402F-885F-7B365F3B83E2}" type="datetimeFigureOut">
               <a:rPr lang="en-FI" smtClean="0"/>
-              <a:t>19/03/2024</a:t>
+              <a:t>20/03/2024</a:t>
             </a:fld>
             <a:endParaRPr lang="en-FI"/>
           </a:p>
@@ -1610,7 +1745,7 @@
           <a:p>
             <a:fld id="{70FB0044-ACBC-402F-885F-7B365F3B83E2}" type="datetimeFigureOut">
               <a:rPr lang="en-FI" smtClean="0"/>
-              <a:t>19/03/2024</a:t>
+              <a:t>20/03/2024</a:t>
             </a:fld>
             <a:endParaRPr lang="en-FI"/>
           </a:p>
@@ -1878,7 +2013,7 @@
           <a:p>
             <a:fld id="{70FB0044-ACBC-402F-885F-7B365F3B83E2}" type="datetimeFigureOut">
               <a:rPr lang="en-FI" smtClean="0"/>
-              <a:t>19/03/2024</a:t>
+              <a:t>20/03/2024</a:t>
             </a:fld>
             <a:endParaRPr lang="en-FI"/>
           </a:p>
@@ -2293,7 +2428,7 @@
           <a:p>
             <a:fld id="{70FB0044-ACBC-402F-885F-7B365F3B83E2}" type="datetimeFigureOut">
               <a:rPr lang="en-FI" smtClean="0"/>
-              <a:t>19/03/2024</a:t>
+              <a:t>20/03/2024</a:t>
             </a:fld>
             <a:endParaRPr lang="en-FI"/>
           </a:p>
@@ -2435,7 +2570,7 @@
           <a:p>
             <a:fld id="{70FB0044-ACBC-402F-885F-7B365F3B83E2}" type="datetimeFigureOut">
               <a:rPr lang="en-FI" smtClean="0"/>
-              <a:t>19/03/2024</a:t>
+              <a:t>20/03/2024</a:t>
             </a:fld>
             <a:endParaRPr lang="en-FI"/>
           </a:p>
@@ -2548,7 +2683,7 @@
           <a:p>
             <a:fld id="{70FB0044-ACBC-402F-885F-7B365F3B83E2}" type="datetimeFigureOut">
               <a:rPr lang="en-FI" smtClean="0"/>
-              <a:t>19/03/2024</a:t>
+              <a:t>20/03/2024</a:t>
             </a:fld>
             <a:endParaRPr lang="en-FI"/>
           </a:p>
@@ -2861,7 +2996,7 @@
           <a:p>
             <a:fld id="{70FB0044-ACBC-402F-885F-7B365F3B83E2}" type="datetimeFigureOut">
               <a:rPr lang="en-FI" smtClean="0"/>
-              <a:t>19/03/2024</a:t>
+              <a:t>20/03/2024</a:t>
             </a:fld>
             <a:endParaRPr lang="en-FI"/>
           </a:p>
@@ -3150,7 +3285,7 @@
           <a:p>
             <a:fld id="{70FB0044-ACBC-402F-885F-7B365F3B83E2}" type="datetimeFigureOut">
               <a:rPr lang="en-FI" smtClean="0"/>
-              <a:t>19/03/2024</a:t>
+              <a:t>20/03/2024</a:t>
             </a:fld>
             <a:endParaRPr lang="en-FI"/>
           </a:p>
@@ -3393,7 +3528,7 @@
           <a:p>
             <a:fld id="{70FB0044-ACBC-402F-885F-7B365F3B83E2}" type="datetimeFigureOut">
               <a:rPr lang="en-FI" smtClean="0"/>
-              <a:t>19/03/2024</a:t>
+              <a:t>20/03/2024</a:t>
             </a:fld>
             <a:endParaRPr lang="en-FI"/>
           </a:p>
@@ -3810,12 +3945,51 @@
           <a:chExt cx="0" cy="0"/>
         </a:xfrm>
       </p:grpSpPr>
+      <p:pic>
+        <p:nvPicPr>
+          <p:cNvPr id="42" name="Graphic 41">
+            <a:extLst>
+              <a:ext uri="{FF2B5EF4-FFF2-40B4-BE49-F238E27FC236}">
+                <a16:creationId xmlns:a16="http://schemas.microsoft.com/office/drawing/2014/main" id="{83CBA39E-F1F5-2F2E-8749-08C496776519}"/>
+              </a:ext>
+            </a:extLst>
+          </p:cNvPr>
+          <p:cNvPicPr>
+            <a:picLocks noChangeAspect="1"/>
+          </p:cNvPicPr>
+          <p:nvPr/>
+        </p:nvPicPr>
+        <p:blipFill>
+          <a:blip r:embed="rId2">
+            <a:extLst>
+              <a:ext uri="{28A0092B-C50C-407E-A947-70E740481C1C}">
+                <a14:useLocalDpi xmlns:a14="http://schemas.microsoft.com/office/drawing/2010/main" val="0"/>
+              </a:ext>
+              <a:ext uri="{96DAC541-7B7A-43D3-8B79-37D633B846F1}">
+                <asvg:svgBlip xmlns:asvg="http://schemas.microsoft.com/office/drawing/2016/SVG/main" r:embed="rId3"/>
+              </a:ext>
+            </a:extLst>
+          </a:blip>
+          <a:stretch>
+            <a:fillRect/>
+          </a:stretch>
+        </p:blipFill>
+        <p:spPr>
+          <a:xfrm>
+            <a:off x="-4" y="2152942"/>
+            <a:ext cx="2548509" cy="2549132"/>
+          </a:xfrm>
+          <a:prstGeom prst="rect">
+            <a:avLst/>
+          </a:prstGeom>
+        </p:spPr>
+      </p:pic>
       <p:grpSp>
         <p:nvGrpSpPr>
-          <p:cNvPr id="4" name="Group 3">
+          <p:cNvPr id="2" name="Group 1">
             <a:extLst>
               <a:ext uri="{FF2B5EF4-FFF2-40B4-BE49-F238E27FC236}">
-                <a16:creationId xmlns:a16="http://schemas.microsoft.com/office/drawing/2014/main" id="{F2222A0B-55CC-B66A-E022-BD46F27CDBD4}"/>
+                <a16:creationId xmlns:a16="http://schemas.microsoft.com/office/drawing/2014/main" id="{B72E0438-0DC2-FB57-1138-6BBF3DC17F5F}"/>
               </a:ext>
             </a:extLst>
           </p:cNvPr>
@@ -3824,2502 +3998,12 @@
         </p:nvGrpSpPr>
         <p:grpSpPr>
           <a:xfrm>
-            <a:off x="-4" y="2069177"/>
-            <a:ext cx="12193378" cy="2739426"/>
-            <a:chOff x="-4" y="2069177"/>
-            <a:chExt cx="12193378" cy="2739426"/>
+            <a:off x="2311667" y="2069177"/>
+            <a:ext cx="9766352" cy="2739426"/>
+            <a:chOff x="2311667" y="2069177"/>
+            <a:chExt cx="9766352" cy="2739426"/>
           </a:xfrm>
         </p:grpSpPr>
-        <p:grpSp>
-          <p:nvGrpSpPr>
-            <p:cNvPr id="32" name="Graphic 4">
-              <a:extLst>
-                <a:ext uri="{FF2B5EF4-FFF2-40B4-BE49-F238E27FC236}">
-                  <a16:creationId xmlns:a16="http://schemas.microsoft.com/office/drawing/2014/main" id="{83D90ABA-8180-29F9-D95E-854324AC9B1B}"/>
-                </a:ext>
-              </a:extLst>
-            </p:cNvPr>
-            <p:cNvGrpSpPr/>
-            <p:nvPr/>
-          </p:nvGrpSpPr>
-          <p:grpSpPr>
-            <a:xfrm>
-              <a:off x="-3" y="2154553"/>
-              <a:ext cx="12193377" cy="2547521"/>
-              <a:chOff x="-3" y="2154553"/>
-              <a:chExt cx="12193377" cy="2547521"/>
-            </a:xfrm>
-          </p:grpSpPr>
-          <p:sp>
-            <p:nvSpPr>
-              <p:cNvPr id="33" name="Freeform: Shape 32">
-                <a:extLst>
-                  <a:ext uri="{FF2B5EF4-FFF2-40B4-BE49-F238E27FC236}">
-                    <a16:creationId xmlns:a16="http://schemas.microsoft.com/office/drawing/2014/main" id="{64210DD2-0DCA-F92E-6C08-6CCEECA7E8BE}"/>
-                  </a:ext>
-                </a:extLst>
-              </p:cNvPr>
-              <p:cNvSpPr/>
-              <p:nvPr/>
-            </p:nvSpPr>
-            <p:spPr>
-              <a:xfrm>
-                <a:off x="-3" y="2155698"/>
-                <a:ext cx="2546362" cy="2546376"/>
-              </a:xfrm>
-              <a:custGeom>
-                <a:avLst/>
-                <a:gdLst>
-                  <a:gd name="connsiteX0" fmla="*/ 2508628 w 2546362"/>
-                  <a:gd name="connsiteY0" fmla="*/ 1579606 h 2546376"/>
-                  <a:gd name="connsiteX1" fmla="*/ 966771 w 2546362"/>
-                  <a:gd name="connsiteY1" fmla="*/ 2508655 h 2546376"/>
-                  <a:gd name="connsiteX2" fmla="*/ 37722 w 2546362"/>
-                  <a:gd name="connsiteY2" fmla="*/ 966826 h 2546376"/>
-                  <a:gd name="connsiteX3" fmla="*/ 1579550 w 2546362"/>
-                  <a:gd name="connsiteY3" fmla="*/ 37720 h 2546376"/>
-                  <a:gd name="connsiteX4" fmla="*/ 1583016 w 2546362"/>
-                  <a:gd name="connsiteY4" fmla="*/ 38608 h 2546376"/>
-                  <a:gd name="connsiteX5" fmla="*/ 2508628 w 2546362"/>
-                  <a:gd name="connsiteY5" fmla="*/ 1579606 h 2546376"/>
-                </a:gdLst>
-                <a:ahLst/>
-                <a:cxnLst>
-                  <a:cxn ang="0">
-                    <a:pos x="connsiteX0" y="connsiteY0"/>
-                  </a:cxn>
-                  <a:cxn ang="0">
-                    <a:pos x="connsiteX1" y="connsiteY1"/>
-                  </a:cxn>
-                  <a:cxn ang="0">
-                    <a:pos x="connsiteX2" y="connsiteY2"/>
-                  </a:cxn>
-                  <a:cxn ang="0">
-                    <a:pos x="connsiteX3" y="connsiteY3"/>
-                  </a:cxn>
-                  <a:cxn ang="0">
-                    <a:pos x="connsiteX4" y="connsiteY4"/>
-                  </a:cxn>
-                  <a:cxn ang="0">
-                    <a:pos x="connsiteX5" y="connsiteY5"/>
-                  </a:cxn>
-                </a:cxnLst>
-                <a:rect l="l" t="t" r="r" b="b"/>
-                <a:pathLst>
-                  <a:path w="2546362" h="2546376">
-                    <a:moveTo>
-                      <a:pt x="2508628" y="1579606"/>
-                    </a:moveTo>
-                    <a:cubicBezTo>
-                      <a:pt x="2339424" y="2261922"/>
-                      <a:pt x="1649116" y="2677859"/>
-                      <a:pt x="966771" y="2508655"/>
-                    </a:cubicBezTo>
-                    <a:cubicBezTo>
-                      <a:pt x="284454" y="2339479"/>
-                      <a:pt x="-131483" y="1649143"/>
-                      <a:pt x="37722" y="966826"/>
-                    </a:cubicBezTo>
-                    <a:cubicBezTo>
-                      <a:pt x="206926" y="284481"/>
-                      <a:pt x="897233" y="-131485"/>
-                      <a:pt x="1579550" y="37720"/>
-                    </a:cubicBezTo>
-                    <a:cubicBezTo>
-                      <a:pt x="1580696" y="38006"/>
-                      <a:pt x="1581870" y="38293"/>
-                      <a:pt x="1583016" y="38608"/>
-                    </a:cubicBezTo>
-                    <a:cubicBezTo>
-                      <a:pt x="2263528" y="209387"/>
-                      <a:pt x="2677546" y="898606"/>
-                      <a:pt x="2508628" y="1579606"/>
-                    </a:cubicBezTo>
-                    <a:close/>
-                  </a:path>
-                </a:pathLst>
-              </a:custGeom>
-              <a:solidFill>
-                <a:srgbClr val="F7931A"/>
-              </a:solidFill>
-              <a:ln w="2864" cap="flat">
-                <a:noFill/>
-                <a:prstDash val="solid"/>
-                <a:miter/>
-              </a:ln>
-            </p:spPr>
-            <p:txBody>
-              <a:bodyPr rtlCol="0" anchor="ctr"/>
-              <a:lstStyle/>
-              <a:p>
-                <a:endParaRPr lang="en-FI"/>
-              </a:p>
-            </p:txBody>
-          </p:sp>
-          <p:sp>
-            <p:nvSpPr>
-              <p:cNvPr id="34" name="Freeform: Shape 33">
-                <a:extLst>
-                  <a:ext uri="{FF2B5EF4-FFF2-40B4-BE49-F238E27FC236}">
-                    <a16:creationId xmlns:a16="http://schemas.microsoft.com/office/drawing/2014/main" id="{946D74E4-D46A-E866-697E-70C9AF2347D4}"/>
-                  </a:ext>
-                </a:extLst>
-              </p:cNvPr>
-              <p:cNvSpPr/>
-              <p:nvPr/>
-            </p:nvSpPr>
-            <p:spPr>
-              <a:xfrm>
-                <a:off x="621571" y="2596896"/>
-                <a:ext cx="1218339" cy="1613055"/>
-              </a:xfrm>
-              <a:custGeom>
-                <a:avLst/>
-                <a:gdLst>
-                  <a:gd name="connsiteX0" fmla="*/ 940362 w 1218339"/>
-                  <a:gd name="connsiteY0" fmla="*/ 646746 h 1613055"/>
-                  <a:gd name="connsiteX1" fmla="*/ 579185 w 1218339"/>
-                  <a:gd name="connsiteY1" fmla="*/ 704828 h 1613055"/>
-                  <a:gd name="connsiteX2" fmla="*/ 648779 w 1218339"/>
-                  <a:gd name="connsiteY2" fmla="*/ 426391 h 1613055"/>
-                  <a:gd name="connsiteX3" fmla="*/ 939159 w 1218339"/>
-                  <a:gd name="connsiteY3" fmla="*/ 646746 h 1613055"/>
-                  <a:gd name="connsiteX4" fmla="*/ 940362 w 1218339"/>
-                  <a:gd name="connsiteY4" fmla="*/ 646746 h 1613055"/>
-                  <a:gd name="connsiteX5" fmla="*/ 897001 w 1218339"/>
-                  <a:gd name="connsiteY5" fmla="*/ 1096679 h 1613055"/>
-                  <a:gd name="connsiteX6" fmla="*/ 467403 w 1218339"/>
-                  <a:gd name="connsiteY6" fmla="*/ 1152727 h 1613055"/>
-                  <a:gd name="connsiteX7" fmla="*/ 544158 w 1218339"/>
-                  <a:gd name="connsiteY7" fmla="*/ 845249 h 1613055"/>
-                  <a:gd name="connsiteX8" fmla="*/ 897001 w 1218339"/>
-                  <a:gd name="connsiteY8" fmla="*/ 1096679 h 1613055"/>
-                  <a:gd name="connsiteX9" fmla="*/ 1215219 w 1218339"/>
-                  <a:gd name="connsiteY9" fmla="*/ 649152 h 1613055"/>
-                  <a:gd name="connsiteX10" fmla="*/ 936782 w 1218339"/>
-                  <a:gd name="connsiteY10" fmla="*/ 328156 h 1613055"/>
-                  <a:gd name="connsiteX11" fmla="*/ 994062 w 1218339"/>
-                  <a:gd name="connsiteY11" fmla="*/ 98636 h 1613055"/>
-                  <a:gd name="connsiteX12" fmla="*/ 852867 w 1218339"/>
-                  <a:gd name="connsiteY12" fmla="*/ 63638 h 1613055"/>
-                  <a:gd name="connsiteX13" fmla="*/ 797191 w 1218339"/>
-                  <a:gd name="connsiteY13" fmla="*/ 287201 h 1613055"/>
-                  <a:gd name="connsiteX14" fmla="*/ 685410 w 1218339"/>
-                  <a:gd name="connsiteY14" fmla="*/ 260938 h 1613055"/>
-                  <a:gd name="connsiteX15" fmla="*/ 741086 w 1218339"/>
-                  <a:gd name="connsiteY15" fmla="*/ 34998 h 1613055"/>
-                  <a:gd name="connsiteX16" fmla="*/ 601466 w 1218339"/>
-                  <a:gd name="connsiteY16" fmla="*/ 0 h 1613055"/>
-                  <a:gd name="connsiteX17" fmla="*/ 544187 w 1218339"/>
-                  <a:gd name="connsiteY17" fmla="*/ 229520 h 1613055"/>
-                  <a:gd name="connsiteX18" fmla="*/ 455088 w 1218339"/>
-                  <a:gd name="connsiteY18" fmla="*/ 209644 h 1613055"/>
-                  <a:gd name="connsiteX19" fmla="*/ 262170 w 1218339"/>
-                  <a:gd name="connsiteY19" fmla="*/ 161500 h 1613055"/>
-                  <a:gd name="connsiteX20" fmla="*/ 225167 w 1218339"/>
-                  <a:gd name="connsiteY20" fmla="*/ 310686 h 1613055"/>
-                  <a:gd name="connsiteX21" fmla="*/ 326609 w 1218339"/>
-                  <a:gd name="connsiteY21" fmla="*/ 336146 h 1613055"/>
-                  <a:gd name="connsiteX22" fmla="*/ 391851 w 1218339"/>
-                  <a:gd name="connsiteY22" fmla="*/ 415708 h 1613055"/>
-                  <a:gd name="connsiteX23" fmla="*/ 235105 w 1218339"/>
-                  <a:gd name="connsiteY23" fmla="*/ 1044210 h 1613055"/>
-                  <a:gd name="connsiteX24" fmla="*/ 171095 w 1218339"/>
-                  <a:gd name="connsiteY24" fmla="*/ 1077232 h 1613055"/>
-                  <a:gd name="connsiteX25" fmla="*/ 171066 w 1218339"/>
-                  <a:gd name="connsiteY25" fmla="*/ 1077232 h 1613055"/>
-                  <a:gd name="connsiteX26" fmla="*/ 69223 w 1218339"/>
-                  <a:gd name="connsiteY26" fmla="*/ 1052172 h 1613055"/>
-                  <a:gd name="connsiteX27" fmla="*/ 0 w 1218339"/>
-                  <a:gd name="connsiteY27" fmla="*/ 1211296 h 1613055"/>
-                  <a:gd name="connsiteX28" fmla="*/ 181777 w 1218339"/>
-                  <a:gd name="connsiteY28" fmla="*/ 1256260 h 1613055"/>
-                  <a:gd name="connsiteX29" fmla="*/ 281215 w 1218339"/>
-                  <a:gd name="connsiteY29" fmla="*/ 1282122 h 1613055"/>
-                  <a:gd name="connsiteX30" fmla="*/ 223534 w 1218339"/>
-                  <a:gd name="connsiteY30" fmla="*/ 1514019 h 1613055"/>
-                  <a:gd name="connsiteX31" fmla="*/ 363154 w 1218339"/>
-                  <a:gd name="connsiteY31" fmla="*/ 1549017 h 1613055"/>
-                  <a:gd name="connsiteX32" fmla="*/ 420434 w 1218339"/>
-                  <a:gd name="connsiteY32" fmla="*/ 1319497 h 1613055"/>
-                  <a:gd name="connsiteX33" fmla="*/ 531413 w 1218339"/>
-                  <a:gd name="connsiteY33" fmla="*/ 1348137 h 1613055"/>
-                  <a:gd name="connsiteX34" fmla="*/ 474935 w 1218339"/>
-                  <a:gd name="connsiteY34" fmla="*/ 1578459 h 1613055"/>
-                  <a:gd name="connsiteX35" fmla="*/ 614555 w 1218339"/>
-                  <a:gd name="connsiteY35" fmla="*/ 1613056 h 1613055"/>
-                  <a:gd name="connsiteX36" fmla="*/ 672235 w 1218339"/>
-                  <a:gd name="connsiteY36" fmla="*/ 1381560 h 1613055"/>
-                  <a:gd name="connsiteX37" fmla="*/ 1165071 w 1218339"/>
-                  <a:gd name="connsiteY37" fmla="*/ 1193023 h 1613055"/>
-                  <a:gd name="connsiteX38" fmla="*/ 1036592 w 1218339"/>
-                  <a:gd name="connsiteY38" fmla="*/ 854500 h 1613055"/>
-                  <a:gd name="connsiteX39" fmla="*/ 1215191 w 1218339"/>
-                  <a:gd name="connsiteY39" fmla="*/ 649238 h 1613055"/>
-                  <a:gd name="connsiteX40" fmla="*/ 1215219 w 1218339"/>
-                  <a:gd name="connsiteY40" fmla="*/ 649152 h 1613055"/>
-                </a:gdLst>
-                <a:ahLst/>
-                <a:cxnLst>
-                  <a:cxn ang="0">
-                    <a:pos x="connsiteX0" y="connsiteY0"/>
-                  </a:cxn>
-                  <a:cxn ang="0">
-                    <a:pos x="connsiteX1" y="connsiteY1"/>
-                  </a:cxn>
-                  <a:cxn ang="0">
-                    <a:pos x="connsiteX2" y="connsiteY2"/>
-                  </a:cxn>
-                  <a:cxn ang="0">
-                    <a:pos x="connsiteX3" y="connsiteY3"/>
-                  </a:cxn>
-                  <a:cxn ang="0">
-                    <a:pos x="connsiteX4" y="connsiteY4"/>
-                  </a:cxn>
-                  <a:cxn ang="0">
-                    <a:pos x="connsiteX5" y="connsiteY5"/>
-                  </a:cxn>
-                  <a:cxn ang="0">
-                    <a:pos x="connsiteX6" y="connsiteY6"/>
-                  </a:cxn>
-                  <a:cxn ang="0">
-                    <a:pos x="connsiteX7" y="connsiteY7"/>
-                  </a:cxn>
-                  <a:cxn ang="0">
-                    <a:pos x="connsiteX8" y="connsiteY8"/>
-                  </a:cxn>
-                  <a:cxn ang="0">
-                    <a:pos x="connsiteX9" y="connsiteY9"/>
-                  </a:cxn>
-                  <a:cxn ang="0">
-                    <a:pos x="connsiteX10" y="connsiteY10"/>
-                  </a:cxn>
-                  <a:cxn ang="0">
-                    <a:pos x="connsiteX11" y="connsiteY11"/>
-                  </a:cxn>
-                  <a:cxn ang="0">
-                    <a:pos x="connsiteX12" y="connsiteY12"/>
-                  </a:cxn>
-                  <a:cxn ang="0">
-                    <a:pos x="connsiteX13" y="connsiteY13"/>
-                  </a:cxn>
-                  <a:cxn ang="0">
-                    <a:pos x="connsiteX14" y="connsiteY14"/>
-                  </a:cxn>
-                  <a:cxn ang="0">
-                    <a:pos x="connsiteX15" y="connsiteY15"/>
-                  </a:cxn>
-                  <a:cxn ang="0">
-                    <a:pos x="connsiteX16" y="connsiteY16"/>
-                  </a:cxn>
-                  <a:cxn ang="0">
-                    <a:pos x="connsiteX17" y="connsiteY17"/>
-                  </a:cxn>
-                  <a:cxn ang="0">
-                    <a:pos x="connsiteX18" y="connsiteY18"/>
-                  </a:cxn>
-                  <a:cxn ang="0">
-                    <a:pos x="connsiteX19" y="connsiteY19"/>
-                  </a:cxn>
-                  <a:cxn ang="0">
-                    <a:pos x="connsiteX20" y="connsiteY20"/>
-                  </a:cxn>
-                  <a:cxn ang="0">
-                    <a:pos x="connsiteX21" y="connsiteY21"/>
-                  </a:cxn>
-                  <a:cxn ang="0">
-                    <a:pos x="connsiteX22" y="connsiteY22"/>
-                  </a:cxn>
-                  <a:cxn ang="0">
-                    <a:pos x="connsiteX23" y="connsiteY23"/>
-                  </a:cxn>
-                  <a:cxn ang="0">
-                    <a:pos x="connsiteX24" y="connsiteY24"/>
-                  </a:cxn>
-                  <a:cxn ang="0">
-                    <a:pos x="connsiteX25" y="connsiteY25"/>
-                  </a:cxn>
-                  <a:cxn ang="0">
-                    <a:pos x="connsiteX26" y="connsiteY26"/>
-                  </a:cxn>
-                  <a:cxn ang="0">
-                    <a:pos x="connsiteX27" y="connsiteY27"/>
-                  </a:cxn>
-                  <a:cxn ang="0">
-                    <a:pos x="connsiteX28" y="connsiteY28"/>
-                  </a:cxn>
-                  <a:cxn ang="0">
-                    <a:pos x="connsiteX29" y="connsiteY29"/>
-                  </a:cxn>
-                  <a:cxn ang="0">
-                    <a:pos x="connsiteX30" y="connsiteY30"/>
-                  </a:cxn>
-                  <a:cxn ang="0">
-                    <a:pos x="connsiteX31" y="connsiteY31"/>
-                  </a:cxn>
-                  <a:cxn ang="0">
-                    <a:pos x="connsiteX32" y="connsiteY32"/>
-                  </a:cxn>
-                  <a:cxn ang="0">
-                    <a:pos x="connsiteX33" y="connsiteY33"/>
-                  </a:cxn>
-                  <a:cxn ang="0">
-                    <a:pos x="connsiteX34" y="connsiteY34"/>
-                  </a:cxn>
-                  <a:cxn ang="0">
-                    <a:pos x="connsiteX35" y="connsiteY35"/>
-                  </a:cxn>
-                  <a:cxn ang="0">
-                    <a:pos x="connsiteX36" y="connsiteY36"/>
-                  </a:cxn>
-                  <a:cxn ang="0">
-                    <a:pos x="connsiteX37" y="connsiteY37"/>
-                  </a:cxn>
-                  <a:cxn ang="0">
-                    <a:pos x="connsiteX38" y="connsiteY38"/>
-                  </a:cxn>
-                  <a:cxn ang="0">
-                    <a:pos x="connsiteX39" y="connsiteY39"/>
-                  </a:cxn>
-                  <a:cxn ang="0">
-                    <a:pos x="connsiteX40" y="connsiteY40"/>
-                  </a:cxn>
-                </a:cxnLst>
-                <a:rect l="l" t="t" r="r" b="b"/>
-                <a:pathLst>
-                  <a:path w="1218339" h="1613055">
-                    <a:moveTo>
-                      <a:pt x="940362" y="646746"/>
-                    </a:moveTo>
-                    <a:cubicBezTo>
-                      <a:pt x="900581" y="805869"/>
-                      <a:pt x="657944" y="724303"/>
-                      <a:pt x="579185" y="704828"/>
-                    </a:cubicBezTo>
-                    <a:lnTo>
-                      <a:pt x="648779" y="426391"/>
-                    </a:lnTo>
-                    <a:cubicBezTo>
-                      <a:pt x="726336" y="445493"/>
-                      <a:pt x="980143" y="482067"/>
-                      <a:pt x="939159" y="646746"/>
-                    </a:cubicBezTo>
-                    <a:lnTo>
-                      <a:pt x="940362" y="646746"/>
-                    </a:lnTo>
-                    <a:close/>
-                    <a:moveTo>
-                      <a:pt x="897001" y="1096679"/>
-                    </a:moveTo>
-                    <a:cubicBezTo>
-                      <a:pt x="854041" y="1270064"/>
-                      <a:pt x="562086" y="1176240"/>
-                      <a:pt x="467403" y="1152727"/>
-                    </a:cubicBezTo>
-                    <a:lnTo>
-                      <a:pt x="544158" y="845249"/>
-                    </a:lnTo>
-                    <a:cubicBezTo>
-                      <a:pt x="638841" y="869106"/>
-                      <a:pt x="941937" y="915646"/>
-                      <a:pt x="897001" y="1096679"/>
-                    </a:cubicBezTo>
-                    <a:close/>
-                    <a:moveTo>
-                      <a:pt x="1215219" y="649152"/>
-                    </a:moveTo>
-                    <a:cubicBezTo>
-                      <a:pt x="1240279" y="479690"/>
-                      <a:pt x="1111400" y="388615"/>
-                      <a:pt x="936782" y="328156"/>
-                    </a:cubicBezTo>
-                    <a:lnTo>
-                      <a:pt x="994062" y="98636"/>
-                    </a:lnTo>
-                    <a:lnTo>
-                      <a:pt x="852867" y="63638"/>
-                    </a:lnTo>
-                    <a:lnTo>
-                      <a:pt x="797191" y="287201"/>
-                    </a:lnTo>
-                    <a:cubicBezTo>
-                      <a:pt x="760590" y="278065"/>
-                      <a:pt x="722814" y="269301"/>
-                      <a:pt x="685410" y="260938"/>
-                    </a:cubicBezTo>
-                    <a:lnTo>
-                      <a:pt x="741086" y="34998"/>
-                    </a:lnTo>
-                    <a:lnTo>
-                      <a:pt x="601466" y="0"/>
-                    </a:lnTo>
-                    <a:lnTo>
-                      <a:pt x="544187" y="229520"/>
-                    </a:lnTo>
-                    <a:lnTo>
-                      <a:pt x="455088" y="209644"/>
-                    </a:lnTo>
-                    <a:lnTo>
-                      <a:pt x="262170" y="161500"/>
-                    </a:lnTo>
-                    <a:lnTo>
-                      <a:pt x="225167" y="310686"/>
-                    </a:lnTo>
-                    <a:cubicBezTo>
-                      <a:pt x="225167" y="310686"/>
-                      <a:pt x="328585" y="334542"/>
-                      <a:pt x="326609" y="336146"/>
-                    </a:cubicBezTo>
-                    <a:cubicBezTo>
-                      <a:pt x="366104" y="340929"/>
-                      <a:pt x="394915" y="376013"/>
-                      <a:pt x="391851" y="415708"/>
-                    </a:cubicBezTo>
-                    <a:lnTo>
-                      <a:pt x="235105" y="1044210"/>
-                    </a:lnTo>
-                    <a:cubicBezTo>
-                      <a:pt x="226570" y="1071017"/>
-                      <a:pt x="197930" y="1085767"/>
-                      <a:pt x="171095" y="1077232"/>
-                    </a:cubicBezTo>
-                    <a:lnTo>
-                      <a:pt x="171066" y="1077232"/>
-                    </a:lnTo>
-                    <a:cubicBezTo>
-                      <a:pt x="171066" y="1079208"/>
-                      <a:pt x="69223" y="1052172"/>
-                      <a:pt x="69223" y="1052172"/>
-                    </a:cubicBezTo>
-                    <a:lnTo>
-                      <a:pt x="0" y="1211296"/>
-                    </a:lnTo>
-                    <a:lnTo>
-                      <a:pt x="181777" y="1256260"/>
-                    </a:lnTo>
-                    <a:lnTo>
-                      <a:pt x="281215" y="1282122"/>
-                    </a:lnTo>
-                    <a:lnTo>
-                      <a:pt x="223534" y="1514019"/>
-                    </a:lnTo>
-                    <a:lnTo>
-                      <a:pt x="363154" y="1549017"/>
-                    </a:lnTo>
-                    <a:lnTo>
-                      <a:pt x="420434" y="1319497"/>
-                    </a:lnTo>
-                    <a:cubicBezTo>
-                      <a:pt x="458066" y="1329836"/>
-                      <a:pt x="495098" y="1339373"/>
-                      <a:pt x="531413" y="1348137"/>
-                    </a:cubicBezTo>
-                    <a:lnTo>
-                      <a:pt x="474935" y="1578459"/>
-                    </a:lnTo>
-                    <a:lnTo>
-                      <a:pt x="614555" y="1613056"/>
-                    </a:lnTo>
-                    <a:lnTo>
-                      <a:pt x="672235" y="1381560"/>
-                    </a:lnTo>
-                    <a:cubicBezTo>
-                      <a:pt x="910892" y="1426553"/>
-                      <a:pt x="1089490" y="1408596"/>
-                      <a:pt x="1165071" y="1193023"/>
-                    </a:cubicBezTo>
-                    <a:cubicBezTo>
-                      <a:pt x="1225930" y="1019580"/>
-                      <a:pt x="1161892" y="919741"/>
-                      <a:pt x="1036592" y="854500"/>
-                    </a:cubicBezTo>
-                    <a:cubicBezTo>
-                      <a:pt x="1128068" y="833421"/>
-                      <a:pt x="1195715" y="774938"/>
-                      <a:pt x="1215191" y="649238"/>
-                    </a:cubicBezTo>
-                    <a:lnTo>
-                      <a:pt x="1215219" y="649152"/>
-                    </a:lnTo>
-                    <a:close/>
-                  </a:path>
-                </a:pathLst>
-              </a:custGeom>
-              <a:solidFill>
-                <a:srgbClr val="FFFFFF"/>
-              </a:solidFill>
-              <a:ln w="2864" cap="flat">
-                <a:noFill/>
-                <a:prstDash val="solid"/>
-                <a:miter/>
-              </a:ln>
-            </p:spPr>
-            <p:txBody>
-              <a:bodyPr rtlCol="0" anchor="ctr"/>
-              <a:lstStyle/>
-              <a:p>
-                <a:endParaRPr lang="en-FI"/>
-              </a:p>
-            </p:txBody>
-          </p:sp>
-          <p:sp>
-            <p:nvSpPr>
-              <p:cNvPr id="35" name="Freeform: Shape 34">
-                <a:extLst>
-                  <a:ext uri="{FF2B5EF4-FFF2-40B4-BE49-F238E27FC236}">
-                    <a16:creationId xmlns:a16="http://schemas.microsoft.com/office/drawing/2014/main" id="{393F6874-69C3-2EC3-9DC3-A5AFD7D2C414}"/>
-                  </a:ext>
-                </a:extLst>
-              </p:cNvPr>
-              <p:cNvSpPr/>
-              <p:nvPr/>
-            </p:nvSpPr>
-            <p:spPr>
-              <a:xfrm>
-                <a:off x="2607289" y="2154553"/>
-                <a:ext cx="1726749" cy="2545790"/>
-              </a:xfrm>
-              <a:custGeom>
-                <a:avLst/>
-                <a:gdLst>
-                  <a:gd name="connsiteX0" fmla="*/ 706833 w 1726749"/>
-                  <a:gd name="connsiteY0" fmla="*/ 2147963 h 2545790"/>
-                  <a:gd name="connsiteX1" fmla="*/ 919254 w 1726749"/>
-                  <a:gd name="connsiteY1" fmla="*/ 2093060 h 2545790"/>
-                  <a:gd name="connsiteX2" fmla="*/ 1091896 w 1726749"/>
-                  <a:gd name="connsiteY2" fmla="*/ 1949059 h 2545790"/>
-                  <a:gd name="connsiteX3" fmla="*/ 1206054 w 1726749"/>
-                  <a:gd name="connsiteY3" fmla="*/ 1741019 h 2545790"/>
-                  <a:gd name="connsiteX4" fmla="*/ 1248212 w 1726749"/>
-                  <a:gd name="connsiteY4" fmla="*/ 1499184 h 2545790"/>
-                  <a:gd name="connsiteX5" fmla="*/ 1196489 w 1726749"/>
-                  <a:gd name="connsiteY5" fmla="*/ 1257721 h 2545790"/>
-                  <a:gd name="connsiteX6" fmla="*/ 1006348 w 1726749"/>
-                  <a:gd name="connsiteY6" fmla="*/ 1170627 h 2545790"/>
-                  <a:gd name="connsiteX7" fmla="*/ 887006 w 1726749"/>
-                  <a:gd name="connsiteY7" fmla="*/ 1186923 h 2545790"/>
-                  <a:gd name="connsiteX8" fmla="*/ 756523 w 1726749"/>
-                  <a:gd name="connsiteY8" fmla="*/ 1254542 h 2545790"/>
-                  <a:gd name="connsiteX9" fmla="*/ 545705 w 1726749"/>
-                  <a:gd name="connsiteY9" fmla="*/ 2136020 h 2545790"/>
-                  <a:gd name="connsiteX10" fmla="*/ 579528 w 1726749"/>
-                  <a:gd name="connsiteY10" fmla="*/ 2142378 h 2545790"/>
-                  <a:gd name="connsiteX11" fmla="*/ 610144 w 1726749"/>
-                  <a:gd name="connsiteY11" fmla="*/ 2147161 h 2545790"/>
-                  <a:gd name="connsiteX12" fmla="*/ 649925 w 1726749"/>
-                  <a:gd name="connsiteY12" fmla="*/ 2149137 h 2545790"/>
-                  <a:gd name="connsiteX13" fmla="*/ 706804 w 1726749"/>
-                  <a:gd name="connsiteY13" fmla="*/ 2147934 h 2545790"/>
-                  <a:gd name="connsiteX14" fmla="*/ 1125691 w 1726749"/>
-                  <a:gd name="connsiteY14" fmla="*/ 770069 h 2545790"/>
-                  <a:gd name="connsiteX15" fmla="*/ 1392987 w 1726749"/>
-                  <a:gd name="connsiteY15" fmla="*/ 824972 h 2545790"/>
-                  <a:gd name="connsiteX16" fmla="*/ 1579948 w 1726749"/>
-                  <a:gd name="connsiteY16" fmla="*/ 973355 h 2545790"/>
-                  <a:gd name="connsiteX17" fmla="*/ 1691329 w 1726749"/>
-                  <a:gd name="connsiteY17" fmla="*/ 1193310 h 2545790"/>
-                  <a:gd name="connsiteX18" fmla="*/ 1726728 w 1726749"/>
-                  <a:gd name="connsiteY18" fmla="*/ 1464214 h 2545790"/>
-                  <a:gd name="connsiteX19" fmla="*/ 1418849 w 1726749"/>
-                  <a:gd name="connsiteY19" fmla="*/ 2227553 h 2545790"/>
-                  <a:gd name="connsiteX20" fmla="*/ 1083533 w 1726749"/>
-                  <a:gd name="connsiteY20" fmla="*/ 2459050 h 2545790"/>
-                  <a:gd name="connsiteX21" fmla="*/ 665075 w 1726749"/>
-                  <a:gd name="connsiteY21" fmla="*/ 2545771 h 2545790"/>
-                  <a:gd name="connsiteX22" fmla="*/ 563232 w 1726749"/>
-                  <a:gd name="connsiteY22" fmla="*/ 2545771 h 2545790"/>
-                  <a:gd name="connsiteX23" fmla="*/ 397751 w 1726749"/>
-                  <a:gd name="connsiteY23" fmla="*/ 2531451 h 2545790"/>
-                  <a:gd name="connsiteX24" fmla="*/ 198875 w 1726749"/>
-                  <a:gd name="connsiteY24" fmla="*/ 2491670 h 2545790"/>
-                  <a:gd name="connsiteX25" fmla="*/ 0 w 1726749"/>
-                  <a:gd name="connsiteY25" fmla="*/ 2420872 h 2545790"/>
-                  <a:gd name="connsiteX26" fmla="*/ 558879 w 1726749"/>
-                  <a:gd name="connsiteY26" fmla="*/ 79562 h 2545790"/>
-                  <a:gd name="connsiteX27" fmla="*/ 1058101 w 1726749"/>
-                  <a:gd name="connsiteY27" fmla="*/ 0 h 2545790"/>
-                  <a:gd name="connsiteX28" fmla="*/ 859225 w 1726749"/>
-                  <a:gd name="connsiteY28" fmla="*/ 830958 h 2545790"/>
-                  <a:gd name="connsiteX29" fmla="*/ 987704 w 1726749"/>
-                  <a:gd name="connsiteY29" fmla="*/ 786022 h 2545790"/>
-                  <a:gd name="connsiteX30" fmla="*/ 1126521 w 1726749"/>
-                  <a:gd name="connsiteY30" fmla="*/ 769726 h 2545790"/>
-                  <a:gd name="connsiteX31" fmla="*/ 1125720 w 1726749"/>
-                  <a:gd name="connsiteY31" fmla="*/ 770127 h 2545790"/>
-                </a:gdLst>
-                <a:ahLst/>
-                <a:cxnLst>
-                  <a:cxn ang="0">
-                    <a:pos x="connsiteX0" y="connsiteY0"/>
-                  </a:cxn>
-                  <a:cxn ang="0">
-                    <a:pos x="connsiteX1" y="connsiteY1"/>
-                  </a:cxn>
-                  <a:cxn ang="0">
-                    <a:pos x="connsiteX2" y="connsiteY2"/>
-                  </a:cxn>
-                  <a:cxn ang="0">
-                    <a:pos x="connsiteX3" y="connsiteY3"/>
-                  </a:cxn>
-                  <a:cxn ang="0">
-                    <a:pos x="connsiteX4" y="connsiteY4"/>
-                  </a:cxn>
-                  <a:cxn ang="0">
-                    <a:pos x="connsiteX5" y="connsiteY5"/>
-                  </a:cxn>
-                  <a:cxn ang="0">
-                    <a:pos x="connsiteX6" y="connsiteY6"/>
-                  </a:cxn>
-                  <a:cxn ang="0">
-                    <a:pos x="connsiteX7" y="connsiteY7"/>
-                  </a:cxn>
-                  <a:cxn ang="0">
-                    <a:pos x="connsiteX8" y="connsiteY8"/>
-                  </a:cxn>
-                  <a:cxn ang="0">
-                    <a:pos x="connsiteX9" y="connsiteY9"/>
-                  </a:cxn>
-                  <a:cxn ang="0">
-                    <a:pos x="connsiteX10" y="connsiteY10"/>
-                  </a:cxn>
-                  <a:cxn ang="0">
-                    <a:pos x="connsiteX11" y="connsiteY11"/>
-                  </a:cxn>
-                  <a:cxn ang="0">
-                    <a:pos x="connsiteX12" y="connsiteY12"/>
-                  </a:cxn>
-                  <a:cxn ang="0">
-                    <a:pos x="connsiteX13" y="connsiteY13"/>
-                  </a:cxn>
-                  <a:cxn ang="0">
-                    <a:pos x="connsiteX14" y="connsiteY14"/>
-                  </a:cxn>
-                  <a:cxn ang="0">
-                    <a:pos x="connsiteX15" y="connsiteY15"/>
-                  </a:cxn>
-                  <a:cxn ang="0">
-                    <a:pos x="connsiteX16" y="connsiteY16"/>
-                  </a:cxn>
-                  <a:cxn ang="0">
-                    <a:pos x="connsiteX17" y="connsiteY17"/>
-                  </a:cxn>
-                  <a:cxn ang="0">
-                    <a:pos x="connsiteX18" y="connsiteY18"/>
-                  </a:cxn>
-                  <a:cxn ang="0">
-                    <a:pos x="connsiteX19" y="connsiteY19"/>
-                  </a:cxn>
-                  <a:cxn ang="0">
-                    <a:pos x="connsiteX20" y="connsiteY20"/>
-                  </a:cxn>
-                  <a:cxn ang="0">
-                    <a:pos x="connsiteX21" y="connsiteY21"/>
-                  </a:cxn>
-                  <a:cxn ang="0">
-                    <a:pos x="connsiteX22" y="connsiteY22"/>
-                  </a:cxn>
-                  <a:cxn ang="0">
-                    <a:pos x="connsiteX23" y="connsiteY23"/>
-                  </a:cxn>
-                  <a:cxn ang="0">
-                    <a:pos x="connsiteX24" y="connsiteY24"/>
-                  </a:cxn>
-                  <a:cxn ang="0">
-                    <a:pos x="connsiteX25" y="connsiteY25"/>
-                  </a:cxn>
-                  <a:cxn ang="0">
-                    <a:pos x="connsiteX26" y="connsiteY26"/>
-                  </a:cxn>
-                  <a:cxn ang="0">
-                    <a:pos x="connsiteX27" y="connsiteY27"/>
-                  </a:cxn>
-                  <a:cxn ang="0">
-                    <a:pos x="connsiteX28" y="connsiteY28"/>
-                  </a:cxn>
-                  <a:cxn ang="0">
-                    <a:pos x="connsiteX29" y="connsiteY29"/>
-                  </a:cxn>
-                  <a:cxn ang="0">
-                    <a:pos x="connsiteX30" y="connsiteY30"/>
-                  </a:cxn>
-                  <a:cxn ang="0">
-                    <a:pos x="connsiteX31" y="connsiteY31"/>
-                  </a:cxn>
-                </a:cxnLst>
-                <a:rect l="l" t="t" r="r" b="b"/>
-                <a:pathLst>
-                  <a:path w="1726749" h="2545790">
-                    <a:moveTo>
-                      <a:pt x="706833" y="2147963"/>
-                    </a:moveTo>
-                    <a:cubicBezTo>
-                      <a:pt x="781182" y="2148192"/>
-                      <a:pt x="854328" y="2129261"/>
-                      <a:pt x="919254" y="2093060"/>
-                    </a:cubicBezTo>
-                    <a:cubicBezTo>
-                      <a:pt x="986071" y="2057432"/>
-                      <a:pt x="1044840" y="2008372"/>
-                      <a:pt x="1091896" y="1949059"/>
-                    </a:cubicBezTo>
-                    <a:cubicBezTo>
-                      <a:pt x="1140927" y="1886338"/>
-                      <a:pt x="1179476" y="1816084"/>
-                      <a:pt x="1206054" y="1741019"/>
-                    </a:cubicBezTo>
-                    <a:cubicBezTo>
-                      <a:pt x="1234093" y="1663462"/>
-                      <a:pt x="1248327" y="1581638"/>
-                      <a:pt x="1248212" y="1499184"/>
-                    </a:cubicBezTo>
-                    <a:cubicBezTo>
-                      <a:pt x="1252680" y="1415527"/>
-                      <a:pt x="1234809" y="1332184"/>
-                      <a:pt x="1196489" y="1257721"/>
-                    </a:cubicBezTo>
-                    <a:cubicBezTo>
-                      <a:pt x="1162292" y="1200040"/>
-                      <a:pt x="1098626" y="1170627"/>
-                      <a:pt x="1006348" y="1170627"/>
-                    </a:cubicBezTo>
-                    <a:cubicBezTo>
-                      <a:pt x="966138" y="1172002"/>
-                      <a:pt x="926157" y="1177472"/>
-                      <a:pt x="887006" y="1186923"/>
-                    </a:cubicBezTo>
-                    <a:cubicBezTo>
-                      <a:pt x="838404" y="1197777"/>
-                      <a:pt x="793440" y="1221090"/>
-                      <a:pt x="756523" y="1254542"/>
-                    </a:cubicBezTo>
-                    <a:lnTo>
-                      <a:pt x="545705" y="2136020"/>
-                    </a:lnTo>
-                    <a:lnTo>
-                      <a:pt x="579528" y="2142378"/>
-                    </a:lnTo>
-                    <a:cubicBezTo>
-                      <a:pt x="589581" y="2144841"/>
-                      <a:pt x="599862" y="2146445"/>
-                      <a:pt x="610144" y="2147161"/>
-                    </a:cubicBezTo>
-                    <a:cubicBezTo>
-                      <a:pt x="623347" y="2148794"/>
-                      <a:pt x="636636" y="2149452"/>
-                      <a:pt x="649925" y="2149137"/>
-                    </a:cubicBezTo>
-                    <a:lnTo>
-                      <a:pt x="706804" y="2147934"/>
-                    </a:lnTo>
-                    <a:close/>
-                    <a:moveTo>
-                      <a:pt x="1125691" y="770069"/>
-                    </a:moveTo>
-                    <a:cubicBezTo>
-                      <a:pt x="1217768" y="767950"/>
-                      <a:pt x="1309187" y="786738"/>
-                      <a:pt x="1392987" y="824972"/>
-                    </a:cubicBezTo>
-                    <a:cubicBezTo>
-                      <a:pt x="1465732" y="859655"/>
-                      <a:pt x="1529656" y="910376"/>
-                      <a:pt x="1579948" y="973355"/>
-                    </a:cubicBezTo>
-                    <a:cubicBezTo>
-                      <a:pt x="1631443" y="1038482"/>
-                      <a:pt x="1669304" y="1113261"/>
-                      <a:pt x="1691329" y="1193310"/>
-                    </a:cubicBezTo>
-                    <a:cubicBezTo>
-                      <a:pt x="1715443" y="1281578"/>
-                      <a:pt x="1727329" y="1372710"/>
-                      <a:pt x="1726728" y="1464214"/>
-                    </a:cubicBezTo>
-                    <a:cubicBezTo>
-                      <a:pt x="1726613" y="1748895"/>
-                      <a:pt x="1616263" y="2022434"/>
-                      <a:pt x="1418849" y="2227553"/>
-                    </a:cubicBezTo>
-                    <a:cubicBezTo>
-                      <a:pt x="1323134" y="2325731"/>
-                      <a:pt x="1209262" y="2404319"/>
-                      <a:pt x="1083533" y="2459050"/>
-                    </a:cubicBezTo>
-                    <a:cubicBezTo>
-                      <a:pt x="951704" y="2517074"/>
-                      <a:pt x="809106" y="2546659"/>
-                      <a:pt x="665075" y="2545771"/>
-                    </a:cubicBezTo>
-                    <a:lnTo>
-                      <a:pt x="563232" y="2545771"/>
-                    </a:lnTo>
-                    <a:cubicBezTo>
-                      <a:pt x="507871" y="2543967"/>
-                      <a:pt x="452596" y="2539213"/>
-                      <a:pt x="397751" y="2531451"/>
-                    </a:cubicBezTo>
-                    <a:cubicBezTo>
-                      <a:pt x="330762" y="2521742"/>
-                      <a:pt x="264375" y="2508482"/>
-                      <a:pt x="198875" y="2491670"/>
-                    </a:cubicBezTo>
-                    <a:cubicBezTo>
-                      <a:pt x="130197" y="2475374"/>
-                      <a:pt x="63523" y="2451632"/>
-                      <a:pt x="0" y="2420872"/>
-                    </a:cubicBezTo>
-                    <a:lnTo>
-                      <a:pt x="558879" y="79562"/>
-                    </a:lnTo>
-                    <a:lnTo>
-                      <a:pt x="1058101" y="0"/>
-                    </a:lnTo>
-                    <a:lnTo>
-                      <a:pt x="859225" y="830958"/>
-                    </a:lnTo>
-                    <a:cubicBezTo>
-                      <a:pt x="900638" y="812227"/>
-                      <a:pt x="943627" y="797191"/>
-                      <a:pt x="987704" y="786022"/>
-                    </a:cubicBezTo>
-                    <a:cubicBezTo>
-                      <a:pt x="1033127" y="774967"/>
-                      <a:pt x="1079781" y="769468"/>
-                      <a:pt x="1126521" y="769726"/>
-                    </a:cubicBezTo>
-                    <a:lnTo>
-                      <a:pt x="1125720" y="770127"/>
-                    </a:lnTo>
-                    <a:close/>
-                  </a:path>
-                </a:pathLst>
-              </a:custGeom>
-              <a:solidFill>
-                <a:srgbClr val="4D4D4D">
-                  <a:alpha val="46000"/>
-                </a:srgbClr>
-              </a:solidFill>
-              <a:ln w="2864" cap="flat">
-                <a:noFill/>
-                <a:prstDash val="solid"/>
-                <a:miter/>
-              </a:ln>
-            </p:spPr>
-            <p:txBody>
-              <a:bodyPr rtlCol="0" anchor="ctr"/>
-              <a:lstStyle/>
-              <a:p>
-                <a:endParaRPr lang="en-FI"/>
-              </a:p>
-            </p:txBody>
-          </p:sp>
-          <p:sp>
-            <p:nvSpPr>
-              <p:cNvPr id="36" name="Freeform: Shape 35">
-                <a:extLst>
-                  <a:ext uri="{FF2B5EF4-FFF2-40B4-BE49-F238E27FC236}">
-                    <a16:creationId xmlns:a16="http://schemas.microsoft.com/office/drawing/2014/main" id="{F6088985-D353-3DD8-876B-803F41CE89F3}"/>
-                  </a:ext>
-                </a:extLst>
-              </p:cNvPr>
-              <p:cNvSpPr/>
-              <p:nvPr/>
-            </p:nvSpPr>
-            <p:spPr>
-              <a:xfrm>
-                <a:off x="4372594" y="2187113"/>
-                <a:ext cx="1040387" cy="2467845"/>
-              </a:xfrm>
-              <a:custGeom>
-                <a:avLst/>
-                <a:gdLst>
-                  <a:gd name="connsiteX0" fmla="*/ 709238 w 1040387"/>
-                  <a:gd name="connsiteY0" fmla="*/ 566844 h 2467845"/>
-                  <a:gd name="connsiteX1" fmla="*/ 528635 w 1040387"/>
-                  <a:gd name="connsiteY1" fmla="*/ 507588 h 2467845"/>
-                  <a:gd name="connsiteX2" fmla="*/ 449074 w 1040387"/>
-                  <a:gd name="connsiteY2" fmla="*/ 325410 h 2467845"/>
-                  <a:gd name="connsiteX3" fmla="*/ 476510 w 1040387"/>
-                  <a:gd name="connsiteY3" fmla="*/ 198506 h 2467845"/>
-                  <a:gd name="connsiteX4" fmla="*/ 549313 w 1040387"/>
-                  <a:gd name="connsiteY4" fmla="*/ 95088 h 2467845"/>
-                  <a:gd name="connsiteX5" fmla="*/ 653934 w 1040387"/>
-                  <a:gd name="connsiteY5" fmla="*/ 25865 h 2467845"/>
-                  <a:gd name="connsiteX6" fmla="*/ 781210 w 1040387"/>
-                  <a:gd name="connsiteY6" fmla="*/ 3 h 2467845"/>
-                  <a:gd name="connsiteX7" fmla="*/ 960210 w 1040387"/>
-                  <a:gd name="connsiteY7" fmla="*/ 59660 h 2467845"/>
-                  <a:gd name="connsiteX8" fmla="*/ 1039771 w 1040387"/>
-                  <a:gd name="connsiteY8" fmla="*/ 241839 h 2467845"/>
-                  <a:gd name="connsiteX9" fmla="*/ 1012735 w 1040387"/>
-                  <a:gd name="connsiteY9" fmla="*/ 369114 h 2467845"/>
-                  <a:gd name="connsiteX10" fmla="*/ 940333 w 1040387"/>
-                  <a:gd name="connsiteY10" fmla="*/ 472132 h 2467845"/>
-                  <a:gd name="connsiteX11" fmla="*/ 835712 w 1040387"/>
-                  <a:gd name="connsiteY11" fmla="*/ 541355 h 2467845"/>
-                  <a:gd name="connsiteX12" fmla="*/ 708436 w 1040387"/>
-                  <a:gd name="connsiteY12" fmla="*/ 566815 h 2467845"/>
-                  <a:gd name="connsiteX13" fmla="*/ 709238 w 1040387"/>
-                  <a:gd name="connsiteY13" fmla="*/ 566815 h 2467845"/>
-                  <a:gd name="connsiteX14" fmla="*/ 477341 w 1040387"/>
-                  <a:gd name="connsiteY14" fmla="*/ 2467845 h 2467845"/>
-                  <a:gd name="connsiteX15" fmla="*/ 0 w 1040387"/>
-                  <a:gd name="connsiteY15" fmla="*/ 2467845 h 2467845"/>
-                  <a:gd name="connsiteX16" fmla="*/ 403335 w 1040387"/>
-                  <a:gd name="connsiteY16" fmla="*/ 773280 h 2467845"/>
-                  <a:gd name="connsiteX17" fmla="*/ 883455 w 1040387"/>
-                  <a:gd name="connsiteY17" fmla="*/ 773280 h 2467845"/>
-                  <a:gd name="connsiteX18" fmla="*/ 477312 w 1040387"/>
-                  <a:gd name="connsiteY18" fmla="*/ 2467845 h 2467845"/>
-                </a:gdLst>
-                <a:ahLst/>
-                <a:cxnLst>
-                  <a:cxn ang="0">
-                    <a:pos x="connsiteX0" y="connsiteY0"/>
-                  </a:cxn>
-                  <a:cxn ang="0">
-                    <a:pos x="connsiteX1" y="connsiteY1"/>
-                  </a:cxn>
-                  <a:cxn ang="0">
-                    <a:pos x="connsiteX2" y="connsiteY2"/>
-                  </a:cxn>
-                  <a:cxn ang="0">
-                    <a:pos x="connsiteX3" y="connsiteY3"/>
-                  </a:cxn>
-                  <a:cxn ang="0">
-                    <a:pos x="connsiteX4" y="connsiteY4"/>
-                  </a:cxn>
-                  <a:cxn ang="0">
-                    <a:pos x="connsiteX5" y="connsiteY5"/>
-                  </a:cxn>
-                  <a:cxn ang="0">
-                    <a:pos x="connsiteX6" y="connsiteY6"/>
-                  </a:cxn>
-                  <a:cxn ang="0">
-                    <a:pos x="connsiteX7" y="connsiteY7"/>
-                  </a:cxn>
-                  <a:cxn ang="0">
-                    <a:pos x="connsiteX8" y="connsiteY8"/>
-                  </a:cxn>
-                  <a:cxn ang="0">
-                    <a:pos x="connsiteX9" y="connsiteY9"/>
-                  </a:cxn>
-                  <a:cxn ang="0">
-                    <a:pos x="connsiteX10" y="connsiteY10"/>
-                  </a:cxn>
-                  <a:cxn ang="0">
-                    <a:pos x="connsiteX11" y="connsiteY11"/>
-                  </a:cxn>
-                  <a:cxn ang="0">
-                    <a:pos x="connsiteX12" y="connsiteY12"/>
-                  </a:cxn>
-                  <a:cxn ang="0">
-                    <a:pos x="connsiteX13" y="connsiteY13"/>
-                  </a:cxn>
-                  <a:cxn ang="0">
-                    <a:pos x="connsiteX14" y="connsiteY14"/>
-                  </a:cxn>
-                  <a:cxn ang="0">
-                    <a:pos x="connsiteX15" y="connsiteY15"/>
-                  </a:cxn>
-                  <a:cxn ang="0">
-                    <a:pos x="connsiteX16" y="connsiteY16"/>
-                  </a:cxn>
-                  <a:cxn ang="0">
-                    <a:pos x="connsiteX17" y="connsiteY17"/>
-                  </a:cxn>
-                  <a:cxn ang="0">
-                    <a:pos x="connsiteX18" y="connsiteY18"/>
-                  </a:cxn>
-                </a:cxnLst>
-                <a:rect l="l" t="t" r="r" b="b"/>
-                <a:pathLst>
-                  <a:path w="1040387" h="2467845">
-                    <a:moveTo>
-                      <a:pt x="709238" y="566844"/>
-                    </a:moveTo>
-                    <a:cubicBezTo>
-                      <a:pt x="644169" y="567474"/>
-                      <a:pt x="580731" y="546624"/>
-                      <a:pt x="528635" y="507588"/>
-                    </a:cubicBezTo>
-                    <a:cubicBezTo>
-                      <a:pt x="473417" y="463912"/>
-                      <a:pt x="443575" y="395606"/>
-                      <a:pt x="449074" y="325410"/>
-                    </a:cubicBezTo>
-                    <a:cubicBezTo>
-                      <a:pt x="448844" y="281619"/>
-                      <a:pt x="458181" y="238287"/>
-                      <a:pt x="476510" y="198506"/>
-                    </a:cubicBezTo>
-                    <a:cubicBezTo>
-                      <a:pt x="494067" y="159757"/>
-                      <a:pt x="518726" y="124673"/>
-                      <a:pt x="549313" y="95088"/>
-                    </a:cubicBezTo>
-                    <a:cubicBezTo>
-                      <a:pt x="579872" y="66047"/>
-                      <a:pt x="615271" y="42620"/>
-                      <a:pt x="653934" y="25865"/>
-                    </a:cubicBezTo>
-                    <a:cubicBezTo>
-                      <a:pt x="694145" y="8595"/>
-                      <a:pt x="737477" y="-197"/>
-                      <a:pt x="781210" y="3"/>
-                    </a:cubicBezTo>
-                    <a:cubicBezTo>
-                      <a:pt x="845822" y="-197"/>
-                      <a:pt x="908658" y="20767"/>
-                      <a:pt x="960210" y="59660"/>
-                    </a:cubicBezTo>
-                    <a:cubicBezTo>
-                      <a:pt x="1015313" y="103422"/>
-                      <a:pt x="1045127" y="171671"/>
-                      <a:pt x="1039771" y="241839"/>
-                    </a:cubicBezTo>
-                    <a:cubicBezTo>
-                      <a:pt x="1040115" y="285744"/>
-                      <a:pt x="1030893" y="329190"/>
-                      <a:pt x="1012735" y="369114"/>
-                    </a:cubicBezTo>
-                    <a:cubicBezTo>
-                      <a:pt x="995179" y="407664"/>
-                      <a:pt x="970635" y="442576"/>
-                      <a:pt x="940333" y="472132"/>
-                    </a:cubicBezTo>
-                    <a:cubicBezTo>
-                      <a:pt x="909860" y="501287"/>
-                      <a:pt x="874462" y="524715"/>
-                      <a:pt x="835712" y="541355"/>
-                    </a:cubicBezTo>
-                    <a:cubicBezTo>
-                      <a:pt x="795502" y="558624"/>
-                      <a:pt x="752169" y="567302"/>
-                      <a:pt x="708436" y="566815"/>
-                    </a:cubicBezTo>
-                    <a:lnTo>
-                      <a:pt x="709238" y="566815"/>
-                    </a:lnTo>
-                    <a:close/>
-                    <a:moveTo>
-                      <a:pt x="477341" y="2467845"/>
-                    </a:moveTo>
-                    <a:lnTo>
-                      <a:pt x="0" y="2467845"/>
-                    </a:lnTo>
-                    <a:lnTo>
-                      <a:pt x="403335" y="773280"/>
-                    </a:lnTo>
-                    <a:lnTo>
-                      <a:pt x="883455" y="773280"/>
-                    </a:lnTo>
-                    <a:lnTo>
-                      <a:pt x="477312" y="2467845"/>
-                    </a:lnTo>
-                    <a:close/>
-                  </a:path>
-                </a:pathLst>
-              </a:custGeom>
-              <a:solidFill>
-                <a:srgbClr val="4D4D4D">
-                  <a:alpha val="46000"/>
-                </a:srgbClr>
-              </a:solidFill>
-              <a:ln w="2864" cap="flat">
-                <a:noFill/>
-                <a:prstDash val="solid"/>
-                <a:miter/>
-              </a:ln>
-            </p:spPr>
-            <p:txBody>
-              <a:bodyPr rtlCol="0" anchor="ctr"/>
-              <a:lstStyle/>
-              <a:p>
-                <a:endParaRPr lang="en-FI"/>
-              </a:p>
-            </p:txBody>
-          </p:sp>
-          <p:sp>
-            <p:nvSpPr>
-              <p:cNvPr id="37" name="Freeform: Shape 36">
-                <a:extLst>
-                  <a:ext uri="{FF2B5EF4-FFF2-40B4-BE49-F238E27FC236}">
-                    <a16:creationId xmlns:a16="http://schemas.microsoft.com/office/drawing/2014/main" id="{0069E417-00E7-7ECE-3B92-E432C6A111F8}"/>
-                  </a:ext>
-                </a:extLst>
-              </p:cNvPr>
-              <p:cNvSpPr/>
-              <p:nvPr/>
-            </p:nvSpPr>
-            <p:spPr>
-              <a:xfrm>
-                <a:off x="5311339" y="2461229"/>
-                <a:ext cx="1272139" cy="2231291"/>
-              </a:xfrm>
-              <a:custGeom>
-                <a:avLst/>
-                <a:gdLst>
-                  <a:gd name="connsiteX0" fmla="*/ 362394 w 1272139"/>
-                  <a:gd name="connsiteY0" fmla="*/ 77156 h 2231291"/>
-                  <a:gd name="connsiteX1" fmla="*/ 861588 w 1272139"/>
-                  <a:gd name="connsiteY1" fmla="*/ 0 h 2231291"/>
-                  <a:gd name="connsiteX2" fmla="*/ 737491 w 1272139"/>
-                  <a:gd name="connsiteY2" fmla="*/ 499222 h 2231291"/>
-                  <a:gd name="connsiteX3" fmla="*/ 1272140 w 1272139"/>
-                  <a:gd name="connsiteY3" fmla="*/ 499222 h 2231291"/>
-                  <a:gd name="connsiteX4" fmla="*/ 1175824 w 1272139"/>
-                  <a:gd name="connsiteY4" fmla="*/ 892218 h 2231291"/>
-                  <a:gd name="connsiteX5" fmla="*/ 645585 w 1272139"/>
-                  <a:gd name="connsiteY5" fmla="*/ 892218 h 2231291"/>
-                  <a:gd name="connsiteX6" fmla="*/ 503990 w 1272139"/>
-                  <a:gd name="connsiteY6" fmla="*/ 1483317 h 2231291"/>
-                  <a:gd name="connsiteX7" fmla="*/ 481307 w 1272139"/>
-                  <a:gd name="connsiteY7" fmla="*/ 1621791 h 2231291"/>
-                  <a:gd name="connsiteX8" fmla="*/ 497603 w 1272139"/>
-                  <a:gd name="connsiteY8" fmla="*/ 1733114 h 2231291"/>
-                  <a:gd name="connsiteX9" fmla="*/ 566825 w 1272139"/>
-                  <a:gd name="connsiteY9" fmla="*/ 1805115 h 2231291"/>
-                  <a:gd name="connsiteX10" fmla="*/ 710025 w 1272139"/>
-                  <a:gd name="connsiteY10" fmla="*/ 1831378 h 2231291"/>
-                  <a:gd name="connsiteX11" fmla="*/ 859984 w 1272139"/>
-                  <a:gd name="connsiteY11" fmla="*/ 1816657 h 2231291"/>
-                  <a:gd name="connsiteX12" fmla="*/ 1006362 w 1272139"/>
-                  <a:gd name="connsiteY12" fmla="*/ 1776876 h 2231291"/>
-                  <a:gd name="connsiteX13" fmla="*/ 1042162 w 1272139"/>
-                  <a:gd name="connsiteY13" fmla="*/ 2144412 h 2231291"/>
-                  <a:gd name="connsiteX14" fmla="*/ 832518 w 1272139"/>
-                  <a:gd name="connsiteY14" fmla="*/ 2205272 h 2231291"/>
-                  <a:gd name="connsiteX15" fmla="*/ 565221 w 1272139"/>
-                  <a:gd name="connsiteY15" fmla="*/ 2231133 h 2231291"/>
-                  <a:gd name="connsiteX16" fmla="*/ 220340 w 1272139"/>
-                  <a:gd name="connsiteY16" fmla="*/ 2165090 h 2231291"/>
-                  <a:gd name="connsiteX17" fmla="*/ 46124 w 1272139"/>
-                  <a:gd name="connsiteY17" fmla="*/ 1984487 h 2231291"/>
-                  <a:gd name="connsiteX18" fmla="*/ 1188 w 1272139"/>
-                  <a:gd name="connsiteY18" fmla="*/ 1721945 h 2231291"/>
-                  <a:gd name="connsiteX19" fmla="*/ 46124 w 1272139"/>
-                  <a:gd name="connsiteY19" fmla="*/ 1409283 h 2231291"/>
-                  <a:gd name="connsiteX20" fmla="*/ 362366 w 1272139"/>
-                  <a:gd name="connsiteY20" fmla="*/ 75552 h 2231291"/>
-                  <a:gd name="connsiteX21" fmla="*/ 362366 w 1272139"/>
-                  <a:gd name="connsiteY21" fmla="*/ 77156 h 2231291"/>
-                </a:gdLst>
-                <a:ahLst/>
-                <a:cxnLst>
-                  <a:cxn ang="0">
-                    <a:pos x="connsiteX0" y="connsiteY0"/>
-                  </a:cxn>
-                  <a:cxn ang="0">
-                    <a:pos x="connsiteX1" y="connsiteY1"/>
-                  </a:cxn>
-                  <a:cxn ang="0">
-                    <a:pos x="connsiteX2" y="connsiteY2"/>
-                  </a:cxn>
-                  <a:cxn ang="0">
-                    <a:pos x="connsiteX3" y="connsiteY3"/>
-                  </a:cxn>
-                  <a:cxn ang="0">
-                    <a:pos x="connsiteX4" y="connsiteY4"/>
-                  </a:cxn>
-                  <a:cxn ang="0">
-                    <a:pos x="connsiteX5" y="connsiteY5"/>
-                  </a:cxn>
-                  <a:cxn ang="0">
-                    <a:pos x="connsiteX6" y="connsiteY6"/>
-                  </a:cxn>
-                  <a:cxn ang="0">
-                    <a:pos x="connsiteX7" y="connsiteY7"/>
-                  </a:cxn>
-                  <a:cxn ang="0">
-                    <a:pos x="connsiteX8" y="connsiteY8"/>
-                  </a:cxn>
-                  <a:cxn ang="0">
-                    <a:pos x="connsiteX9" y="connsiteY9"/>
-                  </a:cxn>
-                  <a:cxn ang="0">
-                    <a:pos x="connsiteX10" y="connsiteY10"/>
-                  </a:cxn>
-                  <a:cxn ang="0">
-                    <a:pos x="connsiteX11" y="connsiteY11"/>
-                  </a:cxn>
-                  <a:cxn ang="0">
-                    <a:pos x="connsiteX12" y="connsiteY12"/>
-                  </a:cxn>
-                  <a:cxn ang="0">
-                    <a:pos x="connsiteX13" y="connsiteY13"/>
-                  </a:cxn>
-                  <a:cxn ang="0">
-                    <a:pos x="connsiteX14" y="connsiteY14"/>
-                  </a:cxn>
-                  <a:cxn ang="0">
-                    <a:pos x="connsiteX15" y="connsiteY15"/>
-                  </a:cxn>
-                  <a:cxn ang="0">
-                    <a:pos x="connsiteX16" y="connsiteY16"/>
-                  </a:cxn>
-                  <a:cxn ang="0">
-                    <a:pos x="connsiteX17" y="connsiteY17"/>
-                  </a:cxn>
-                  <a:cxn ang="0">
-                    <a:pos x="connsiteX18" y="connsiteY18"/>
-                  </a:cxn>
-                  <a:cxn ang="0">
-                    <a:pos x="connsiteX19" y="connsiteY19"/>
-                  </a:cxn>
-                  <a:cxn ang="0">
-                    <a:pos x="connsiteX20" y="connsiteY20"/>
-                  </a:cxn>
-                  <a:cxn ang="0">
-                    <a:pos x="connsiteX21" y="connsiteY21"/>
-                  </a:cxn>
-                </a:cxnLst>
-                <a:rect l="l" t="t" r="r" b="b"/>
-                <a:pathLst>
-                  <a:path w="1272139" h="2231291">
-                    <a:moveTo>
-                      <a:pt x="362394" y="77156"/>
-                    </a:moveTo>
-                    <a:lnTo>
-                      <a:pt x="861588" y="0"/>
-                    </a:lnTo>
-                    <a:lnTo>
-                      <a:pt x="737491" y="499222"/>
-                    </a:lnTo>
-                    <a:lnTo>
-                      <a:pt x="1272140" y="499222"/>
-                    </a:lnTo>
-                    <a:lnTo>
-                      <a:pt x="1175824" y="892218"/>
-                    </a:lnTo>
-                    <a:lnTo>
-                      <a:pt x="645585" y="892218"/>
-                    </a:lnTo>
-                    <a:lnTo>
-                      <a:pt x="503990" y="1483317"/>
-                    </a:lnTo>
-                    <a:cubicBezTo>
-                      <a:pt x="491732" y="1528568"/>
-                      <a:pt x="484142" y="1574965"/>
-                      <a:pt x="481307" y="1621791"/>
-                    </a:cubicBezTo>
-                    <a:cubicBezTo>
-                      <a:pt x="478386" y="1659653"/>
-                      <a:pt x="483999" y="1697687"/>
-                      <a:pt x="497603" y="1733114"/>
-                    </a:cubicBezTo>
-                    <a:cubicBezTo>
-                      <a:pt x="510921" y="1764905"/>
-                      <a:pt x="535580" y="1790594"/>
-                      <a:pt x="566825" y="1805115"/>
-                    </a:cubicBezTo>
-                    <a:cubicBezTo>
-                      <a:pt x="611790" y="1824991"/>
-                      <a:pt x="660879" y="1834041"/>
-                      <a:pt x="710025" y="1831378"/>
-                    </a:cubicBezTo>
-                    <a:cubicBezTo>
-                      <a:pt x="760374" y="1831549"/>
-                      <a:pt x="810608" y="1826595"/>
-                      <a:pt x="859984" y="1816657"/>
-                    </a:cubicBezTo>
-                    <a:cubicBezTo>
-                      <a:pt x="909673" y="1806948"/>
-                      <a:pt x="958619" y="1793659"/>
-                      <a:pt x="1006362" y="1776876"/>
-                    </a:cubicBezTo>
-                    <a:lnTo>
-                      <a:pt x="1042162" y="2144412"/>
-                    </a:lnTo>
-                    <a:cubicBezTo>
-                      <a:pt x="973626" y="2169042"/>
-                      <a:pt x="903602" y="2189405"/>
-                      <a:pt x="832518" y="2205272"/>
-                    </a:cubicBezTo>
-                    <a:cubicBezTo>
-                      <a:pt x="744679" y="2223916"/>
-                      <a:pt x="655008" y="2232594"/>
-                      <a:pt x="565221" y="2231133"/>
-                    </a:cubicBezTo>
-                    <a:cubicBezTo>
-                      <a:pt x="416838" y="2231133"/>
-                      <a:pt x="302279" y="2208852"/>
-                      <a:pt x="220340" y="2165090"/>
-                    </a:cubicBezTo>
-                    <a:cubicBezTo>
-                      <a:pt x="143700" y="2126111"/>
-                      <a:pt x="82296" y="2062530"/>
-                      <a:pt x="46124" y="1984487"/>
-                    </a:cubicBezTo>
-                    <a:cubicBezTo>
-                      <a:pt x="10811" y="1901689"/>
-                      <a:pt x="-4597" y="1811759"/>
-                      <a:pt x="1188" y="1721945"/>
-                    </a:cubicBezTo>
-                    <a:cubicBezTo>
-                      <a:pt x="6544" y="1616578"/>
-                      <a:pt x="21580" y="1511928"/>
-                      <a:pt x="46124" y="1409283"/>
-                    </a:cubicBezTo>
-                    <a:lnTo>
-                      <a:pt x="362366" y="75552"/>
-                    </a:lnTo>
-                    <a:lnTo>
-                      <a:pt x="362366" y="77156"/>
-                    </a:lnTo>
-                    <a:close/>
-                  </a:path>
-                </a:pathLst>
-              </a:custGeom>
-              <a:solidFill>
-                <a:srgbClr val="4D4D4D">
-                  <a:alpha val="46000"/>
-                </a:srgbClr>
-              </a:solidFill>
-              <a:ln w="2864" cap="flat">
-                <a:noFill/>
-                <a:prstDash val="solid"/>
-                <a:miter/>
-              </a:ln>
-            </p:spPr>
-            <p:txBody>
-              <a:bodyPr rtlCol="0" anchor="ctr"/>
-              <a:lstStyle/>
-              <a:p>
-                <a:endParaRPr lang="en-FI"/>
-              </a:p>
-            </p:txBody>
-          </p:sp>
-          <p:sp>
-            <p:nvSpPr>
-              <p:cNvPr id="38" name="Freeform: Shape 37">
-                <a:extLst>
-                  <a:ext uri="{FF2B5EF4-FFF2-40B4-BE49-F238E27FC236}">
-                    <a16:creationId xmlns:a16="http://schemas.microsoft.com/office/drawing/2014/main" id="{AFA46248-6C00-93D5-3E73-5B865D725D1D}"/>
-                  </a:ext>
-                </a:extLst>
-              </p:cNvPr>
-              <p:cNvSpPr/>
-              <p:nvPr/>
-            </p:nvSpPr>
-            <p:spPr>
-              <a:xfrm>
-                <a:off x="6564727" y="2914987"/>
-                <a:ext cx="1482908" cy="1785309"/>
-              </a:xfrm>
-              <a:custGeom>
-                <a:avLst/>
-                <a:gdLst>
-                  <a:gd name="connsiteX0" fmla="*/ 1225 w 1482908"/>
-                  <a:gd name="connsiteY0" fmla="*/ 1063326 h 1785309"/>
-                  <a:gd name="connsiteX1" fmla="*/ 72022 w 1482908"/>
-                  <a:gd name="connsiteY1" fmla="*/ 650854 h 1785309"/>
-                  <a:gd name="connsiteX2" fmla="*/ 274878 w 1482908"/>
-                  <a:gd name="connsiteY2" fmla="*/ 312359 h 1785309"/>
-                  <a:gd name="connsiteX3" fmla="*/ 595474 w 1482908"/>
-                  <a:gd name="connsiteY3" fmla="*/ 83985 h 1785309"/>
-                  <a:gd name="connsiteX4" fmla="*/ 1015907 w 1482908"/>
-                  <a:gd name="connsiteY4" fmla="*/ 99 h 1785309"/>
-                  <a:gd name="connsiteX5" fmla="*/ 1275270 w 1482908"/>
-                  <a:gd name="connsiteY5" fmla="*/ 27507 h 1785309"/>
-                  <a:gd name="connsiteX6" fmla="*/ 1482909 w 1482908"/>
-                  <a:gd name="connsiteY6" fmla="*/ 99909 h 1785309"/>
-                  <a:gd name="connsiteX7" fmla="*/ 1317055 w 1482908"/>
-                  <a:gd name="connsiteY7" fmla="*/ 472628 h 1785309"/>
-                  <a:gd name="connsiteX8" fmla="*/ 1183393 w 1482908"/>
-                  <a:gd name="connsiteY8" fmla="*/ 426088 h 1785309"/>
-                  <a:gd name="connsiteX9" fmla="*/ 1014332 w 1482908"/>
-                  <a:gd name="connsiteY9" fmla="*/ 405009 h 1785309"/>
-                  <a:gd name="connsiteX10" fmla="*/ 637631 w 1482908"/>
-                  <a:gd name="connsiteY10" fmla="*/ 570491 h 1785309"/>
-                  <a:gd name="connsiteX11" fmla="*/ 497611 w 1482908"/>
-                  <a:gd name="connsiteY11" fmla="*/ 1012032 h 1785309"/>
-                  <a:gd name="connsiteX12" fmla="*/ 568408 w 1482908"/>
-                  <a:gd name="connsiteY12" fmla="*/ 1277781 h 1785309"/>
-                  <a:gd name="connsiteX13" fmla="*/ 829347 w 1482908"/>
-                  <a:gd name="connsiteY13" fmla="*/ 1379167 h 1785309"/>
-                  <a:gd name="connsiteX14" fmla="*/ 1009950 w 1482908"/>
-                  <a:gd name="connsiteY14" fmla="*/ 1359691 h 1785309"/>
-                  <a:gd name="connsiteX15" fmla="*/ 1164691 w 1482908"/>
-                  <a:gd name="connsiteY15" fmla="*/ 1311548 h 1785309"/>
-                  <a:gd name="connsiteX16" fmla="*/ 1200090 w 1482908"/>
-                  <a:gd name="connsiteY16" fmla="*/ 1695036 h 1785309"/>
-                  <a:gd name="connsiteX17" fmla="*/ 1001215 w 1482908"/>
-                  <a:gd name="connsiteY17" fmla="*/ 1757843 h 1785309"/>
-                  <a:gd name="connsiteX18" fmla="*/ 740276 w 1482908"/>
-                  <a:gd name="connsiteY18" fmla="*/ 1784936 h 1785309"/>
-                  <a:gd name="connsiteX19" fmla="*/ 398975 w 1482908"/>
-                  <a:gd name="connsiteY19" fmla="*/ 1727227 h 1785309"/>
-                  <a:gd name="connsiteX20" fmla="*/ 170658 w 1482908"/>
-                  <a:gd name="connsiteY20" fmla="*/ 1570939 h 1785309"/>
-                  <a:gd name="connsiteX21" fmla="*/ 39802 w 1482908"/>
-                  <a:gd name="connsiteY21" fmla="*/ 1340187 h 1785309"/>
-                  <a:gd name="connsiteX22" fmla="*/ 21 w 1482908"/>
-                  <a:gd name="connsiteY22" fmla="*/ 1061751 h 1785309"/>
-                  <a:gd name="connsiteX23" fmla="*/ 1225 w 1482908"/>
-                  <a:gd name="connsiteY23" fmla="*/ 1063354 h 1785309"/>
-                </a:gdLst>
-                <a:ahLst/>
-                <a:cxnLst>
-                  <a:cxn ang="0">
-                    <a:pos x="connsiteX0" y="connsiteY0"/>
-                  </a:cxn>
-                  <a:cxn ang="0">
-                    <a:pos x="connsiteX1" y="connsiteY1"/>
-                  </a:cxn>
-                  <a:cxn ang="0">
-                    <a:pos x="connsiteX2" y="connsiteY2"/>
-                  </a:cxn>
-                  <a:cxn ang="0">
-                    <a:pos x="connsiteX3" y="connsiteY3"/>
-                  </a:cxn>
-                  <a:cxn ang="0">
-                    <a:pos x="connsiteX4" y="connsiteY4"/>
-                  </a:cxn>
-                  <a:cxn ang="0">
-                    <a:pos x="connsiteX5" y="connsiteY5"/>
-                  </a:cxn>
-                  <a:cxn ang="0">
-                    <a:pos x="connsiteX6" y="connsiteY6"/>
-                  </a:cxn>
-                  <a:cxn ang="0">
-                    <a:pos x="connsiteX7" y="connsiteY7"/>
-                  </a:cxn>
-                  <a:cxn ang="0">
-                    <a:pos x="connsiteX8" y="connsiteY8"/>
-                  </a:cxn>
-                  <a:cxn ang="0">
-                    <a:pos x="connsiteX9" y="connsiteY9"/>
-                  </a:cxn>
-                  <a:cxn ang="0">
-                    <a:pos x="connsiteX10" y="connsiteY10"/>
-                  </a:cxn>
-                  <a:cxn ang="0">
-                    <a:pos x="connsiteX11" y="connsiteY11"/>
-                  </a:cxn>
-                  <a:cxn ang="0">
-                    <a:pos x="connsiteX12" y="connsiteY12"/>
-                  </a:cxn>
-                  <a:cxn ang="0">
-                    <a:pos x="connsiteX13" y="connsiteY13"/>
-                  </a:cxn>
-                  <a:cxn ang="0">
-                    <a:pos x="connsiteX14" y="connsiteY14"/>
-                  </a:cxn>
-                  <a:cxn ang="0">
-                    <a:pos x="connsiteX15" y="connsiteY15"/>
-                  </a:cxn>
-                  <a:cxn ang="0">
-                    <a:pos x="connsiteX16" y="connsiteY16"/>
-                  </a:cxn>
-                  <a:cxn ang="0">
-                    <a:pos x="connsiteX17" y="connsiteY17"/>
-                  </a:cxn>
-                  <a:cxn ang="0">
-                    <a:pos x="connsiteX18" y="connsiteY18"/>
-                  </a:cxn>
-                  <a:cxn ang="0">
-                    <a:pos x="connsiteX19" y="connsiteY19"/>
-                  </a:cxn>
-                  <a:cxn ang="0">
-                    <a:pos x="connsiteX20" y="connsiteY20"/>
-                  </a:cxn>
-                  <a:cxn ang="0">
-                    <a:pos x="connsiteX21" y="connsiteY21"/>
-                  </a:cxn>
-                  <a:cxn ang="0">
-                    <a:pos x="connsiteX22" y="connsiteY22"/>
-                  </a:cxn>
-                  <a:cxn ang="0">
-                    <a:pos x="connsiteX23" y="connsiteY23"/>
-                  </a:cxn>
-                </a:cxnLst>
-                <a:rect l="l" t="t" r="r" b="b"/>
-                <a:pathLst>
-                  <a:path w="1482908" h="1785309">
-                    <a:moveTo>
-                      <a:pt x="1225" y="1063326"/>
-                    </a:moveTo>
-                    <a:cubicBezTo>
-                      <a:pt x="222" y="922761"/>
-                      <a:pt x="24165" y="783056"/>
-                      <a:pt x="72022" y="650854"/>
-                    </a:cubicBezTo>
-                    <a:cubicBezTo>
-                      <a:pt x="116901" y="525841"/>
-                      <a:pt x="185837" y="410852"/>
-                      <a:pt x="274878" y="312359"/>
-                    </a:cubicBezTo>
-                    <a:cubicBezTo>
-                      <a:pt x="364664" y="214669"/>
-                      <a:pt x="473840" y="136911"/>
-                      <a:pt x="595474" y="83985"/>
-                    </a:cubicBezTo>
-                    <a:cubicBezTo>
-                      <a:pt x="728133" y="26705"/>
-                      <a:pt x="871418" y="-1906"/>
-                      <a:pt x="1015907" y="99"/>
-                    </a:cubicBezTo>
-                    <a:cubicBezTo>
-                      <a:pt x="1103144" y="-932"/>
-                      <a:pt x="1190209" y="8261"/>
-                      <a:pt x="1275270" y="27507"/>
-                    </a:cubicBezTo>
-                    <a:cubicBezTo>
-                      <a:pt x="1346783" y="44462"/>
-                      <a:pt x="1416350" y="68720"/>
-                      <a:pt x="1482909" y="99909"/>
-                    </a:cubicBezTo>
-                    <a:lnTo>
-                      <a:pt x="1317055" y="472628"/>
-                    </a:lnTo>
-                    <a:cubicBezTo>
-                      <a:pt x="1274096" y="455129"/>
-                      <a:pt x="1229532" y="440064"/>
-                      <a:pt x="1183393" y="426088"/>
-                    </a:cubicBezTo>
-                    <a:cubicBezTo>
-                      <a:pt x="1128376" y="410766"/>
-                      <a:pt x="1071411" y="403663"/>
-                      <a:pt x="1014332" y="405009"/>
-                    </a:cubicBezTo>
-                    <a:cubicBezTo>
-                      <a:pt x="870101" y="399797"/>
-                      <a:pt x="731370" y="460771"/>
-                      <a:pt x="637631" y="570491"/>
-                    </a:cubicBezTo>
-                    <a:cubicBezTo>
-                      <a:pt x="544552" y="679981"/>
-                      <a:pt x="497840" y="827161"/>
-                      <a:pt x="497611" y="1012032"/>
-                    </a:cubicBezTo>
-                    <a:cubicBezTo>
-                      <a:pt x="493229" y="1105799"/>
-                      <a:pt x="517974" y="1198592"/>
-                      <a:pt x="568408" y="1277781"/>
-                    </a:cubicBezTo>
-                    <a:cubicBezTo>
-                      <a:pt x="615579" y="1345400"/>
-                      <a:pt x="702615" y="1379167"/>
-                      <a:pt x="829347" y="1379167"/>
-                    </a:cubicBezTo>
-                    <a:cubicBezTo>
-                      <a:pt x="890092" y="1379224"/>
-                      <a:pt x="950637" y="1372694"/>
-                      <a:pt x="1009950" y="1359691"/>
-                    </a:cubicBezTo>
-                    <a:cubicBezTo>
-                      <a:pt x="1062848" y="1348407"/>
-                      <a:pt x="1114686" y="1332312"/>
-                      <a:pt x="1164691" y="1311548"/>
-                    </a:cubicBezTo>
-                    <a:lnTo>
-                      <a:pt x="1200090" y="1695036"/>
-                    </a:lnTo>
-                    <a:cubicBezTo>
-                      <a:pt x="1135020" y="1719666"/>
-                      <a:pt x="1068633" y="1740659"/>
-                      <a:pt x="1001215" y="1757843"/>
-                    </a:cubicBezTo>
-                    <a:cubicBezTo>
-                      <a:pt x="915610" y="1777146"/>
-                      <a:pt x="828029" y="1786254"/>
-                      <a:pt x="740276" y="1784936"/>
-                    </a:cubicBezTo>
-                    <a:cubicBezTo>
-                      <a:pt x="623798" y="1788316"/>
-                      <a:pt x="507864" y="1768698"/>
-                      <a:pt x="398975" y="1727227"/>
-                    </a:cubicBezTo>
-                    <a:cubicBezTo>
-                      <a:pt x="312425" y="1692344"/>
-                      <a:pt x="234496" y="1639016"/>
-                      <a:pt x="170658" y="1570939"/>
-                    </a:cubicBezTo>
-                    <a:cubicBezTo>
-                      <a:pt x="110085" y="1504953"/>
-                      <a:pt x="65320" y="1426021"/>
-                      <a:pt x="39802" y="1340187"/>
-                    </a:cubicBezTo>
-                    <a:cubicBezTo>
-                      <a:pt x="12794" y="1249857"/>
-                      <a:pt x="-609" y="1156004"/>
-                      <a:pt x="21" y="1061751"/>
-                    </a:cubicBezTo>
-                    <a:lnTo>
-                      <a:pt x="1225" y="1063354"/>
-                    </a:lnTo>
-                    <a:close/>
-                  </a:path>
-                </a:pathLst>
-              </a:custGeom>
-              <a:solidFill>
-                <a:srgbClr val="4D4D4D">
-                  <a:alpha val="46000"/>
-                </a:srgbClr>
-              </a:solidFill>
-              <a:ln w="2864" cap="flat">
-                <a:noFill/>
-                <a:prstDash val="solid"/>
-                <a:miter/>
-              </a:ln>
-            </p:spPr>
-            <p:txBody>
-              <a:bodyPr rtlCol="0" anchor="ctr"/>
-              <a:lstStyle/>
-              <a:p>
-                <a:endParaRPr lang="en-FI"/>
-              </a:p>
-            </p:txBody>
-          </p:sp>
-          <p:sp>
-            <p:nvSpPr>
-              <p:cNvPr id="39" name="Freeform: Shape 38">
-                <a:extLst>
-                  <a:ext uri="{FF2B5EF4-FFF2-40B4-BE49-F238E27FC236}">
-                    <a16:creationId xmlns:a16="http://schemas.microsoft.com/office/drawing/2014/main" id="{D6FC7DC6-A1BF-84EF-45DF-282406389CCB}"/>
-                  </a:ext>
-                </a:extLst>
-              </p:cNvPr>
-              <p:cNvSpPr/>
-              <p:nvPr/>
-            </p:nvSpPr>
-            <p:spPr>
-              <a:xfrm>
-                <a:off x="8014082" y="2916925"/>
-                <a:ext cx="1619305" cy="1783578"/>
-              </a:xfrm>
-              <a:custGeom>
-                <a:avLst/>
-                <a:gdLst>
-                  <a:gd name="connsiteX0" fmla="*/ 907071 w 1619305"/>
-                  <a:gd name="connsiteY0" fmla="*/ 404675 h 1783578"/>
-                  <a:gd name="connsiteX1" fmla="*/ 720109 w 1619305"/>
-                  <a:gd name="connsiteY1" fmla="*/ 465535 h 1783578"/>
-                  <a:gd name="connsiteX2" fmla="*/ 585273 w 1619305"/>
-                  <a:gd name="connsiteY2" fmla="*/ 620276 h 1783578"/>
-                  <a:gd name="connsiteX3" fmla="*/ 500957 w 1619305"/>
-                  <a:gd name="connsiteY3" fmla="*/ 824794 h 1783578"/>
-                  <a:gd name="connsiteX4" fmla="*/ 473921 w 1619305"/>
-                  <a:gd name="connsiteY4" fmla="*/ 1035555 h 1783578"/>
-                  <a:gd name="connsiteX5" fmla="*/ 525244 w 1619305"/>
-                  <a:gd name="connsiteY5" fmla="*/ 1286956 h 1783578"/>
-                  <a:gd name="connsiteX6" fmla="*/ 712205 w 1619305"/>
-                  <a:gd name="connsiteY6" fmla="*/ 1377257 h 1783578"/>
-                  <a:gd name="connsiteX7" fmla="*/ 899166 w 1619305"/>
-                  <a:gd name="connsiteY7" fmla="*/ 1315997 h 1783578"/>
-                  <a:gd name="connsiteX8" fmla="*/ 1034403 w 1619305"/>
-                  <a:gd name="connsiteY8" fmla="*/ 1161313 h 1783578"/>
-                  <a:gd name="connsiteX9" fmla="*/ 1116772 w 1619305"/>
-                  <a:gd name="connsiteY9" fmla="*/ 956795 h 1783578"/>
-                  <a:gd name="connsiteX10" fmla="*/ 1143780 w 1619305"/>
-                  <a:gd name="connsiteY10" fmla="*/ 745576 h 1783578"/>
-                  <a:gd name="connsiteX11" fmla="*/ 1092457 w 1619305"/>
-                  <a:gd name="connsiteY11" fmla="*/ 494175 h 1783578"/>
-                  <a:gd name="connsiteX12" fmla="*/ 905495 w 1619305"/>
-                  <a:gd name="connsiteY12" fmla="*/ 404274 h 1783578"/>
-                  <a:gd name="connsiteX13" fmla="*/ 907099 w 1619305"/>
-                  <a:gd name="connsiteY13" fmla="*/ 404675 h 1783578"/>
-                  <a:gd name="connsiteX14" fmla="*/ 668415 w 1619305"/>
-                  <a:gd name="connsiteY14" fmla="*/ 1783371 h 1783578"/>
-                  <a:gd name="connsiteX15" fmla="*/ 371677 w 1619305"/>
-                  <a:gd name="connsiteY15" fmla="*/ 1731647 h 1783578"/>
-                  <a:gd name="connsiteX16" fmla="*/ 164037 w 1619305"/>
-                  <a:gd name="connsiteY16" fmla="*/ 1586844 h 1783578"/>
-                  <a:gd name="connsiteX17" fmla="*/ 39941 w 1619305"/>
-                  <a:gd name="connsiteY17" fmla="*/ 1366088 h 1783578"/>
-                  <a:gd name="connsiteX18" fmla="*/ 160 w 1619305"/>
-                  <a:gd name="connsiteY18" fmla="*/ 1084472 h 1783578"/>
-                  <a:gd name="connsiteX19" fmla="*/ 62653 w 1619305"/>
-                  <a:gd name="connsiteY19" fmla="*/ 697833 h 1783578"/>
-                  <a:gd name="connsiteX20" fmla="*/ 246377 w 1619305"/>
-                  <a:gd name="connsiteY20" fmla="*/ 351377 h 1783578"/>
-                  <a:gd name="connsiteX21" fmla="*/ 545893 w 1619305"/>
-                  <a:gd name="connsiteY21" fmla="*/ 98400 h 1783578"/>
-                  <a:gd name="connsiteX22" fmla="*/ 951634 w 1619305"/>
-                  <a:gd name="connsiteY22" fmla="*/ 137 h 1783578"/>
-                  <a:gd name="connsiteX23" fmla="*/ 1246797 w 1619305"/>
-                  <a:gd name="connsiteY23" fmla="*/ 51861 h 1783578"/>
-                  <a:gd name="connsiteX24" fmla="*/ 1455610 w 1619305"/>
-                  <a:gd name="connsiteY24" fmla="*/ 194659 h 1783578"/>
-                  <a:gd name="connsiteX25" fmla="*/ 1579335 w 1619305"/>
-                  <a:gd name="connsiteY25" fmla="*/ 415415 h 1783578"/>
-                  <a:gd name="connsiteX26" fmla="*/ 1619116 w 1619305"/>
-                  <a:gd name="connsiteY26" fmla="*/ 697432 h 1783578"/>
-                  <a:gd name="connsiteX27" fmla="*/ 1558256 w 1619305"/>
-                  <a:gd name="connsiteY27" fmla="*/ 1084071 h 1783578"/>
-                  <a:gd name="connsiteX28" fmla="*/ 1377653 w 1619305"/>
-                  <a:gd name="connsiteY28" fmla="*/ 1432131 h 1783578"/>
-                  <a:gd name="connsiteX29" fmla="*/ 1079712 w 1619305"/>
-                  <a:gd name="connsiteY29" fmla="*/ 1684735 h 1783578"/>
-                  <a:gd name="connsiteX30" fmla="*/ 668415 w 1619305"/>
-                  <a:gd name="connsiteY30" fmla="*/ 1783371 h 1783578"/>
-                </a:gdLst>
-                <a:ahLst/>
-                <a:cxnLst>
-                  <a:cxn ang="0">
-                    <a:pos x="connsiteX0" y="connsiteY0"/>
-                  </a:cxn>
-                  <a:cxn ang="0">
-                    <a:pos x="connsiteX1" y="connsiteY1"/>
-                  </a:cxn>
-                  <a:cxn ang="0">
-                    <a:pos x="connsiteX2" y="connsiteY2"/>
-                  </a:cxn>
-                  <a:cxn ang="0">
-                    <a:pos x="connsiteX3" y="connsiteY3"/>
-                  </a:cxn>
-                  <a:cxn ang="0">
-                    <a:pos x="connsiteX4" y="connsiteY4"/>
-                  </a:cxn>
-                  <a:cxn ang="0">
-                    <a:pos x="connsiteX5" y="connsiteY5"/>
-                  </a:cxn>
-                  <a:cxn ang="0">
-                    <a:pos x="connsiteX6" y="connsiteY6"/>
-                  </a:cxn>
-                  <a:cxn ang="0">
-                    <a:pos x="connsiteX7" y="connsiteY7"/>
-                  </a:cxn>
-                  <a:cxn ang="0">
-                    <a:pos x="connsiteX8" y="connsiteY8"/>
-                  </a:cxn>
-                  <a:cxn ang="0">
-                    <a:pos x="connsiteX9" y="connsiteY9"/>
-                  </a:cxn>
-                  <a:cxn ang="0">
-                    <a:pos x="connsiteX10" y="connsiteY10"/>
-                  </a:cxn>
-                  <a:cxn ang="0">
-                    <a:pos x="connsiteX11" y="connsiteY11"/>
-                  </a:cxn>
-                  <a:cxn ang="0">
-                    <a:pos x="connsiteX12" y="connsiteY12"/>
-                  </a:cxn>
-                  <a:cxn ang="0">
-                    <a:pos x="connsiteX13" y="connsiteY13"/>
-                  </a:cxn>
-                  <a:cxn ang="0">
-                    <a:pos x="connsiteX14" y="connsiteY14"/>
-                  </a:cxn>
-                  <a:cxn ang="0">
-                    <a:pos x="connsiteX15" y="connsiteY15"/>
-                  </a:cxn>
-                  <a:cxn ang="0">
-                    <a:pos x="connsiteX16" y="connsiteY16"/>
-                  </a:cxn>
-                  <a:cxn ang="0">
-                    <a:pos x="connsiteX17" y="connsiteY17"/>
-                  </a:cxn>
-                  <a:cxn ang="0">
-                    <a:pos x="connsiteX18" y="connsiteY18"/>
-                  </a:cxn>
-                  <a:cxn ang="0">
-                    <a:pos x="connsiteX19" y="connsiteY19"/>
-                  </a:cxn>
-                  <a:cxn ang="0">
-                    <a:pos x="connsiteX20" y="connsiteY20"/>
-                  </a:cxn>
-                  <a:cxn ang="0">
-                    <a:pos x="connsiteX21" y="connsiteY21"/>
-                  </a:cxn>
-                  <a:cxn ang="0">
-                    <a:pos x="connsiteX22" y="connsiteY22"/>
-                  </a:cxn>
-                  <a:cxn ang="0">
-                    <a:pos x="connsiteX23" y="connsiteY23"/>
-                  </a:cxn>
-                  <a:cxn ang="0">
-                    <a:pos x="connsiteX24" y="connsiteY24"/>
-                  </a:cxn>
-                  <a:cxn ang="0">
-                    <a:pos x="connsiteX25" y="connsiteY25"/>
-                  </a:cxn>
-                  <a:cxn ang="0">
-                    <a:pos x="connsiteX26" y="connsiteY26"/>
-                  </a:cxn>
-                  <a:cxn ang="0">
-                    <a:pos x="connsiteX27" y="connsiteY27"/>
-                  </a:cxn>
-                  <a:cxn ang="0">
-                    <a:pos x="connsiteX28" y="connsiteY28"/>
-                  </a:cxn>
-                  <a:cxn ang="0">
-                    <a:pos x="connsiteX29" y="connsiteY29"/>
-                  </a:cxn>
-                  <a:cxn ang="0">
-                    <a:pos x="connsiteX30" y="connsiteY30"/>
-                  </a:cxn>
-                </a:cxnLst>
-                <a:rect l="l" t="t" r="r" b="b"/>
-                <a:pathLst>
-                  <a:path w="1619305" h="1783578">
-                    <a:moveTo>
-                      <a:pt x="907071" y="404675"/>
-                    </a:moveTo>
-                    <a:cubicBezTo>
-                      <a:pt x="839767" y="403730"/>
-                      <a:pt x="773981" y="425124"/>
-                      <a:pt x="720109" y="465535"/>
-                    </a:cubicBezTo>
-                    <a:cubicBezTo>
-                      <a:pt x="665494" y="507808"/>
-                      <a:pt x="619670" y="560419"/>
-                      <a:pt x="585273" y="620276"/>
-                    </a:cubicBezTo>
-                    <a:cubicBezTo>
-                      <a:pt x="547440" y="684000"/>
-                      <a:pt x="519029" y="752908"/>
-                      <a:pt x="500957" y="824794"/>
-                    </a:cubicBezTo>
-                    <a:cubicBezTo>
-                      <a:pt x="483458" y="893701"/>
-                      <a:pt x="474351" y="964442"/>
-                      <a:pt x="473921" y="1035555"/>
-                    </a:cubicBezTo>
-                    <a:cubicBezTo>
-                      <a:pt x="469625" y="1122362"/>
-                      <a:pt x="487296" y="1208798"/>
-                      <a:pt x="525244" y="1286956"/>
-                    </a:cubicBezTo>
-                    <a:cubicBezTo>
-                      <a:pt x="559869" y="1347014"/>
-                      <a:pt x="621904" y="1377257"/>
-                      <a:pt x="712205" y="1377257"/>
-                    </a:cubicBezTo>
-                    <a:cubicBezTo>
-                      <a:pt x="779623" y="1378403"/>
-                      <a:pt x="845495" y="1356837"/>
-                      <a:pt x="899166" y="1315997"/>
-                    </a:cubicBezTo>
-                    <a:cubicBezTo>
-                      <a:pt x="953897" y="1273724"/>
-                      <a:pt x="999807" y="1221113"/>
-                      <a:pt x="1034403" y="1161313"/>
-                    </a:cubicBezTo>
-                    <a:cubicBezTo>
-                      <a:pt x="1071693" y="1097503"/>
-                      <a:pt x="1099417" y="1028624"/>
-                      <a:pt x="1116772" y="956795"/>
-                    </a:cubicBezTo>
-                    <a:cubicBezTo>
-                      <a:pt x="1134070" y="887744"/>
-                      <a:pt x="1143178" y="816832"/>
-                      <a:pt x="1143780" y="745576"/>
-                    </a:cubicBezTo>
-                    <a:cubicBezTo>
-                      <a:pt x="1148247" y="658826"/>
-                      <a:pt x="1130519" y="572305"/>
-                      <a:pt x="1092457" y="494175"/>
-                    </a:cubicBezTo>
-                    <a:cubicBezTo>
-                      <a:pt x="1057860" y="434518"/>
-                      <a:pt x="995396" y="404274"/>
-                      <a:pt x="905495" y="404274"/>
-                    </a:cubicBezTo>
-                    <a:lnTo>
-                      <a:pt x="907099" y="404675"/>
-                    </a:lnTo>
-                    <a:close/>
-                    <a:moveTo>
-                      <a:pt x="668415" y="1783371"/>
-                    </a:moveTo>
-                    <a:cubicBezTo>
-                      <a:pt x="567058" y="1785719"/>
-                      <a:pt x="466274" y="1768135"/>
-                      <a:pt x="371677" y="1731647"/>
-                    </a:cubicBezTo>
-                    <a:cubicBezTo>
-                      <a:pt x="292086" y="1700258"/>
-                      <a:pt x="221002" y="1650711"/>
-                      <a:pt x="164037" y="1586844"/>
-                    </a:cubicBezTo>
-                    <a:cubicBezTo>
-                      <a:pt x="108018" y="1522519"/>
-                      <a:pt x="65831" y="1447396"/>
-                      <a:pt x="39941" y="1366088"/>
-                    </a:cubicBezTo>
-                    <a:cubicBezTo>
-                      <a:pt x="11817" y="1274927"/>
-                      <a:pt x="-1645" y="1179843"/>
-                      <a:pt x="160" y="1084472"/>
-                    </a:cubicBezTo>
-                    <a:cubicBezTo>
-                      <a:pt x="475" y="953129"/>
-                      <a:pt x="21525" y="822617"/>
-                      <a:pt x="62653" y="697833"/>
-                    </a:cubicBezTo>
-                    <a:cubicBezTo>
-                      <a:pt x="102548" y="572247"/>
-                      <a:pt x="164839" y="454910"/>
-                      <a:pt x="246377" y="351377"/>
-                    </a:cubicBezTo>
-                    <a:cubicBezTo>
-                      <a:pt x="328288" y="247872"/>
-                      <a:pt x="430159" y="161838"/>
-                      <a:pt x="545893" y="98400"/>
-                    </a:cubicBezTo>
-                    <a:cubicBezTo>
-                      <a:pt x="670477" y="31412"/>
-                      <a:pt x="810182" y="-2441"/>
-                      <a:pt x="951634" y="137"/>
-                    </a:cubicBezTo>
-                    <a:cubicBezTo>
-                      <a:pt x="1052389" y="-1696"/>
-                      <a:pt x="1152629" y="15889"/>
-                      <a:pt x="1246797" y="51861"/>
-                    </a:cubicBezTo>
-                    <a:cubicBezTo>
-                      <a:pt x="1326473" y="82734"/>
-                      <a:pt x="1397959" y="131623"/>
-                      <a:pt x="1455610" y="194659"/>
-                    </a:cubicBezTo>
-                    <a:cubicBezTo>
-                      <a:pt x="1511286" y="259156"/>
-                      <a:pt x="1553387" y="334250"/>
-                      <a:pt x="1579335" y="415415"/>
-                    </a:cubicBezTo>
-                    <a:cubicBezTo>
-                      <a:pt x="1607660" y="506662"/>
-                      <a:pt x="1621092" y="601890"/>
-                      <a:pt x="1619116" y="697432"/>
-                    </a:cubicBezTo>
-                    <a:cubicBezTo>
-                      <a:pt x="1618714" y="828660"/>
-                      <a:pt x="1598180" y="959086"/>
-                      <a:pt x="1558256" y="1084071"/>
-                    </a:cubicBezTo>
-                    <a:cubicBezTo>
-                      <a:pt x="1519048" y="1209829"/>
-                      <a:pt x="1457902" y="1327624"/>
-                      <a:pt x="1377653" y="1432131"/>
-                    </a:cubicBezTo>
-                    <a:cubicBezTo>
-                      <a:pt x="1296946" y="1536065"/>
-                      <a:pt x="1195474" y="1622100"/>
-                      <a:pt x="1079712" y="1684735"/>
-                    </a:cubicBezTo>
-                    <a:cubicBezTo>
-                      <a:pt x="953210" y="1752068"/>
-                      <a:pt x="811700" y="1786034"/>
-                      <a:pt x="668415" y="1783371"/>
-                    </a:cubicBezTo>
-                    <a:close/>
-                  </a:path>
-                </a:pathLst>
-              </a:custGeom>
-              <a:solidFill>
-                <a:srgbClr val="4D4D4D">
-                  <a:alpha val="46000"/>
-                </a:srgbClr>
-              </a:solidFill>
-              <a:ln w="2864" cap="flat">
-                <a:noFill/>
-                <a:prstDash val="solid"/>
-                <a:miter/>
-              </a:ln>
-            </p:spPr>
-            <p:txBody>
-              <a:bodyPr rtlCol="0" anchor="ctr"/>
-              <a:lstStyle/>
-              <a:p>
-                <a:endParaRPr lang="en-FI"/>
-              </a:p>
-            </p:txBody>
-          </p:sp>
-          <p:sp>
-            <p:nvSpPr>
-              <p:cNvPr id="40" name="Freeform: Shape 39">
-                <a:extLst>
-                  <a:ext uri="{FF2B5EF4-FFF2-40B4-BE49-F238E27FC236}">
-                    <a16:creationId xmlns:a16="http://schemas.microsoft.com/office/drawing/2014/main" id="{EDC864D6-4D6D-4BF3-898E-11CF51FCBD0C}"/>
-                  </a:ext>
-                </a:extLst>
-              </p:cNvPr>
-              <p:cNvSpPr/>
-              <p:nvPr/>
-            </p:nvSpPr>
-            <p:spPr>
-              <a:xfrm>
-                <a:off x="9678162" y="2187105"/>
-                <a:ext cx="1040009" cy="2467853"/>
-              </a:xfrm>
-              <a:custGeom>
-                <a:avLst/>
-                <a:gdLst>
-                  <a:gd name="connsiteX0" fmla="*/ 708809 w 1040009"/>
-                  <a:gd name="connsiteY0" fmla="*/ 566852 h 2467853"/>
-                  <a:gd name="connsiteX1" fmla="*/ 528635 w 1040009"/>
-                  <a:gd name="connsiteY1" fmla="*/ 507596 h 2467853"/>
-                  <a:gd name="connsiteX2" fmla="*/ 449074 w 1040009"/>
-                  <a:gd name="connsiteY2" fmla="*/ 325418 h 2467853"/>
-                  <a:gd name="connsiteX3" fmla="*/ 476481 w 1040009"/>
-                  <a:gd name="connsiteY3" fmla="*/ 198514 h 2467853"/>
-                  <a:gd name="connsiteX4" fmla="*/ 547280 w 1040009"/>
-                  <a:gd name="connsiteY4" fmla="*/ 95096 h 2467853"/>
-                  <a:gd name="connsiteX5" fmla="*/ 652302 w 1040009"/>
-                  <a:gd name="connsiteY5" fmla="*/ 25873 h 2467853"/>
-                  <a:gd name="connsiteX6" fmla="*/ 779234 w 1040009"/>
-                  <a:gd name="connsiteY6" fmla="*/ 11 h 2467853"/>
-                  <a:gd name="connsiteX7" fmla="*/ 959837 w 1040009"/>
-                  <a:gd name="connsiteY7" fmla="*/ 59668 h 2467853"/>
-                  <a:gd name="connsiteX8" fmla="*/ 1039399 w 1040009"/>
-                  <a:gd name="connsiteY8" fmla="*/ 241847 h 2467853"/>
-                  <a:gd name="connsiteX9" fmla="*/ 1011503 w 1040009"/>
-                  <a:gd name="connsiteY9" fmla="*/ 369122 h 2467853"/>
-                  <a:gd name="connsiteX10" fmla="*/ 939532 w 1040009"/>
-                  <a:gd name="connsiteY10" fmla="*/ 472140 h 2467853"/>
-                  <a:gd name="connsiteX11" fmla="*/ 834910 w 1040009"/>
-                  <a:gd name="connsiteY11" fmla="*/ 541363 h 2467853"/>
-                  <a:gd name="connsiteX12" fmla="*/ 708780 w 1040009"/>
-                  <a:gd name="connsiteY12" fmla="*/ 566823 h 2467853"/>
-                  <a:gd name="connsiteX13" fmla="*/ 477341 w 1040009"/>
-                  <a:gd name="connsiteY13" fmla="*/ 2467853 h 2467853"/>
-                  <a:gd name="connsiteX14" fmla="*/ 0 w 1040009"/>
-                  <a:gd name="connsiteY14" fmla="*/ 2467853 h 2467853"/>
-                  <a:gd name="connsiteX15" fmla="*/ 402562 w 1040009"/>
-                  <a:gd name="connsiteY15" fmla="*/ 773288 h 2467853"/>
-                  <a:gd name="connsiteX16" fmla="*/ 883083 w 1040009"/>
-                  <a:gd name="connsiteY16" fmla="*/ 773288 h 2467853"/>
-                  <a:gd name="connsiteX17" fmla="*/ 477341 w 1040009"/>
-                  <a:gd name="connsiteY17" fmla="*/ 2467853 h 2467853"/>
-                </a:gdLst>
-                <a:ahLst/>
-                <a:cxnLst>
-                  <a:cxn ang="0">
-                    <a:pos x="connsiteX0" y="connsiteY0"/>
-                  </a:cxn>
-                  <a:cxn ang="0">
-                    <a:pos x="connsiteX1" y="connsiteY1"/>
-                  </a:cxn>
-                  <a:cxn ang="0">
-                    <a:pos x="connsiteX2" y="connsiteY2"/>
-                  </a:cxn>
-                  <a:cxn ang="0">
-                    <a:pos x="connsiteX3" y="connsiteY3"/>
-                  </a:cxn>
-                  <a:cxn ang="0">
-                    <a:pos x="connsiteX4" y="connsiteY4"/>
-                  </a:cxn>
-                  <a:cxn ang="0">
-                    <a:pos x="connsiteX5" y="connsiteY5"/>
-                  </a:cxn>
-                  <a:cxn ang="0">
-                    <a:pos x="connsiteX6" y="connsiteY6"/>
-                  </a:cxn>
-                  <a:cxn ang="0">
-                    <a:pos x="connsiteX7" y="connsiteY7"/>
-                  </a:cxn>
-                  <a:cxn ang="0">
-                    <a:pos x="connsiteX8" y="connsiteY8"/>
-                  </a:cxn>
-                  <a:cxn ang="0">
-                    <a:pos x="connsiteX9" y="connsiteY9"/>
-                  </a:cxn>
-                  <a:cxn ang="0">
-                    <a:pos x="connsiteX10" y="connsiteY10"/>
-                  </a:cxn>
-                  <a:cxn ang="0">
-                    <a:pos x="connsiteX11" y="connsiteY11"/>
-                  </a:cxn>
-                  <a:cxn ang="0">
-                    <a:pos x="connsiteX12" y="connsiteY12"/>
-                  </a:cxn>
-                  <a:cxn ang="0">
-                    <a:pos x="connsiteX13" y="connsiteY13"/>
-                  </a:cxn>
-                  <a:cxn ang="0">
-                    <a:pos x="connsiteX14" y="connsiteY14"/>
-                  </a:cxn>
-                  <a:cxn ang="0">
-                    <a:pos x="connsiteX15" y="connsiteY15"/>
-                  </a:cxn>
-                  <a:cxn ang="0">
-                    <a:pos x="connsiteX16" y="connsiteY16"/>
-                  </a:cxn>
-                  <a:cxn ang="0">
-                    <a:pos x="connsiteX17" y="connsiteY17"/>
-                  </a:cxn>
-                </a:cxnLst>
-                <a:rect l="l" t="t" r="r" b="b"/>
-                <a:pathLst>
-                  <a:path w="1040009" h="2467853">
-                    <a:moveTo>
-                      <a:pt x="708809" y="566852"/>
-                    </a:moveTo>
-                    <a:cubicBezTo>
-                      <a:pt x="643854" y="567539"/>
-                      <a:pt x="580473" y="546690"/>
-                      <a:pt x="528635" y="507596"/>
-                    </a:cubicBezTo>
-                    <a:cubicBezTo>
-                      <a:pt x="473389" y="463920"/>
-                      <a:pt x="443546" y="395614"/>
-                      <a:pt x="449074" y="325418"/>
-                    </a:cubicBezTo>
-                    <a:cubicBezTo>
-                      <a:pt x="448844" y="281627"/>
-                      <a:pt x="458181" y="238295"/>
-                      <a:pt x="476481" y="198514"/>
-                    </a:cubicBezTo>
-                    <a:cubicBezTo>
-                      <a:pt x="493551" y="159965"/>
-                      <a:pt x="517523" y="124939"/>
-                      <a:pt x="547280" y="95096"/>
-                    </a:cubicBezTo>
-                    <a:cubicBezTo>
-                      <a:pt x="578039" y="66141"/>
-                      <a:pt x="613552" y="42713"/>
-                      <a:pt x="652302" y="25873"/>
-                    </a:cubicBezTo>
-                    <a:cubicBezTo>
-                      <a:pt x="692398" y="8632"/>
-                      <a:pt x="735587" y="-160"/>
-                      <a:pt x="779234" y="11"/>
-                    </a:cubicBezTo>
-                    <a:cubicBezTo>
-                      <a:pt x="844304" y="-561"/>
-                      <a:pt x="907856" y="20460"/>
-                      <a:pt x="959837" y="59668"/>
-                    </a:cubicBezTo>
-                    <a:cubicBezTo>
-                      <a:pt x="1014940" y="103430"/>
-                      <a:pt x="1044726" y="171679"/>
-                      <a:pt x="1039399" y="241847"/>
-                    </a:cubicBezTo>
-                    <a:cubicBezTo>
-                      <a:pt x="1039485" y="285809"/>
-                      <a:pt x="1029976" y="329256"/>
-                      <a:pt x="1011503" y="369122"/>
-                    </a:cubicBezTo>
-                    <a:cubicBezTo>
-                      <a:pt x="994262" y="407700"/>
-                      <a:pt x="969804" y="442670"/>
-                      <a:pt x="939532" y="472140"/>
-                    </a:cubicBezTo>
-                    <a:cubicBezTo>
-                      <a:pt x="909058" y="501295"/>
-                      <a:pt x="873660" y="524723"/>
-                      <a:pt x="834910" y="541363"/>
-                    </a:cubicBezTo>
-                    <a:cubicBezTo>
-                      <a:pt x="795044" y="558461"/>
-                      <a:pt x="752140" y="567138"/>
-                      <a:pt x="708780" y="566823"/>
-                    </a:cubicBezTo>
-                    <a:close/>
-                    <a:moveTo>
-                      <a:pt x="477341" y="2467853"/>
-                    </a:moveTo>
-                    <a:lnTo>
-                      <a:pt x="0" y="2467853"/>
-                    </a:lnTo>
-                    <a:lnTo>
-                      <a:pt x="402562" y="773288"/>
-                    </a:lnTo>
-                    <a:lnTo>
-                      <a:pt x="883083" y="773288"/>
-                    </a:lnTo>
-                    <a:lnTo>
-                      <a:pt x="477341" y="2467853"/>
-                    </a:lnTo>
-                    <a:close/>
-                  </a:path>
-                </a:pathLst>
-              </a:custGeom>
-              <a:solidFill>
-                <a:srgbClr val="4D4D4D">
-                  <a:alpha val="46000"/>
-                </a:srgbClr>
-              </a:solidFill>
-              <a:ln w="2864" cap="flat">
-                <a:noFill/>
-                <a:prstDash val="solid"/>
-                <a:miter/>
-              </a:ln>
-            </p:spPr>
-            <p:txBody>
-              <a:bodyPr rtlCol="0" anchor="ctr"/>
-              <a:lstStyle/>
-              <a:p>
-                <a:endParaRPr lang="en-FI"/>
-              </a:p>
-            </p:txBody>
-          </p:sp>
-          <p:sp>
-            <p:nvSpPr>
-              <p:cNvPr id="41" name="Freeform: Shape 40">
-                <a:extLst>
-                  <a:ext uri="{FF2B5EF4-FFF2-40B4-BE49-F238E27FC236}">
-                    <a16:creationId xmlns:a16="http://schemas.microsoft.com/office/drawing/2014/main" id="{3EDE3DB7-B887-C61F-EB69-0376A05A7253}"/>
-                  </a:ext>
-                </a:extLst>
-              </p:cNvPr>
-              <p:cNvSpPr/>
-              <p:nvPr/>
-            </p:nvSpPr>
-            <p:spPr>
-              <a:xfrm>
-                <a:off x="10514647" y="2920212"/>
-                <a:ext cx="1678726" cy="1735118"/>
-              </a:xfrm>
-              <a:custGeom>
-                <a:avLst/>
-                <a:gdLst>
-                  <a:gd name="connsiteX0" fmla="*/ 390247 w 1678726"/>
-                  <a:gd name="connsiteY0" fmla="*/ 117366 h 1735118"/>
-                  <a:gd name="connsiteX1" fmla="*/ 509589 w 1678726"/>
-                  <a:gd name="connsiteY1" fmla="*/ 80392 h 1735118"/>
-                  <a:gd name="connsiteX2" fmla="*/ 657915 w 1678726"/>
-                  <a:gd name="connsiteY2" fmla="*/ 40611 h 1735118"/>
-                  <a:gd name="connsiteX3" fmla="*/ 841325 w 1678726"/>
-                  <a:gd name="connsiteY3" fmla="*/ 11570 h 1735118"/>
-                  <a:gd name="connsiteX4" fmla="*/ 1071647 w 1678726"/>
-                  <a:gd name="connsiteY4" fmla="*/ 28 h 1735118"/>
-                  <a:gd name="connsiteX5" fmla="*/ 1591948 w 1678726"/>
-                  <a:gd name="connsiteY5" fmla="*/ 219209 h 1735118"/>
-                  <a:gd name="connsiteX6" fmla="*/ 1678727 w 1678726"/>
-                  <a:gd name="connsiteY6" fmla="*/ 539547 h 1735118"/>
-                  <a:gd name="connsiteX7" fmla="*/ 1678727 w 1678726"/>
-                  <a:gd name="connsiteY7" fmla="*/ 548625 h 1735118"/>
-                  <a:gd name="connsiteX8" fmla="*/ 1642068 w 1678726"/>
-                  <a:gd name="connsiteY8" fmla="*/ 818642 h 1735118"/>
-                  <a:gd name="connsiteX9" fmla="*/ 1422886 w 1678726"/>
-                  <a:gd name="connsiteY9" fmla="*/ 1733515 h 1735118"/>
-                  <a:gd name="connsiteX10" fmla="*/ 943970 w 1678726"/>
-                  <a:gd name="connsiteY10" fmla="*/ 1733515 h 1735118"/>
-                  <a:gd name="connsiteX11" fmla="*/ 1156765 w 1678726"/>
-                  <a:gd name="connsiteY11" fmla="*/ 837688 h 1735118"/>
-                  <a:gd name="connsiteX12" fmla="*/ 1187409 w 1678726"/>
-                  <a:gd name="connsiteY12" fmla="*/ 675042 h 1735118"/>
-                  <a:gd name="connsiteX13" fmla="*/ 1187409 w 1678726"/>
-                  <a:gd name="connsiteY13" fmla="*/ 536625 h 1735118"/>
-                  <a:gd name="connsiteX14" fmla="*/ 1127753 w 1678726"/>
-                  <a:gd name="connsiteY14" fmla="*/ 439966 h 1735118"/>
-                  <a:gd name="connsiteX15" fmla="*/ 984152 w 1678726"/>
-                  <a:gd name="connsiteY15" fmla="*/ 402963 h 1735118"/>
-                  <a:gd name="connsiteX16" fmla="*/ 794413 w 1678726"/>
-                  <a:gd name="connsiteY16" fmla="*/ 422467 h 1735118"/>
-                  <a:gd name="connsiteX17" fmla="*/ 481751 w 1678726"/>
-                  <a:gd name="connsiteY17" fmla="*/ 1735119 h 1735118"/>
-                  <a:gd name="connsiteX18" fmla="*/ 0 w 1678726"/>
-                  <a:gd name="connsiteY18" fmla="*/ 1735119 h 1735118"/>
-                  <a:gd name="connsiteX19" fmla="*/ 390247 w 1678726"/>
-                  <a:gd name="connsiteY19" fmla="*/ 117366 h 1735118"/>
-                </a:gdLst>
-                <a:ahLst/>
-                <a:cxnLst>
-                  <a:cxn ang="0">
-                    <a:pos x="connsiteX0" y="connsiteY0"/>
-                  </a:cxn>
-                  <a:cxn ang="0">
-                    <a:pos x="connsiteX1" y="connsiteY1"/>
-                  </a:cxn>
-                  <a:cxn ang="0">
-                    <a:pos x="connsiteX2" y="connsiteY2"/>
-                  </a:cxn>
-                  <a:cxn ang="0">
-                    <a:pos x="connsiteX3" y="connsiteY3"/>
-                  </a:cxn>
-                  <a:cxn ang="0">
-                    <a:pos x="connsiteX4" y="connsiteY4"/>
-                  </a:cxn>
-                  <a:cxn ang="0">
-                    <a:pos x="connsiteX5" y="connsiteY5"/>
-                  </a:cxn>
-                  <a:cxn ang="0">
-                    <a:pos x="connsiteX6" y="connsiteY6"/>
-                  </a:cxn>
-                  <a:cxn ang="0">
-                    <a:pos x="connsiteX7" y="connsiteY7"/>
-                  </a:cxn>
-                  <a:cxn ang="0">
-                    <a:pos x="connsiteX8" y="connsiteY8"/>
-                  </a:cxn>
-                  <a:cxn ang="0">
-                    <a:pos x="connsiteX9" y="connsiteY9"/>
-                  </a:cxn>
-                  <a:cxn ang="0">
-                    <a:pos x="connsiteX10" y="connsiteY10"/>
-                  </a:cxn>
-                  <a:cxn ang="0">
-                    <a:pos x="connsiteX11" y="connsiteY11"/>
-                  </a:cxn>
-                  <a:cxn ang="0">
-                    <a:pos x="connsiteX12" y="connsiteY12"/>
-                  </a:cxn>
-                  <a:cxn ang="0">
-                    <a:pos x="connsiteX13" y="connsiteY13"/>
-                  </a:cxn>
-                  <a:cxn ang="0">
-                    <a:pos x="connsiteX14" y="connsiteY14"/>
-                  </a:cxn>
-                  <a:cxn ang="0">
-                    <a:pos x="connsiteX15" y="connsiteY15"/>
-                  </a:cxn>
-                  <a:cxn ang="0">
-                    <a:pos x="connsiteX16" y="connsiteY16"/>
-                  </a:cxn>
-                  <a:cxn ang="0">
-                    <a:pos x="connsiteX17" y="connsiteY17"/>
-                  </a:cxn>
-                  <a:cxn ang="0">
-                    <a:pos x="connsiteX18" y="connsiteY18"/>
-                  </a:cxn>
-                  <a:cxn ang="0">
-                    <a:pos x="connsiteX19" y="connsiteY19"/>
-                  </a:cxn>
-                </a:cxnLst>
-                <a:rect l="l" t="t" r="r" b="b"/>
-                <a:pathLst>
-                  <a:path w="1678726" h="1735118">
-                    <a:moveTo>
-                      <a:pt x="390247" y="117366"/>
-                    </a:moveTo>
-                    <a:cubicBezTo>
-                      <a:pt x="426448" y="107027"/>
-                      <a:pt x="466630" y="94282"/>
-                      <a:pt x="509589" y="80392"/>
-                    </a:cubicBezTo>
-                    <a:cubicBezTo>
-                      <a:pt x="552549" y="66473"/>
-                      <a:pt x="602669" y="53728"/>
-                      <a:pt x="657915" y="40611"/>
-                    </a:cubicBezTo>
-                    <a:cubicBezTo>
-                      <a:pt x="718546" y="27752"/>
-                      <a:pt x="779750" y="18071"/>
-                      <a:pt x="841325" y="11570"/>
-                    </a:cubicBezTo>
-                    <a:cubicBezTo>
-                      <a:pt x="917822" y="3494"/>
-                      <a:pt x="994720" y="-373"/>
-                      <a:pt x="1071647" y="28"/>
-                    </a:cubicBezTo>
-                    <a:cubicBezTo>
-                      <a:pt x="1323048" y="28"/>
-                      <a:pt x="1496462" y="73060"/>
-                      <a:pt x="1591948" y="219209"/>
-                    </a:cubicBezTo>
-                    <a:cubicBezTo>
-                      <a:pt x="1649114" y="306733"/>
-                      <a:pt x="1678040" y="413502"/>
-                      <a:pt x="1678727" y="539547"/>
-                    </a:cubicBezTo>
-                    <a:lnTo>
-                      <a:pt x="1678727" y="548625"/>
-                    </a:lnTo>
-                    <a:cubicBezTo>
-                      <a:pt x="1678297" y="630593"/>
-                      <a:pt x="1666068" y="720608"/>
-                      <a:pt x="1642068" y="818642"/>
-                    </a:cubicBezTo>
-                    <a:lnTo>
-                      <a:pt x="1422886" y="1733515"/>
-                    </a:lnTo>
-                    <a:lnTo>
-                      <a:pt x="943970" y="1733515"/>
-                    </a:lnTo>
-                    <a:lnTo>
-                      <a:pt x="1156765" y="837688"/>
-                    </a:lnTo>
-                    <a:cubicBezTo>
-                      <a:pt x="1169481" y="782040"/>
-                      <a:pt x="1179849" y="727940"/>
-                      <a:pt x="1187409" y="675042"/>
-                    </a:cubicBezTo>
-                    <a:cubicBezTo>
-                      <a:pt x="1195687" y="629247"/>
-                      <a:pt x="1195687" y="582363"/>
-                      <a:pt x="1187409" y="536625"/>
-                    </a:cubicBezTo>
-                    <a:cubicBezTo>
-                      <a:pt x="1179505" y="498391"/>
-                      <a:pt x="1158369" y="464195"/>
-                      <a:pt x="1127753" y="439966"/>
-                    </a:cubicBezTo>
-                    <a:cubicBezTo>
-                      <a:pt x="1085308" y="412128"/>
-                      <a:pt x="1034787" y="399125"/>
-                      <a:pt x="984152" y="402963"/>
-                    </a:cubicBezTo>
-                    <a:cubicBezTo>
-                      <a:pt x="920400" y="403077"/>
-                      <a:pt x="856819" y="409607"/>
-                      <a:pt x="794413" y="422467"/>
-                    </a:cubicBezTo>
-                    <a:lnTo>
-                      <a:pt x="481751" y="1735119"/>
-                    </a:lnTo>
-                    <a:lnTo>
-                      <a:pt x="0" y="1735119"/>
-                    </a:lnTo>
-                    <a:lnTo>
-                      <a:pt x="390247" y="117366"/>
-                    </a:lnTo>
-                    <a:close/>
-                  </a:path>
-                </a:pathLst>
-              </a:custGeom>
-              <a:solidFill>
-                <a:srgbClr val="4D4D4D">
-                  <a:alpha val="46000"/>
-                </a:srgbClr>
-              </a:solidFill>
-              <a:ln w="2864" cap="flat">
-                <a:noFill/>
-                <a:prstDash val="solid"/>
-                <a:miter/>
-              </a:ln>
-            </p:spPr>
-            <p:txBody>
-              <a:bodyPr rtlCol="0" anchor="ctr"/>
-              <a:lstStyle/>
-              <a:p>
-                <a:endParaRPr lang="en-FI"/>
-              </a:p>
-            </p:txBody>
-          </p:sp>
-        </p:grpSp>
-        <p:pic>
-          <p:nvPicPr>
-            <p:cNvPr id="42" name="Graphic 41">
-              <a:extLst>
-                <a:ext uri="{FF2B5EF4-FFF2-40B4-BE49-F238E27FC236}">
-                  <a16:creationId xmlns:a16="http://schemas.microsoft.com/office/drawing/2014/main" id="{83CBA39E-F1F5-2F2E-8749-08C496776519}"/>
-                </a:ext>
-              </a:extLst>
-            </p:cNvPr>
-            <p:cNvPicPr>
-              <a:picLocks noChangeAspect="1"/>
-            </p:cNvPicPr>
-            <p:nvPr/>
-          </p:nvPicPr>
-          <p:blipFill>
-            <a:blip r:embed="rId2">
-              <a:extLst>
-                <a:ext uri="{28A0092B-C50C-407E-A947-70E740481C1C}">
-                  <a14:useLocalDpi xmlns:a14="http://schemas.microsoft.com/office/drawing/2010/main" val="0"/>
-                </a:ext>
-                <a:ext uri="{96DAC541-7B7A-43D3-8B79-37D633B846F1}">
-                  <asvg:svgBlip xmlns:asvg="http://schemas.microsoft.com/office/drawing/2016/SVG/main" r:embed="rId3"/>
-                </a:ext>
-              </a:extLst>
-            </a:blip>
-            <a:stretch>
-              <a:fillRect/>
-            </a:stretch>
-          </p:blipFill>
-          <p:spPr>
-            <a:xfrm>
-              <a:off x="-4" y="2152942"/>
-              <a:ext cx="2548509" cy="2549132"/>
-            </a:xfrm>
-            <a:prstGeom prst="rect">
-              <a:avLst/>
-            </a:prstGeom>
-          </p:spPr>
-        </p:pic>
         <p:sp>
           <p:nvSpPr>
             <p:cNvPr id="43" name="Text Box 3">
@@ -7612,7 +5296,2506 @@
     </p:spTree>
     <p:extLst>
       <p:ext uri="{BB962C8B-B14F-4D97-AF65-F5344CB8AC3E}">
-        <p14:creationId xmlns:p14="http://schemas.microsoft.com/office/powerpoint/2010/main" val="1223590295"/>
+        <p14:creationId xmlns:p14="http://schemas.microsoft.com/office/powerpoint/2010/main" val="4081558524"/>
+      </p:ext>
+    </p:extLst>
+  </p:cSld>
+  <p:clrMapOvr>
+    <a:masterClrMapping/>
+  </p:clrMapOvr>
+</p:sld>
+</file>
+
+<file path=ppt/slides/slide2.xml><?xml version="1.0" encoding="utf-8"?>
+<p:sld xmlns:a="http://schemas.openxmlformats.org/drawingml/2006/main" xmlns:r="http://schemas.openxmlformats.org/officeDocument/2006/relationships" xmlns:p="http://schemas.openxmlformats.org/presentationml/2006/main">
+  <p:cSld>
+    <p:spTree>
+      <p:nvGrpSpPr>
+        <p:cNvPr id="1" name=""/>
+        <p:cNvGrpSpPr/>
+        <p:nvPr/>
+      </p:nvGrpSpPr>
+      <p:grpSpPr>
+        <a:xfrm>
+          <a:off x="0" y="0"/>
+          <a:ext cx="0" cy="0"/>
+          <a:chOff x="0" y="0"/>
+          <a:chExt cx="0" cy="0"/>
+        </a:xfrm>
+      </p:grpSpPr>
+      <p:sp>
+        <p:nvSpPr>
+          <p:cNvPr id="33" name="Freeform: Shape 32">
+            <a:extLst>
+              <a:ext uri="{FF2B5EF4-FFF2-40B4-BE49-F238E27FC236}">
+                <a16:creationId xmlns:a16="http://schemas.microsoft.com/office/drawing/2014/main" id="{64210DD2-0DCA-F92E-6C08-6CCEECA7E8BE}"/>
+              </a:ext>
+            </a:extLst>
+          </p:cNvPr>
+          <p:cNvSpPr/>
+          <p:nvPr/>
+        </p:nvSpPr>
+        <p:spPr>
+          <a:xfrm>
+            <a:off x="-3" y="2155698"/>
+            <a:ext cx="2546362" cy="2546376"/>
+          </a:xfrm>
+          <a:custGeom>
+            <a:avLst/>
+            <a:gdLst>
+              <a:gd name="connsiteX0" fmla="*/ 2508628 w 2546362"/>
+              <a:gd name="connsiteY0" fmla="*/ 1579606 h 2546376"/>
+              <a:gd name="connsiteX1" fmla="*/ 966771 w 2546362"/>
+              <a:gd name="connsiteY1" fmla="*/ 2508655 h 2546376"/>
+              <a:gd name="connsiteX2" fmla="*/ 37722 w 2546362"/>
+              <a:gd name="connsiteY2" fmla="*/ 966826 h 2546376"/>
+              <a:gd name="connsiteX3" fmla="*/ 1579550 w 2546362"/>
+              <a:gd name="connsiteY3" fmla="*/ 37720 h 2546376"/>
+              <a:gd name="connsiteX4" fmla="*/ 1583016 w 2546362"/>
+              <a:gd name="connsiteY4" fmla="*/ 38608 h 2546376"/>
+              <a:gd name="connsiteX5" fmla="*/ 2508628 w 2546362"/>
+              <a:gd name="connsiteY5" fmla="*/ 1579606 h 2546376"/>
+            </a:gdLst>
+            <a:ahLst/>
+            <a:cxnLst>
+              <a:cxn ang="0">
+                <a:pos x="connsiteX0" y="connsiteY0"/>
+              </a:cxn>
+              <a:cxn ang="0">
+                <a:pos x="connsiteX1" y="connsiteY1"/>
+              </a:cxn>
+              <a:cxn ang="0">
+                <a:pos x="connsiteX2" y="connsiteY2"/>
+              </a:cxn>
+              <a:cxn ang="0">
+                <a:pos x="connsiteX3" y="connsiteY3"/>
+              </a:cxn>
+              <a:cxn ang="0">
+                <a:pos x="connsiteX4" y="connsiteY4"/>
+              </a:cxn>
+              <a:cxn ang="0">
+                <a:pos x="connsiteX5" y="connsiteY5"/>
+              </a:cxn>
+            </a:cxnLst>
+            <a:rect l="l" t="t" r="r" b="b"/>
+            <a:pathLst>
+              <a:path w="2546362" h="2546376">
+                <a:moveTo>
+                  <a:pt x="2508628" y="1579606"/>
+                </a:moveTo>
+                <a:cubicBezTo>
+                  <a:pt x="2339424" y="2261922"/>
+                  <a:pt x="1649116" y="2677859"/>
+                  <a:pt x="966771" y="2508655"/>
+                </a:cubicBezTo>
+                <a:cubicBezTo>
+                  <a:pt x="284454" y="2339479"/>
+                  <a:pt x="-131483" y="1649143"/>
+                  <a:pt x="37722" y="966826"/>
+                </a:cubicBezTo>
+                <a:cubicBezTo>
+                  <a:pt x="206926" y="284481"/>
+                  <a:pt x="897233" y="-131485"/>
+                  <a:pt x="1579550" y="37720"/>
+                </a:cubicBezTo>
+                <a:cubicBezTo>
+                  <a:pt x="1580696" y="38006"/>
+                  <a:pt x="1581870" y="38293"/>
+                  <a:pt x="1583016" y="38608"/>
+                </a:cubicBezTo>
+                <a:cubicBezTo>
+                  <a:pt x="2263528" y="209387"/>
+                  <a:pt x="2677546" y="898606"/>
+                  <a:pt x="2508628" y="1579606"/>
+                </a:cubicBezTo>
+                <a:close/>
+              </a:path>
+            </a:pathLst>
+          </a:custGeom>
+          <a:solidFill>
+            <a:srgbClr val="F7931A"/>
+          </a:solidFill>
+          <a:ln w="2864" cap="flat">
+            <a:noFill/>
+            <a:prstDash val="solid"/>
+            <a:miter/>
+          </a:ln>
+        </p:spPr>
+        <p:txBody>
+          <a:bodyPr rtlCol="0" anchor="ctr"/>
+          <a:lstStyle/>
+          <a:p>
+            <a:endParaRPr lang="en-FI"/>
+          </a:p>
+        </p:txBody>
+      </p:sp>
+      <p:sp>
+        <p:nvSpPr>
+          <p:cNvPr id="34" name="Freeform: Shape 33">
+            <a:extLst>
+              <a:ext uri="{FF2B5EF4-FFF2-40B4-BE49-F238E27FC236}">
+                <a16:creationId xmlns:a16="http://schemas.microsoft.com/office/drawing/2014/main" id="{946D74E4-D46A-E866-697E-70C9AF2347D4}"/>
+              </a:ext>
+            </a:extLst>
+          </p:cNvPr>
+          <p:cNvSpPr/>
+          <p:nvPr/>
+        </p:nvSpPr>
+        <p:spPr>
+          <a:xfrm>
+            <a:off x="621571" y="2596896"/>
+            <a:ext cx="1218339" cy="1613055"/>
+          </a:xfrm>
+          <a:custGeom>
+            <a:avLst/>
+            <a:gdLst>
+              <a:gd name="connsiteX0" fmla="*/ 940362 w 1218339"/>
+              <a:gd name="connsiteY0" fmla="*/ 646746 h 1613055"/>
+              <a:gd name="connsiteX1" fmla="*/ 579185 w 1218339"/>
+              <a:gd name="connsiteY1" fmla="*/ 704828 h 1613055"/>
+              <a:gd name="connsiteX2" fmla="*/ 648779 w 1218339"/>
+              <a:gd name="connsiteY2" fmla="*/ 426391 h 1613055"/>
+              <a:gd name="connsiteX3" fmla="*/ 939159 w 1218339"/>
+              <a:gd name="connsiteY3" fmla="*/ 646746 h 1613055"/>
+              <a:gd name="connsiteX4" fmla="*/ 940362 w 1218339"/>
+              <a:gd name="connsiteY4" fmla="*/ 646746 h 1613055"/>
+              <a:gd name="connsiteX5" fmla="*/ 897001 w 1218339"/>
+              <a:gd name="connsiteY5" fmla="*/ 1096679 h 1613055"/>
+              <a:gd name="connsiteX6" fmla="*/ 467403 w 1218339"/>
+              <a:gd name="connsiteY6" fmla="*/ 1152727 h 1613055"/>
+              <a:gd name="connsiteX7" fmla="*/ 544158 w 1218339"/>
+              <a:gd name="connsiteY7" fmla="*/ 845249 h 1613055"/>
+              <a:gd name="connsiteX8" fmla="*/ 897001 w 1218339"/>
+              <a:gd name="connsiteY8" fmla="*/ 1096679 h 1613055"/>
+              <a:gd name="connsiteX9" fmla="*/ 1215219 w 1218339"/>
+              <a:gd name="connsiteY9" fmla="*/ 649152 h 1613055"/>
+              <a:gd name="connsiteX10" fmla="*/ 936782 w 1218339"/>
+              <a:gd name="connsiteY10" fmla="*/ 328156 h 1613055"/>
+              <a:gd name="connsiteX11" fmla="*/ 994062 w 1218339"/>
+              <a:gd name="connsiteY11" fmla="*/ 98636 h 1613055"/>
+              <a:gd name="connsiteX12" fmla="*/ 852867 w 1218339"/>
+              <a:gd name="connsiteY12" fmla="*/ 63638 h 1613055"/>
+              <a:gd name="connsiteX13" fmla="*/ 797191 w 1218339"/>
+              <a:gd name="connsiteY13" fmla="*/ 287201 h 1613055"/>
+              <a:gd name="connsiteX14" fmla="*/ 685410 w 1218339"/>
+              <a:gd name="connsiteY14" fmla="*/ 260938 h 1613055"/>
+              <a:gd name="connsiteX15" fmla="*/ 741086 w 1218339"/>
+              <a:gd name="connsiteY15" fmla="*/ 34998 h 1613055"/>
+              <a:gd name="connsiteX16" fmla="*/ 601466 w 1218339"/>
+              <a:gd name="connsiteY16" fmla="*/ 0 h 1613055"/>
+              <a:gd name="connsiteX17" fmla="*/ 544187 w 1218339"/>
+              <a:gd name="connsiteY17" fmla="*/ 229520 h 1613055"/>
+              <a:gd name="connsiteX18" fmla="*/ 455088 w 1218339"/>
+              <a:gd name="connsiteY18" fmla="*/ 209644 h 1613055"/>
+              <a:gd name="connsiteX19" fmla="*/ 262170 w 1218339"/>
+              <a:gd name="connsiteY19" fmla="*/ 161500 h 1613055"/>
+              <a:gd name="connsiteX20" fmla="*/ 225167 w 1218339"/>
+              <a:gd name="connsiteY20" fmla="*/ 310686 h 1613055"/>
+              <a:gd name="connsiteX21" fmla="*/ 326609 w 1218339"/>
+              <a:gd name="connsiteY21" fmla="*/ 336146 h 1613055"/>
+              <a:gd name="connsiteX22" fmla="*/ 391851 w 1218339"/>
+              <a:gd name="connsiteY22" fmla="*/ 415708 h 1613055"/>
+              <a:gd name="connsiteX23" fmla="*/ 235105 w 1218339"/>
+              <a:gd name="connsiteY23" fmla="*/ 1044210 h 1613055"/>
+              <a:gd name="connsiteX24" fmla="*/ 171095 w 1218339"/>
+              <a:gd name="connsiteY24" fmla="*/ 1077232 h 1613055"/>
+              <a:gd name="connsiteX25" fmla="*/ 171066 w 1218339"/>
+              <a:gd name="connsiteY25" fmla="*/ 1077232 h 1613055"/>
+              <a:gd name="connsiteX26" fmla="*/ 69223 w 1218339"/>
+              <a:gd name="connsiteY26" fmla="*/ 1052172 h 1613055"/>
+              <a:gd name="connsiteX27" fmla="*/ 0 w 1218339"/>
+              <a:gd name="connsiteY27" fmla="*/ 1211296 h 1613055"/>
+              <a:gd name="connsiteX28" fmla="*/ 181777 w 1218339"/>
+              <a:gd name="connsiteY28" fmla="*/ 1256260 h 1613055"/>
+              <a:gd name="connsiteX29" fmla="*/ 281215 w 1218339"/>
+              <a:gd name="connsiteY29" fmla="*/ 1282122 h 1613055"/>
+              <a:gd name="connsiteX30" fmla="*/ 223534 w 1218339"/>
+              <a:gd name="connsiteY30" fmla="*/ 1514019 h 1613055"/>
+              <a:gd name="connsiteX31" fmla="*/ 363154 w 1218339"/>
+              <a:gd name="connsiteY31" fmla="*/ 1549017 h 1613055"/>
+              <a:gd name="connsiteX32" fmla="*/ 420434 w 1218339"/>
+              <a:gd name="connsiteY32" fmla="*/ 1319497 h 1613055"/>
+              <a:gd name="connsiteX33" fmla="*/ 531413 w 1218339"/>
+              <a:gd name="connsiteY33" fmla="*/ 1348137 h 1613055"/>
+              <a:gd name="connsiteX34" fmla="*/ 474935 w 1218339"/>
+              <a:gd name="connsiteY34" fmla="*/ 1578459 h 1613055"/>
+              <a:gd name="connsiteX35" fmla="*/ 614555 w 1218339"/>
+              <a:gd name="connsiteY35" fmla="*/ 1613056 h 1613055"/>
+              <a:gd name="connsiteX36" fmla="*/ 672235 w 1218339"/>
+              <a:gd name="connsiteY36" fmla="*/ 1381560 h 1613055"/>
+              <a:gd name="connsiteX37" fmla="*/ 1165071 w 1218339"/>
+              <a:gd name="connsiteY37" fmla="*/ 1193023 h 1613055"/>
+              <a:gd name="connsiteX38" fmla="*/ 1036592 w 1218339"/>
+              <a:gd name="connsiteY38" fmla="*/ 854500 h 1613055"/>
+              <a:gd name="connsiteX39" fmla="*/ 1215191 w 1218339"/>
+              <a:gd name="connsiteY39" fmla="*/ 649238 h 1613055"/>
+              <a:gd name="connsiteX40" fmla="*/ 1215219 w 1218339"/>
+              <a:gd name="connsiteY40" fmla="*/ 649152 h 1613055"/>
+            </a:gdLst>
+            <a:ahLst/>
+            <a:cxnLst>
+              <a:cxn ang="0">
+                <a:pos x="connsiteX0" y="connsiteY0"/>
+              </a:cxn>
+              <a:cxn ang="0">
+                <a:pos x="connsiteX1" y="connsiteY1"/>
+              </a:cxn>
+              <a:cxn ang="0">
+                <a:pos x="connsiteX2" y="connsiteY2"/>
+              </a:cxn>
+              <a:cxn ang="0">
+                <a:pos x="connsiteX3" y="connsiteY3"/>
+              </a:cxn>
+              <a:cxn ang="0">
+                <a:pos x="connsiteX4" y="connsiteY4"/>
+              </a:cxn>
+              <a:cxn ang="0">
+                <a:pos x="connsiteX5" y="connsiteY5"/>
+              </a:cxn>
+              <a:cxn ang="0">
+                <a:pos x="connsiteX6" y="connsiteY6"/>
+              </a:cxn>
+              <a:cxn ang="0">
+                <a:pos x="connsiteX7" y="connsiteY7"/>
+              </a:cxn>
+              <a:cxn ang="0">
+                <a:pos x="connsiteX8" y="connsiteY8"/>
+              </a:cxn>
+              <a:cxn ang="0">
+                <a:pos x="connsiteX9" y="connsiteY9"/>
+              </a:cxn>
+              <a:cxn ang="0">
+                <a:pos x="connsiteX10" y="connsiteY10"/>
+              </a:cxn>
+              <a:cxn ang="0">
+                <a:pos x="connsiteX11" y="connsiteY11"/>
+              </a:cxn>
+              <a:cxn ang="0">
+                <a:pos x="connsiteX12" y="connsiteY12"/>
+              </a:cxn>
+              <a:cxn ang="0">
+                <a:pos x="connsiteX13" y="connsiteY13"/>
+              </a:cxn>
+              <a:cxn ang="0">
+                <a:pos x="connsiteX14" y="connsiteY14"/>
+              </a:cxn>
+              <a:cxn ang="0">
+                <a:pos x="connsiteX15" y="connsiteY15"/>
+              </a:cxn>
+              <a:cxn ang="0">
+                <a:pos x="connsiteX16" y="connsiteY16"/>
+              </a:cxn>
+              <a:cxn ang="0">
+                <a:pos x="connsiteX17" y="connsiteY17"/>
+              </a:cxn>
+              <a:cxn ang="0">
+                <a:pos x="connsiteX18" y="connsiteY18"/>
+              </a:cxn>
+              <a:cxn ang="0">
+                <a:pos x="connsiteX19" y="connsiteY19"/>
+              </a:cxn>
+              <a:cxn ang="0">
+                <a:pos x="connsiteX20" y="connsiteY20"/>
+              </a:cxn>
+              <a:cxn ang="0">
+                <a:pos x="connsiteX21" y="connsiteY21"/>
+              </a:cxn>
+              <a:cxn ang="0">
+                <a:pos x="connsiteX22" y="connsiteY22"/>
+              </a:cxn>
+              <a:cxn ang="0">
+                <a:pos x="connsiteX23" y="connsiteY23"/>
+              </a:cxn>
+              <a:cxn ang="0">
+                <a:pos x="connsiteX24" y="connsiteY24"/>
+              </a:cxn>
+              <a:cxn ang="0">
+                <a:pos x="connsiteX25" y="connsiteY25"/>
+              </a:cxn>
+              <a:cxn ang="0">
+                <a:pos x="connsiteX26" y="connsiteY26"/>
+              </a:cxn>
+              <a:cxn ang="0">
+                <a:pos x="connsiteX27" y="connsiteY27"/>
+              </a:cxn>
+              <a:cxn ang="0">
+                <a:pos x="connsiteX28" y="connsiteY28"/>
+              </a:cxn>
+              <a:cxn ang="0">
+                <a:pos x="connsiteX29" y="connsiteY29"/>
+              </a:cxn>
+              <a:cxn ang="0">
+                <a:pos x="connsiteX30" y="connsiteY30"/>
+              </a:cxn>
+              <a:cxn ang="0">
+                <a:pos x="connsiteX31" y="connsiteY31"/>
+              </a:cxn>
+              <a:cxn ang="0">
+                <a:pos x="connsiteX32" y="connsiteY32"/>
+              </a:cxn>
+              <a:cxn ang="0">
+                <a:pos x="connsiteX33" y="connsiteY33"/>
+              </a:cxn>
+              <a:cxn ang="0">
+                <a:pos x="connsiteX34" y="connsiteY34"/>
+              </a:cxn>
+              <a:cxn ang="0">
+                <a:pos x="connsiteX35" y="connsiteY35"/>
+              </a:cxn>
+              <a:cxn ang="0">
+                <a:pos x="connsiteX36" y="connsiteY36"/>
+              </a:cxn>
+              <a:cxn ang="0">
+                <a:pos x="connsiteX37" y="connsiteY37"/>
+              </a:cxn>
+              <a:cxn ang="0">
+                <a:pos x="connsiteX38" y="connsiteY38"/>
+              </a:cxn>
+              <a:cxn ang="0">
+                <a:pos x="connsiteX39" y="connsiteY39"/>
+              </a:cxn>
+              <a:cxn ang="0">
+                <a:pos x="connsiteX40" y="connsiteY40"/>
+              </a:cxn>
+            </a:cxnLst>
+            <a:rect l="l" t="t" r="r" b="b"/>
+            <a:pathLst>
+              <a:path w="1218339" h="1613055">
+                <a:moveTo>
+                  <a:pt x="940362" y="646746"/>
+                </a:moveTo>
+                <a:cubicBezTo>
+                  <a:pt x="900581" y="805869"/>
+                  <a:pt x="657944" y="724303"/>
+                  <a:pt x="579185" y="704828"/>
+                </a:cubicBezTo>
+                <a:lnTo>
+                  <a:pt x="648779" y="426391"/>
+                </a:lnTo>
+                <a:cubicBezTo>
+                  <a:pt x="726336" y="445493"/>
+                  <a:pt x="980143" y="482067"/>
+                  <a:pt x="939159" y="646746"/>
+                </a:cubicBezTo>
+                <a:lnTo>
+                  <a:pt x="940362" y="646746"/>
+                </a:lnTo>
+                <a:close/>
+                <a:moveTo>
+                  <a:pt x="897001" y="1096679"/>
+                </a:moveTo>
+                <a:cubicBezTo>
+                  <a:pt x="854041" y="1270064"/>
+                  <a:pt x="562086" y="1176240"/>
+                  <a:pt x="467403" y="1152727"/>
+                </a:cubicBezTo>
+                <a:lnTo>
+                  <a:pt x="544158" y="845249"/>
+                </a:lnTo>
+                <a:cubicBezTo>
+                  <a:pt x="638841" y="869106"/>
+                  <a:pt x="941937" y="915646"/>
+                  <a:pt x="897001" y="1096679"/>
+                </a:cubicBezTo>
+                <a:close/>
+                <a:moveTo>
+                  <a:pt x="1215219" y="649152"/>
+                </a:moveTo>
+                <a:cubicBezTo>
+                  <a:pt x="1240279" y="479690"/>
+                  <a:pt x="1111400" y="388615"/>
+                  <a:pt x="936782" y="328156"/>
+                </a:cubicBezTo>
+                <a:lnTo>
+                  <a:pt x="994062" y="98636"/>
+                </a:lnTo>
+                <a:lnTo>
+                  <a:pt x="852867" y="63638"/>
+                </a:lnTo>
+                <a:lnTo>
+                  <a:pt x="797191" y="287201"/>
+                </a:lnTo>
+                <a:cubicBezTo>
+                  <a:pt x="760590" y="278065"/>
+                  <a:pt x="722814" y="269301"/>
+                  <a:pt x="685410" y="260938"/>
+                </a:cubicBezTo>
+                <a:lnTo>
+                  <a:pt x="741086" y="34998"/>
+                </a:lnTo>
+                <a:lnTo>
+                  <a:pt x="601466" y="0"/>
+                </a:lnTo>
+                <a:lnTo>
+                  <a:pt x="544187" y="229520"/>
+                </a:lnTo>
+                <a:lnTo>
+                  <a:pt x="455088" y="209644"/>
+                </a:lnTo>
+                <a:lnTo>
+                  <a:pt x="262170" y="161500"/>
+                </a:lnTo>
+                <a:lnTo>
+                  <a:pt x="225167" y="310686"/>
+                </a:lnTo>
+                <a:cubicBezTo>
+                  <a:pt x="225167" y="310686"/>
+                  <a:pt x="328585" y="334542"/>
+                  <a:pt x="326609" y="336146"/>
+                </a:cubicBezTo>
+                <a:cubicBezTo>
+                  <a:pt x="366104" y="340929"/>
+                  <a:pt x="394915" y="376013"/>
+                  <a:pt x="391851" y="415708"/>
+                </a:cubicBezTo>
+                <a:lnTo>
+                  <a:pt x="235105" y="1044210"/>
+                </a:lnTo>
+                <a:cubicBezTo>
+                  <a:pt x="226570" y="1071017"/>
+                  <a:pt x="197930" y="1085767"/>
+                  <a:pt x="171095" y="1077232"/>
+                </a:cubicBezTo>
+                <a:lnTo>
+                  <a:pt x="171066" y="1077232"/>
+                </a:lnTo>
+                <a:cubicBezTo>
+                  <a:pt x="171066" y="1079208"/>
+                  <a:pt x="69223" y="1052172"/>
+                  <a:pt x="69223" y="1052172"/>
+                </a:cubicBezTo>
+                <a:lnTo>
+                  <a:pt x="0" y="1211296"/>
+                </a:lnTo>
+                <a:lnTo>
+                  <a:pt x="181777" y="1256260"/>
+                </a:lnTo>
+                <a:lnTo>
+                  <a:pt x="281215" y="1282122"/>
+                </a:lnTo>
+                <a:lnTo>
+                  <a:pt x="223534" y="1514019"/>
+                </a:lnTo>
+                <a:lnTo>
+                  <a:pt x="363154" y="1549017"/>
+                </a:lnTo>
+                <a:lnTo>
+                  <a:pt x="420434" y="1319497"/>
+                </a:lnTo>
+                <a:cubicBezTo>
+                  <a:pt x="458066" y="1329836"/>
+                  <a:pt x="495098" y="1339373"/>
+                  <a:pt x="531413" y="1348137"/>
+                </a:cubicBezTo>
+                <a:lnTo>
+                  <a:pt x="474935" y="1578459"/>
+                </a:lnTo>
+                <a:lnTo>
+                  <a:pt x="614555" y="1613056"/>
+                </a:lnTo>
+                <a:lnTo>
+                  <a:pt x="672235" y="1381560"/>
+                </a:lnTo>
+                <a:cubicBezTo>
+                  <a:pt x="910892" y="1426553"/>
+                  <a:pt x="1089490" y="1408596"/>
+                  <a:pt x="1165071" y="1193023"/>
+                </a:cubicBezTo>
+                <a:cubicBezTo>
+                  <a:pt x="1225930" y="1019580"/>
+                  <a:pt x="1161892" y="919741"/>
+                  <a:pt x="1036592" y="854500"/>
+                </a:cubicBezTo>
+                <a:cubicBezTo>
+                  <a:pt x="1128068" y="833421"/>
+                  <a:pt x="1195715" y="774938"/>
+                  <a:pt x="1215191" y="649238"/>
+                </a:cubicBezTo>
+                <a:lnTo>
+                  <a:pt x="1215219" y="649152"/>
+                </a:lnTo>
+                <a:close/>
+              </a:path>
+            </a:pathLst>
+          </a:custGeom>
+          <a:solidFill>
+            <a:srgbClr val="FFFFFF"/>
+          </a:solidFill>
+          <a:ln w="2864" cap="flat">
+            <a:noFill/>
+            <a:prstDash val="solid"/>
+            <a:miter/>
+          </a:ln>
+        </p:spPr>
+        <p:txBody>
+          <a:bodyPr rtlCol="0" anchor="ctr"/>
+          <a:lstStyle/>
+          <a:p>
+            <a:endParaRPr lang="en-FI"/>
+          </a:p>
+        </p:txBody>
+      </p:sp>
+      <p:sp>
+        <p:nvSpPr>
+          <p:cNvPr id="35" name="Freeform: Shape 34">
+            <a:extLst>
+              <a:ext uri="{FF2B5EF4-FFF2-40B4-BE49-F238E27FC236}">
+                <a16:creationId xmlns:a16="http://schemas.microsoft.com/office/drawing/2014/main" id="{393F6874-69C3-2EC3-9DC3-A5AFD7D2C414}"/>
+              </a:ext>
+            </a:extLst>
+          </p:cNvPr>
+          <p:cNvSpPr/>
+          <p:nvPr/>
+        </p:nvSpPr>
+        <p:spPr>
+          <a:xfrm>
+            <a:off x="2607289" y="2154553"/>
+            <a:ext cx="1726749" cy="2545790"/>
+          </a:xfrm>
+          <a:custGeom>
+            <a:avLst/>
+            <a:gdLst>
+              <a:gd name="connsiteX0" fmla="*/ 706833 w 1726749"/>
+              <a:gd name="connsiteY0" fmla="*/ 2147963 h 2545790"/>
+              <a:gd name="connsiteX1" fmla="*/ 919254 w 1726749"/>
+              <a:gd name="connsiteY1" fmla="*/ 2093060 h 2545790"/>
+              <a:gd name="connsiteX2" fmla="*/ 1091896 w 1726749"/>
+              <a:gd name="connsiteY2" fmla="*/ 1949059 h 2545790"/>
+              <a:gd name="connsiteX3" fmla="*/ 1206054 w 1726749"/>
+              <a:gd name="connsiteY3" fmla="*/ 1741019 h 2545790"/>
+              <a:gd name="connsiteX4" fmla="*/ 1248212 w 1726749"/>
+              <a:gd name="connsiteY4" fmla="*/ 1499184 h 2545790"/>
+              <a:gd name="connsiteX5" fmla="*/ 1196489 w 1726749"/>
+              <a:gd name="connsiteY5" fmla="*/ 1257721 h 2545790"/>
+              <a:gd name="connsiteX6" fmla="*/ 1006348 w 1726749"/>
+              <a:gd name="connsiteY6" fmla="*/ 1170627 h 2545790"/>
+              <a:gd name="connsiteX7" fmla="*/ 887006 w 1726749"/>
+              <a:gd name="connsiteY7" fmla="*/ 1186923 h 2545790"/>
+              <a:gd name="connsiteX8" fmla="*/ 756523 w 1726749"/>
+              <a:gd name="connsiteY8" fmla="*/ 1254542 h 2545790"/>
+              <a:gd name="connsiteX9" fmla="*/ 545705 w 1726749"/>
+              <a:gd name="connsiteY9" fmla="*/ 2136020 h 2545790"/>
+              <a:gd name="connsiteX10" fmla="*/ 579528 w 1726749"/>
+              <a:gd name="connsiteY10" fmla="*/ 2142378 h 2545790"/>
+              <a:gd name="connsiteX11" fmla="*/ 610144 w 1726749"/>
+              <a:gd name="connsiteY11" fmla="*/ 2147161 h 2545790"/>
+              <a:gd name="connsiteX12" fmla="*/ 649925 w 1726749"/>
+              <a:gd name="connsiteY12" fmla="*/ 2149137 h 2545790"/>
+              <a:gd name="connsiteX13" fmla="*/ 706804 w 1726749"/>
+              <a:gd name="connsiteY13" fmla="*/ 2147934 h 2545790"/>
+              <a:gd name="connsiteX14" fmla="*/ 1125691 w 1726749"/>
+              <a:gd name="connsiteY14" fmla="*/ 770069 h 2545790"/>
+              <a:gd name="connsiteX15" fmla="*/ 1392987 w 1726749"/>
+              <a:gd name="connsiteY15" fmla="*/ 824972 h 2545790"/>
+              <a:gd name="connsiteX16" fmla="*/ 1579948 w 1726749"/>
+              <a:gd name="connsiteY16" fmla="*/ 973355 h 2545790"/>
+              <a:gd name="connsiteX17" fmla="*/ 1691329 w 1726749"/>
+              <a:gd name="connsiteY17" fmla="*/ 1193310 h 2545790"/>
+              <a:gd name="connsiteX18" fmla="*/ 1726728 w 1726749"/>
+              <a:gd name="connsiteY18" fmla="*/ 1464214 h 2545790"/>
+              <a:gd name="connsiteX19" fmla="*/ 1418849 w 1726749"/>
+              <a:gd name="connsiteY19" fmla="*/ 2227553 h 2545790"/>
+              <a:gd name="connsiteX20" fmla="*/ 1083533 w 1726749"/>
+              <a:gd name="connsiteY20" fmla="*/ 2459050 h 2545790"/>
+              <a:gd name="connsiteX21" fmla="*/ 665075 w 1726749"/>
+              <a:gd name="connsiteY21" fmla="*/ 2545771 h 2545790"/>
+              <a:gd name="connsiteX22" fmla="*/ 563232 w 1726749"/>
+              <a:gd name="connsiteY22" fmla="*/ 2545771 h 2545790"/>
+              <a:gd name="connsiteX23" fmla="*/ 397751 w 1726749"/>
+              <a:gd name="connsiteY23" fmla="*/ 2531451 h 2545790"/>
+              <a:gd name="connsiteX24" fmla="*/ 198875 w 1726749"/>
+              <a:gd name="connsiteY24" fmla="*/ 2491670 h 2545790"/>
+              <a:gd name="connsiteX25" fmla="*/ 0 w 1726749"/>
+              <a:gd name="connsiteY25" fmla="*/ 2420872 h 2545790"/>
+              <a:gd name="connsiteX26" fmla="*/ 558879 w 1726749"/>
+              <a:gd name="connsiteY26" fmla="*/ 79562 h 2545790"/>
+              <a:gd name="connsiteX27" fmla="*/ 1058101 w 1726749"/>
+              <a:gd name="connsiteY27" fmla="*/ 0 h 2545790"/>
+              <a:gd name="connsiteX28" fmla="*/ 859225 w 1726749"/>
+              <a:gd name="connsiteY28" fmla="*/ 830958 h 2545790"/>
+              <a:gd name="connsiteX29" fmla="*/ 987704 w 1726749"/>
+              <a:gd name="connsiteY29" fmla="*/ 786022 h 2545790"/>
+              <a:gd name="connsiteX30" fmla="*/ 1126521 w 1726749"/>
+              <a:gd name="connsiteY30" fmla="*/ 769726 h 2545790"/>
+              <a:gd name="connsiteX31" fmla="*/ 1125720 w 1726749"/>
+              <a:gd name="connsiteY31" fmla="*/ 770127 h 2545790"/>
+            </a:gdLst>
+            <a:ahLst/>
+            <a:cxnLst>
+              <a:cxn ang="0">
+                <a:pos x="connsiteX0" y="connsiteY0"/>
+              </a:cxn>
+              <a:cxn ang="0">
+                <a:pos x="connsiteX1" y="connsiteY1"/>
+              </a:cxn>
+              <a:cxn ang="0">
+                <a:pos x="connsiteX2" y="connsiteY2"/>
+              </a:cxn>
+              <a:cxn ang="0">
+                <a:pos x="connsiteX3" y="connsiteY3"/>
+              </a:cxn>
+              <a:cxn ang="0">
+                <a:pos x="connsiteX4" y="connsiteY4"/>
+              </a:cxn>
+              <a:cxn ang="0">
+                <a:pos x="connsiteX5" y="connsiteY5"/>
+              </a:cxn>
+              <a:cxn ang="0">
+                <a:pos x="connsiteX6" y="connsiteY6"/>
+              </a:cxn>
+              <a:cxn ang="0">
+                <a:pos x="connsiteX7" y="connsiteY7"/>
+              </a:cxn>
+              <a:cxn ang="0">
+                <a:pos x="connsiteX8" y="connsiteY8"/>
+              </a:cxn>
+              <a:cxn ang="0">
+                <a:pos x="connsiteX9" y="connsiteY9"/>
+              </a:cxn>
+              <a:cxn ang="0">
+                <a:pos x="connsiteX10" y="connsiteY10"/>
+              </a:cxn>
+              <a:cxn ang="0">
+                <a:pos x="connsiteX11" y="connsiteY11"/>
+              </a:cxn>
+              <a:cxn ang="0">
+                <a:pos x="connsiteX12" y="connsiteY12"/>
+              </a:cxn>
+              <a:cxn ang="0">
+                <a:pos x="connsiteX13" y="connsiteY13"/>
+              </a:cxn>
+              <a:cxn ang="0">
+                <a:pos x="connsiteX14" y="connsiteY14"/>
+              </a:cxn>
+              <a:cxn ang="0">
+                <a:pos x="connsiteX15" y="connsiteY15"/>
+              </a:cxn>
+              <a:cxn ang="0">
+                <a:pos x="connsiteX16" y="connsiteY16"/>
+              </a:cxn>
+              <a:cxn ang="0">
+                <a:pos x="connsiteX17" y="connsiteY17"/>
+              </a:cxn>
+              <a:cxn ang="0">
+                <a:pos x="connsiteX18" y="connsiteY18"/>
+              </a:cxn>
+              <a:cxn ang="0">
+                <a:pos x="connsiteX19" y="connsiteY19"/>
+              </a:cxn>
+              <a:cxn ang="0">
+                <a:pos x="connsiteX20" y="connsiteY20"/>
+              </a:cxn>
+              <a:cxn ang="0">
+                <a:pos x="connsiteX21" y="connsiteY21"/>
+              </a:cxn>
+              <a:cxn ang="0">
+                <a:pos x="connsiteX22" y="connsiteY22"/>
+              </a:cxn>
+              <a:cxn ang="0">
+                <a:pos x="connsiteX23" y="connsiteY23"/>
+              </a:cxn>
+              <a:cxn ang="0">
+                <a:pos x="connsiteX24" y="connsiteY24"/>
+              </a:cxn>
+              <a:cxn ang="0">
+                <a:pos x="connsiteX25" y="connsiteY25"/>
+              </a:cxn>
+              <a:cxn ang="0">
+                <a:pos x="connsiteX26" y="connsiteY26"/>
+              </a:cxn>
+              <a:cxn ang="0">
+                <a:pos x="connsiteX27" y="connsiteY27"/>
+              </a:cxn>
+              <a:cxn ang="0">
+                <a:pos x="connsiteX28" y="connsiteY28"/>
+              </a:cxn>
+              <a:cxn ang="0">
+                <a:pos x="connsiteX29" y="connsiteY29"/>
+              </a:cxn>
+              <a:cxn ang="0">
+                <a:pos x="connsiteX30" y="connsiteY30"/>
+              </a:cxn>
+              <a:cxn ang="0">
+                <a:pos x="connsiteX31" y="connsiteY31"/>
+              </a:cxn>
+            </a:cxnLst>
+            <a:rect l="l" t="t" r="r" b="b"/>
+            <a:pathLst>
+              <a:path w="1726749" h="2545790">
+                <a:moveTo>
+                  <a:pt x="706833" y="2147963"/>
+                </a:moveTo>
+                <a:cubicBezTo>
+                  <a:pt x="781182" y="2148192"/>
+                  <a:pt x="854328" y="2129261"/>
+                  <a:pt x="919254" y="2093060"/>
+                </a:cubicBezTo>
+                <a:cubicBezTo>
+                  <a:pt x="986071" y="2057432"/>
+                  <a:pt x="1044840" y="2008372"/>
+                  <a:pt x="1091896" y="1949059"/>
+                </a:cubicBezTo>
+                <a:cubicBezTo>
+                  <a:pt x="1140927" y="1886338"/>
+                  <a:pt x="1179476" y="1816084"/>
+                  <a:pt x="1206054" y="1741019"/>
+                </a:cubicBezTo>
+                <a:cubicBezTo>
+                  <a:pt x="1234093" y="1663462"/>
+                  <a:pt x="1248327" y="1581638"/>
+                  <a:pt x="1248212" y="1499184"/>
+                </a:cubicBezTo>
+                <a:cubicBezTo>
+                  <a:pt x="1252680" y="1415527"/>
+                  <a:pt x="1234809" y="1332184"/>
+                  <a:pt x="1196489" y="1257721"/>
+                </a:cubicBezTo>
+                <a:cubicBezTo>
+                  <a:pt x="1162292" y="1200040"/>
+                  <a:pt x="1098626" y="1170627"/>
+                  <a:pt x="1006348" y="1170627"/>
+                </a:cubicBezTo>
+                <a:cubicBezTo>
+                  <a:pt x="966138" y="1172002"/>
+                  <a:pt x="926157" y="1177472"/>
+                  <a:pt x="887006" y="1186923"/>
+                </a:cubicBezTo>
+                <a:cubicBezTo>
+                  <a:pt x="838404" y="1197777"/>
+                  <a:pt x="793440" y="1221090"/>
+                  <a:pt x="756523" y="1254542"/>
+                </a:cubicBezTo>
+                <a:lnTo>
+                  <a:pt x="545705" y="2136020"/>
+                </a:lnTo>
+                <a:lnTo>
+                  <a:pt x="579528" y="2142378"/>
+                </a:lnTo>
+                <a:cubicBezTo>
+                  <a:pt x="589581" y="2144841"/>
+                  <a:pt x="599862" y="2146445"/>
+                  <a:pt x="610144" y="2147161"/>
+                </a:cubicBezTo>
+                <a:cubicBezTo>
+                  <a:pt x="623347" y="2148794"/>
+                  <a:pt x="636636" y="2149452"/>
+                  <a:pt x="649925" y="2149137"/>
+                </a:cubicBezTo>
+                <a:lnTo>
+                  <a:pt x="706804" y="2147934"/>
+                </a:lnTo>
+                <a:close/>
+                <a:moveTo>
+                  <a:pt x="1125691" y="770069"/>
+                </a:moveTo>
+                <a:cubicBezTo>
+                  <a:pt x="1217768" y="767950"/>
+                  <a:pt x="1309187" y="786738"/>
+                  <a:pt x="1392987" y="824972"/>
+                </a:cubicBezTo>
+                <a:cubicBezTo>
+                  <a:pt x="1465732" y="859655"/>
+                  <a:pt x="1529656" y="910376"/>
+                  <a:pt x="1579948" y="973355"/>
+                </a:cubicBezTo>
+                <a:cubicBezTo>
+                  <a:pt x="1631443" y="1038482"/>
+                  <a:pt x="1669304" y="1113261"/>
+                  <a:pt x="1691329" y="1193310"/>
+                </a:cubicBezTo>
+                <a:cubicBezTo>
+                  <a:pt x="1715443" y="1281578"/>
+                  <a:pt x="1727329" y="1372710"/>
+                  <a:pt x="1726728" y="1464214"/>
+                </a:cubicBezTo>
+                <a:cubicBezTo>
+                  <a:pt x="1726613" y="1748895"/>
+                  <a:pt x="1616263" y="2022434"/>
+                  <a:pt x="1418849" y="2227553"/>
+                </a:cubicBezTo>
+                <a:cubicBezTo>
+                  <a:pt x="1323134" y="2325731"/>
+                  <a:pt x="1209262" y="2404319"/>
+                  <a:pt x="1083533" y="2459050"/>
+                </a:cubicBezTo>
+                <a:cubicBezTo>
+                  <a:pt x="951704" y="2517074"/>
+                  <a:pt x="809106" y="2546659"/>
+                  <a:pt x="665075" y="2545771"/>
+                </a:cubicBezTo>
+                <a:lnTo>
+                  <a:pt x="563232" y="2545771"/>
+                </a:lnTo>
+                <a:cubicBezTo>
+                  <a:pt x="507871" y="2543967"/>
+                  <a:pt x="452596" y="2539213"/>
+                  <a:pt x="397751" y="2531451"/>
+                </a:cubicBezTo>
+                <a:cubicBezTo>
+                  <a:pt x="330762" y="2521742"/>
+                  <a:pt x="264375" y="2508482"/>
+                  <a:pt x="198875" y="2491670"/>
+                </a:cubicBezTo>
+                <a:cubicBezTo>
+                  <a:pt x="130197" y="2475374"/>
+                  <a:pt x="63523" y="2451632"/>
+                  <a:pt x="0" y="2420872"/>
+                </a:cubicBezTo>
+                <a:lnTo>
+                  <a:pt x="558879" y="79562"/>
+                </a:lnTo>
+                <a:lnTo>
+                  <a:pt x="1058101" y="0"/>
+                </a:lnTo>
+                <a:lnTo>
+                  <a:pt x="859225" y="830958"/>
+                </a:lnTo>
+                <a:cubicBezTo>
+                  <a:pt x="900638" y="812227"/>
+                  <a:pt x="943627" y="797191"/>
+                  <a:pt x="987704" y="786022"/>
+                </a:cubicBezTo>
+                <a:cubicBezTo>
+                  <a:pt x="1033127" y="774967"/>
+                  <a:pt x="1079781" y="769468"/>
+                  <a:pt x="1126521" y="769726"/>
+                </a:cubicBezTo>
+                <a:lnTo>
+                  <a:pt x="1125720" y="770127"/>
+                </a:lnTo>
+                <a:close/>
+              </a:path>
+            </a:pathLst>
+          </a:custGeom>
+          <a:solidFill>
+            <a:srgbClr val="4D4D4D">
+              <a:alpha val="46000"/>
+            </a:srgbClr>
+          </a:solidFill>
+          <a:ln w="2864" cap="flat">
+            <a:noFill/>
+            <a:prstDash val="solid"/>
+            <a:miter/>
+          </a:ln>
+        </p:spPr>
+        <p:txBody>
+          <a:bodyPr rtlCol="0" anchor="ctr"/>
+          <a:lstStyle/>
+          <a:p>
+            <a:endParaRPr lang="en-FI"/>
+          </a:p>
+        </p:txBody>
+      </p:sp>
+      <p:sp>
+        <p:nvSpPr>
+          <p:cNvPr id="36" name="Freeform: Shape 35">
+            <a:extLst>
+              <a:ext uri="{FF2B5EF4-FFF2-40B4-BE49-F238E27FC236}">
+                <a16:creationId xmlns:a16="http://schemas.microsoft.com/office/drawing/2014/main" id="{F6088985-D353-3DD8-876B-803F41CE89F3}"/>
+              </a:ext>
+            </a:extLst>
+          </p:cNvPr>
+          <p:cNvSpPr/>
+          <p:nvPr/>
+        </p:nvSpPr>
+        <p:spPr>
+          <a:xfrm>
+            <a:off x="4372594" y="2187113"/>
+            <a:ext cx="1040387" cy="2467845"/>
+          </a:xfrm>
+          <a:custGeom>
+            <a:avLst/>
+            <a:gdLst>
+              <a:gd name="connsiteX0" fmla="*/ 709238 w 1040387"/>
+              <a:gd name="connsiteY0" fmla="*/ 566844 h 2467845"/>
+              <a:gd name="connsiteX1" fmla="*/ 528635 w 1040387"/>
+              <a:gd name="connsiteY1" fmla="*/ 507588 h 2467845"/>
+              <a:gd name="connsiteX2" fmla="*/ 449074 w 1040387"/>
+              <a:gd name="connsiteY2" fmla="*/ 325410 h 2467845"/>
+              <a:gd name="connsiteX3" fmla="*/ 476510 w 1040387"/>
+              <a:gd name="connsiteY3" fmla="*/ 198506 h 2467845"/>
+              <a:gd name="connsiteX4" fmla="*/ 549313 w 1040387"/>
+              <a:gd name="connsiteY4" fmla="*/ 95088 h 2467845"/>
+              <a:gd name="connsiteX5" fmla="*/ 653934 w 1040387"/>
+              <a:gd name="connsiteY5" fmla="*/ 25865 h 2467845"/>
+              <a:gd name="connsiteX6" fmla="*/ 781210 w 1040387"/>
+              <a:gd name="connsiteY6" fmla="*/ 3 h 2467845"/>
+              <a:gd name="connsiteX7" fmla="*/ 960210 w 1040387"/>
+              <a:gd name="connsiteY7" fmla="*/ 59660 h 2467845"/>
+              <a:gd name="connsiteX8" fmla="*/ 1039771 w 1040387"/>
+              <a:gd name="connsiteY8" fmla="*/ 241839 h 2467845"/>
+              <a:gd name="connsiteX9" fmla="*/ 1012735 w 1040387"/>
+              <a:gd name="connsiteY9" fmla="*/ 369114 h 2467845"/>
+              <a:gd name="connsiteX10" fmla="*/ 940333 w 1040387"/>
+              <a:gd name="connsiteY10" fmla="*/ 472132 h 2467845"/>
+              <a:gd name="connsiteX11" fmla="*/ 835712 w 1040387"/>
+              <a:gd name="connsiteY11" fmla="*/ 541355 h 2467845"/>
+              <a:gd name="connsiteX12" fmla="*/ 708436 w 1040387"/>
+              <a:gd name="connsiteY12" fmla="*/ 566815 h 2467845"/>
+              <a:gd name="connsiteX13" fmla="*/ 709238 w 1040387"/>
+              <a:gd name="connsiteY13" fmla="*/ 566815 h 2467845"/>
+              <a:gd name="connsiteX14" fmla="*/ 477341 w 1040387"/>
+              <a:gd name="connsiteY14" fmla="*/ 2467845 h 2467845"/>
+              <a:gd name="connsiteX15" fmla="*/ 0 w 1040387"/>
+              <a:gd name="connsiteY15" fmla="*/ 2467845 h 2467845"/>
+              <a:gd name="connsiteX16" fmla="*/ 403335 w 1040387"/>
+              <a:gd name="connsiteY16" fmla="*/ 773280 h 2467845"/>
+              <a:gd name="connsiteX17" fmla="*/ 883455 w 1040387"/>
+              <a:gd name="connsiteY17" fmla="*/ 773280 h 2467845"/>
+              <a:gd name="connsiteX18" fmla="*/ 477312 w 1040387"/>
+              <a:gd name="connsiteY18" fmla="*/ 2467845 h 2467845"/>
+            </a:gdLst>
+            <a:ahLst/>
+            <a:cxnLst>
+              <a:cxn ang="0">
+                <a:pos x="connsiteX0" y="connsiteY0"/>
+              </a:cxn>
+              <a:cxn ang="0">
+                <a:pos x="connsiteX1" y="connsiteY1"/>
+              </a:cxn>
+              <a:cxn ang="0">
+                <a:pos x="connsiteX2" y="connsiteY2"/>
+              </a:cxn>
+              <a:cxn ang="0">
+                <a:pos x="connsiteX3" y="connsiteY3"/>
+              </a:cxn>
+              <a:cxn ang="0">
+                <a:pos x="connsiteX4" y="connsiteY4"/>
+              </a:cxn>
+              <a:cxn ang="0">
+                <a:pos x="connsiteX5" y="connsiteY5"/>
+              </a:cxn>
+              <a:cxn ang="0">
+                <a:pos x="connsiteX6" y="connsiteY6"/>
+              </a:cxn>
+              <a:cxn ang="0">
+                <a:pos x="connsiteX7" y="connsiteY7"/>
+              </a:cxn>
+              <a:cxn ang="0">
+                <a:pos x="connsiteX8" y="connsiteY8"/>
+              </a:cxn>
+              <a:cxn ang="0">
+                <a:pos x="connsiteX9" y="connsiteY9"/>
+              </a:cxn>
+              <a:cxn ang="0">
+                <a:pos x="connsiteX10" y="connsiteY10"/>
+              </a:cxn>
+              <a:cxn ang="0">
+                <a:pos x="connsiteX11" y="connsiteY11"/>
+              </a:cxn>
+              <a:cxn ang="0">
+                <a:pos x="connsiteX12" y="connsiteY12"/>
+              </a:cxn>
+              <a:cxn ang="0">
+                <a:pos x="connsiteX13" y="connsiteY13"/>
+              </a:cxn>
+              <a:cxn ang="0">
+                <a:pos x="connsiteX14" y="connsiteY14"/>
+              </a:cxn>
+              <a:cxn ang="0">
+                <a:pos x="connsiteX15" y="connsiteY15"/>
+              </a:cxn>
+              <a:cxn ang="0">
+                <a:pos x="connsiteX16" y="connsiteY16"/>
+              </a:cxn>
+              <a:cxn ang="0">
+                <a:pos x="connsiteX17" y="connsiteY17"/>
+              </a:cxn>
+              <a:cxn ang="0">
+                <a:pos x="connsiteX18" y="connsiteY18"/>
+              </a:cxn>
+            </a:cxnLst>
+            <a:rect l="l" t="t" r="r" b="b"/>
+            <a:pathLst>
+              <a:path w="1040387" h="2467845">
+                <a:moveTo>
+                  <a:pt x="709238" y="566844"/>
+                </a:moveTo>
+                <a:cubicBezTo>
+                  <a:pt x="644169" y="567474"/>
+                  <a:pt x="580731" y="546624"/>
+                  <a:pt x="528635" y="507588"/>
+                </a:cubicBezTo>
+                <a:cubicBezTo>
+                  <a:pt x="473417" y="463912"/>
+                  <a:pt x="443575" y="395606"/>
+                  <a:pt x="449074" y="325410"/>
+                </a:cubicBezTo>
+                <a:cubicBezTo>
+                  <a:pt x="448844" y="281619"/>
+                  <a:pt x="458181" y="238287"/>
+                  <a:pt x="476510" y="198506"/>
+                </a:cubicBezTo>
+                <a:cubicBezTo>
+                  <a:pt x="494067" y="159757"/>
+                  <a:pt x="518726" y="124673"/>
+                  <a:pt x="549313" y="95088"/>
+                </a:cubicBezTo>
+                <a:cubicBezTo>
+                  <a:pt x="579872" y="66047"/>
+                  <a:pt x="615271" y="42620"/>
+                  <a:pt x="653934" y="25865"/>
+                </a:cubicBezTo>
+                <a:cubicBezTo>
+                  <a:pt x="694145" y="8595"/>
+                  <a:pt x="737477" y="-197"/>
+                  <a:pt x="781210" y="3"/>
+                </a:cubicBezTo>
+                <a:cubicBezTo>
+                  <a:pt x="845822" y="-197"/>
+                  <a:pt x="908658" y="20767"/>
+                  <a:pt x="960210" y="59660"/>
+                </a:cubicBezTo>
+                <a:cubicBezTo>
+                  <a:pt x="1015313" y="103422"/>
+                  <a:pt x="1045127" y="171671"/>
+                  <a:pt x="1039771" y="241839"/>
+                </a:cubicBezTo>
+                <a:cubicBezTo>
+                  <a:pt x="1040115" y="285744"/>
+                  <a:pt x="1030893" y="329190"/>
+                  <a:pt x="1012735" y="369114"/>
+                </a:cubicBezTo>
+                <a:cubicBezTo>
+                  <a:pt x="995179" y="407664"/>
+                  <a:pt x="970635" y="442576"/>
+                  <a:pt x="940333" y="472132"/>
+                </a:cubicBezTo>
+                <a:cubicBezTo>
+                  <a:pt x="909860" y="501287"/>
+                  <a:pt x="874462" y="524715"/>
+                  <a:pt x="835712" y="541355"/>
+                </a:cubicBezTo>
+                <a:cubicBezTo>
+                  <a:pt x="795502" y="558624"/>
+                  <a:pt x="752169" y="567302"/>
+                  <a:pt x="708436" y="566815"/>
+                </a:cubicBezTo>
+                <a:lnTo>
+                  <a:pt x="709238" y="566815"/>
+                </a:lnTo>
+                <a:close/>
+                <a:moveTo>
+                  <a:pt x="477341" y="2467845"/>
+                </a:moveTo>
+                <a:lnTo>
+                  <a:pt x="0" y="2467845"/>
+                </a:lnTo>
+                <a:lnTo>
+                  <a:pt x="403335" y="773280"/>
+                </a:lnTo>
+                <a:lnTo>
+                  <a:pt x="883455" y="773280"/>
+                </a:lnTo>
+                <a:lnTo>
+                  <a:pt x="477312" y="2467845"/>
+                </a:lnTo>
+                <a:close/>
+              </a:path>
+            </a:pathLst>
+          </a:custGeom>
+          <a:solidFill>
+            <a:srgbClr val="4D4D4D">
+              <a:alpha val="46000"/>
+            </a:srgbClr>
+          </a:solidFill>
+          <a:ln w="2864" cap="flat">
+            <a:noFill/>
+            <a:prstDash val="solid"/>
+            <a:miter/>
+          </a:ln>
+        </p:spPr>
+        <p:txBody>
+          <a:bodyPr rtlCol="0" anchor="ctr"/>
+          <a:lstStyle/>
+          <a:p>
+            <a:endParaRPr lang="en-FI"/>
+          </a:p>
+        </p:txBody>
+      </p:sp>
+      <p:sp>
+        <p:nvSpPr>
+          <p:cNvPr id="37" name="Freeform: Shape 36">
+            <a:extLst>
+              <a:ext uri="{FF2B5EF4-FFF2-40B4-BE49-F238E27FC236}">
+                <a16:creationId xmlns:a16="http://schemas.microsoft.com/office/drawing/2014/main" id="{0069E417-00E7-7ECE-3B92-E432C6A111F8}"/>
+              </a:ext>
+            </a:extLst>
+          </p:cNvPr>
+          <p:cNvSpPr/>
+          <p:nvPr/>
+        </p:nvSpPr>
+        <p:spPr>
+          <a:xfrm>
+            <a:off x="5311339" y="2461229"/>
+            <a:ext cx="1272139" cy="2231291"/>
+          </a:xfrm>
+          <a:custGeom>
+            <a:avLst/>
+            <a:gdLst>
+              <a:gd name="connsiteX0" fmla="*/ 362394 w 1272139"/>
+              <a:gd name="connsiteY0" fmla="*/ 77156 h 2231291"/>
+              <a:gd name="connsiteX1" fmla="*/ 861588 w 1272139"/>
+              <a:gd name="connsiteY1" fmla="*/ 0 h 2231291"/>
+              <a:gd name="connsiteX2" fmla="*/ 737491 w 1272139"/>
+              <a:gd name="connsiteY2" fmla="*/ 499222 h 2231291"/>
+              <a:gd name="connsiteX3" fmla="*/ 1272140 w 1272139"/>
+              <a:gd name="connsiteY3" fmla="*/ 499222 h 2231291"/>
+              <a:gd name="connsiteX4" fmla="*/ 1175824 w 1272139"/>
+              <a:gd name="connsiteY4" fmla="*/ 892218 h 2231291"/>
+              <a:gd name="connsiteX5" fmla="*/ 645585 w 1272139"/>
+              <a:gd name="connsiteY5" fmla="*/ 892218 h 2231291"/>
+              <a:gd name="connsiteX6" fmla="*/ 503990 w 1272139"/>
+              <a:gd name="connsiteY6" fmla="*/ 1483317 h 2231291"/>
+              <a:gd name="connsiteX7" fmla="*/ 481307 w 1272139"/>
+              <a:gd name="connsiteY7" fmla="*/ 1621791 h 2231291"/>
+              <a:gd name="connsiteX8" fmla="*/ 497603 w 1272139"/>
+              <a:gd name="connsiteY8" fmla="*/ 1733114 h 2231291"/>
+              <a:gd name="connsiteX9" fmla="*/ 566825 w 1272139"/>
+              <a:gd name="connsiteY9" fmla="*/ 1805115 h 2231291"/>
+              <a:gd name="connsiteX10" fmla="*/ 710025 w 1272139"/>
+              <a:gd name="connsiteY10" fmla="*/ 1831378 h 2231291"/>
+              <a:gd name="connsiteX11" fmla="*/ 859984 w 1272139"/>
+              <a:gd name="connsiteY11" fmla="*/ 1816657 h 2231291"/>
+              <a:gd name="connsiteX12" fmla="*/ 1006362 w 1272139"/>
+              <a:gd name="connsiteY12" fmla="*/ 1776876 h 2231291"/>
+              <a:gd name="connsiteX13" fmla="*/ 1042162 w 1272139"/>
+              <a:gd name="connsiteY13" fmla="*/ 2144412 h 2231291"/>
+              <a:gd name="connsiteX14" fmla="*/ 832518 w 1272139"/>
+              <a:gd name="connsiteY14" fmla="*/ 2205272 h 2231291"/>
+              <a:gd name="connsiteX15" fmla="*/ 565221 w 1272139"/>
+              <a:gd name="connsiteY15" fmla="*/ 2231133 h 2231291"/>
+              <a:gd name="connsiteX16" fmla="*/ 220340 w 1272139"/>
+              <a:gd name="connsiteY16" fmla="*/ 2165090 h 2231291"/>
+              <a:gd name="connsiteX17" fmla="*/ 46124 w 1272139"/>
+              <a:gd name="connsiteY17" fmla="*/ 1984487 h 2231291"/>
+              <a:gd name="connsiteX18" fmla="*/ 1188 w 1272139"/>
+              <a:gd name="connsiteY18" fmla="*/ 1721945 h 2231291"/>
+              <a:gd name="connsiteX19" fmla="*/ 46124 w 1272139"/>
+              <a:gd name="connsiteY19" fmla="*/ 1409283 h 2231291"/>
+              <a:gd name="connsiteX20" fmla="*/ 362366 w 1272139"/>
+              <a:gd name="connsiteY20" fmla="*/ 75552 h 2231291"/>
+              <a:gd name="connsiteX21" fmla="*/ 362366 w 1272139"/>
+              <a:gd name="connsiteY21" fmla="*/ 77156 h 2231291"/>
+            </a:gdLst>
+            <a:ahLst/>
+            <a:cxnLst>
+              <a:cxn ang="0">
+                <a:pos x="connsiteX0" y="connsiteY0"/>
+              </a:cxn>
+              <a:cxn ang="0">
+                <a:pos x="connsiteX1" y="connsiteY1"/>
+              </a:cxn>
+              <a:cxn ang="0">
+                <a:pos x="connsiteX2" y="connsiteY2"/>
+              </a:cxn>
+              <a:cxn ang="0">
+                <a:pos x="connsiteX3" y="connsiteY3"/>
+              </a:cxn>
+              <a:cxn ang="0">
+                <a:pos x="connsiteX4" y="connsiteY4"/>
+              </a:cxn>
+              <a:cxn ang="0">
+                <a:pos x="connsiteX5" y="connsiteY5"/>
+              </a:cxn>
+              <a:cxn ang="0">
+                <a:pos x="connsiteX6" y="connsiteY6"/>
+              </a:cxn>
+              <a:cxn ang="0">
+                <a:pos x="connsiteX7" y="connsiteY7"/>
+              </a:cxn>
+              <a:cxn ang="0">
+                <a:pos x="connsiteX8" y="connsiteY8"/>
+              </a:cxn>
+              <a:cxn ang="0">
+                <a:pos x="connsiteX9" y="connsiteY9"/>
+              </a:cxn>
+              <a:cxn ang="0">
+                <a:pos x="connsiteX10" y="connsiteY10"/>
+              </a:cxn>
+              <a:cxn ang="0">
+                <a:pos x="connsiteX11" y="connsiteY11"/>
+              </a:cxn>
+              <a:cxn ang="0">
+                <a:pos x="connsiteX12" y="connsiteY12"/>
+              </a:cxn>
+              <a:cxn ang="0">
+                <a:pos x="connsiteX13" y="connsiteY13"/>
+              </a:cxn>
+              <a:cxn ang="0">
+                <a:pos x="connsiteX14" y="connsiteY14"/>
+              </a:cxn>
+              <a:cxn ang="0">
+                <a:pos x="connsiteX15" y="connsiteY15"/>
+              </a:cxn>
+              <a:cxn ang="0">
+                <a:pos x="connsiteX16" y="connsiteY16"/>
+              </a:cxn>
+              <a:cxn ang="0">
+                <a:pos x="connsiteX17" y="connsiteY17"/>
+              </a:cxn>
+              <a:cxn ang="0">
+                <a:pos x="connsiteX18" y="connsiteY18"/>
+              </a:cxn>
+              <a:cxn ang="0">
+                <a:pos x="connsiteX19" y="connsiteY19"/>
+              </a:cxn>
+              <a:cxn ang="0">
+                <a:pos x="connsiteX20" y="connsiteY20"/>
+              </a:cxn>
+              <a:cxn ang="0">
+                <a:pos x="connsiteX21" y="connsiteY21"/>
+              </a:cxn>
+            </a:cxnLst>
+            <a:rect l="l" t="t" r="r" b="b"/>
+            <a:pathLst>
+              <a:path w="1272139" h="2231291">
+                <a:moveTo>
+                  <a:pt x="362394" y="77156"/>
+                </a:moveTo>
+                <a:lnTo>
+                  <a:pt x="861588" y="0"/>
+                </a:lnTo>
+                <a:lnTo>
+                  <a:pt x="737491" y="499222"/>
+                </a:lnTo>
+                <a:lnTo>
+                  <a:pt x="1272140" y="499222"/>
+                </a:lnTo>
+                <a:lnTo>
+                  <a:pt x="1175824" y="892218"/>
+                </a:lnTo>
+                <a:lnTo>
+                  <a:pt x="645585" y="892218"/>
+                </a:lnTo>
+                <a:lnTo>
+                  <a:pt x="503990" y="1483317"/>
+                </a:lnTo>
+                <a:cubicBezTo>
+                  <a:pt x="491732" y="1528568"/>
+                  <a:pt x="484142" y="1574965"/>
+                  <a:pt x="481307" y="1621791"/>
+                </a:cubicBezTo>
+                <a:cubicBezTo>
+                  <a:pt x="478386" y="1659653"/>
+                  <a:pt x="483999" y="1697687"/>
+                  <a:pt x="497603" y="1733114"/>
+                </a:cubicBezTo>
+                <a:cubicBezTo>
+                  <a:pt x="510921" y="1764905"/>
+                  <a:pt x="535580" y="1790594"/>
+                  <a:pt x="566825" y="1805115"/>
+                </a:cubicBezTo>
+                <a:cubicBezTo>
+                  <a:pt x="611790" y="1824991"/>
+                  <a:pt x="660879" y="1834041"/>
+                  <a:pt x="710025" y="1831378"/>
+                </a:cubicBezTo>
+                <a:cubicBezTo>
+                  <a:pt x="760374" y="1831549"/>
+                  <a:pt x="810608" y="1826595"/>
+                  <a:pt x="859984" y="1816657"/>
+                </a:cubicBezTo>
+                <a:cubicBezTo>
+                  <a:pt x="909673" y="1806948"/>
+                  <a:pt x="958619" y="1793659"/>
+                  <a:pt x="1006362" y="1776876"/>
+                </a:cubicBezTo>
+                <a:lnTo>
+                  <a:pt x="1042162" y="2144412"/>
+                </a:lnTo>
+                <a:cubicBezTo>
+                  <a:pt x="973626" y="2169042"/>
+                  <a:pt x="903602" y="2189405"/>
+                  <a:pt x="832518" y="2205272"/>
+                </a:cubicBezTo>
+                <a:cubicBezTo>
+                  <a:pt x="744679" y="2223916"/>
+                  <a:pt x="655008" y="2232594"/>
+                  <a:pt x="565221" y="2231133"/>
+                </a:cubicBezTo>
+                <a:cubicBezTo>
+                  <a:pt x="416838" y="2231133"/>
+                  <a:pt x="302279" y="2208852"/>
+                  <a:pt x="220340" y="2165090"/>
+                </a:cubicBezTo>
+                <a:cubicBezTo>
+                  <a:pt x="143700" y="2126111"/>
+                  <a:pt x="82296" y="2062530"/>
+                  <a:pt x="46124" y="1984487"/>
+                </a:cubicBezTo>
+                <a:cubicBezTo>
+                  <a:pt x="10811" y="1901689"/>
+                  <a:pt x="-4597" y="1811759"/>
+                  <a:pt x="1188" y="1721945"/>
+                </a:cubicBezTo>
+                <a:cubicBezTo>
+                  <a:pt x="6544" y="1616578"/>
+                  <a:pt x="21580" y="1511928"/>
+                  <a:pt x="46124" y="1409283"/>
+                </a:cubicBezTo>
+                <a:lnTo>
+                  <a:pt x="362366" y="75552"/>
+                </a:lnTo>
+                <a:lnTo>
+                  <a:pt x="362366" y="77156"/>
+                </a:lnTo>
+                <a:close/>
+              </a:path>
+            </a:pathLst>
+          </a:custGeom>
+          <a:solidFill>
+            <a:srgbClr val="4D4D4D">
+              <a:alpha val="46000"/>
+            </a:srgbClr>
+          </a:solidFill>
+          <a:ln w="2864" cap="flat">
+            <a:noFill/>
+            <a:prstDash val="solid"/>
+            <a:miter/>
+          </a:ln>
+        </p:spPr>
+        <p:txBody>
+          <a:bodyPr rtlCol="0" anchor="ctr"/>
+          <a:lstStyle/>
+          <a:p>
+            <a:endParaRPr lang="en-FI"/>
+          </a:p>
+        </p:txBody>
+      </p:sp>
+      <p:sp>
+        <p:nvSpPr>
+          <p:cNvPr id="38" name="Freeform: Shape 37">
+            <a:extLst>
+              <a:ext uri="{FF2B5EF4-FFF2-40B4-BE49-F238E27FC236}">
+                <a16:creationId xmlns:a16="http://schemas.microsoft.com/office/drawing/2014/main" id="{AFA46248-6C00-93D5-3E73-5B865D725D1D}"/>
+              </a:ext>
+            </a:extLst>
+          </p:cNvPr>
+          <p:cNvSpPr/>
+          <p:nvPr/>
+        </p:nvSpPr>
+        <p:spPr>
+          <a:xfrm>
+            <a:off x="6564727" y="2914987"/>
+            <a:ext cx="1482908" cy="1785309"/>
+          </a:xfrm>
+          <a:custGeom>
+            <a:avLst/>
+            <a:gdLst>
+              <a:gd name="connsiteX0" fmla="*/ 1225 w 1482908"/>
+              <a:gd name="connsiteY0" fmla="*/ 1063326 h 1785309"/>
+              <a:gd name="connsiteX1" fmla="*/ 72022 w 1482908"/>
+              <a:gd name="connsiteY1" fmla="*/ 650854 h 1785309"/>
+              <a:gd name="connsiteX2" fmla="*/ 274878 w 1482908"/>
+              <a:gd name="connsiteY2" fmla="*/ 312359 h 1785309"/>
+              <a:gd name="connsiteX3" fmla="*/ 595474 w 1482908"/>
+              <a:gd name="connsiteY3" fmla="*/ 83985 h 1785309"/>
+              <a:gd name="connsiteX4" fmla="*/ 1015907 w 1482908"/>
+              <a:gd name="connsiteY4" fmla="*/ 99 h 1785309"/>
+              <a:gd name="connsiteX5" fmla="*/ 1275270 w 1482908"/>
+              <a:gd name="connsiteY5" fmla="*/ 27507 h 1785309"/>
+              <a:gd name="connsiteX6" fmla="*/ 1482909 w 1482908"/>
+              <a:gd name="connsiteY6" fmla="*/ 99909 h 1785309"/>
+              <a:gd name="connsiteX7" fmla="*/ 1317055 w 1482908"/>
+              <a:gd name="connsiteY7" fmla="*/ 472628 h 1785309"/>
+              <a:gd name="connsiteX8" fmla="*/ 1183393 w 1482908"/>
+              <a:gd name="connsiteY8" fmla="*/ 426088 h 1785309"/>
+              <a:gd name="connsiteX9" fmla="*/ 1014332 w 1482908"/>
+              <a:gd name="connsiteY9" fmla="*/ 405009 h 1785309"/>
+              <a:gd name="connsiteX10" fmla="*/ 637631 w 1482908"/>
+              <a:gd name="connsiteY10" fmla="*/ 570491 h 1785309"/>
+              <a:gd name="connsiteX11" fmla="*/ 497611 w 1482908"/>
+              <a:gd name="connsiteY11" fmla="*/ 1012032 h 1785309"/>
+              <a:gd name="connsiteX12" fmla="*/ 568408 w 1482908"/>
+              <a:gd name="connsiteY12" fmla="*/ 1277781 h 1785309"/>
+              <a:gd name="connsiteX13" fmla="*/ 829347 w 1482908"/>
+              <a:gd name="connsiteY13" fmla="*/ 1379167 h 1785309"/>
+              <a:gd name="connsiteX14" fmla="*/ 1009950 w 1482908"/>
+              <a:gd name="connsiteY14" fmla="*/ 1359691 h 1785309"/>
+              <a:gd name="connsiteX15" fmla="*/ 1164691 w 1482908"/>
+              <a:gd name="connsiteY15" fmla="*/ 1311548 h 1785309"/>
+              <a:gd name="connsiteX16" fmla="*/ 1200090 w 1482908"/>
+              <a:gd name="connsiteY16" fmla="*/ 1695036 h 1785309"/>
+              <a:gd name="connsiteX17" fmla="*/ 1001215 w 1482908"/>
+              <a:gd name="connsiteY17" fmla="*/ 1757843 h 1785309"/>
+              <a:gd name="connsiteX18" fmla="*/ 740276 w 1482908"/>
+              <a:gd name="connsiteY18" fmla="*/ 1784936 h 1785309"/>
+              <a:gd name="connsiteX19" fmla="*/ 398975 w 1482908"/>
+              <a:gd name="connsiteY19" fmla="*/ 1727227 h 1785309"/>
+              <a:gd name="connsiteX20" fmla="*/ 170658 w 1482908"/>
+              <a:gd name="connsiteY20" fmla="*/ 1570939 h 1785309"/>
+              <a:gd name="connsiteX21" fmla="*/ 39802 w 1482908"/>
+              <a:gd name="connsiteY21" fmla="*/ 1340187 h 1785309"/>
+              <a:gd name="connsiteX22" fmla="*/ 21 w 1482908"/>
+              <a:gd name="connsiteY22" fmla="*/ 1061751 h 1785309"/>
+              <a:gd name="connsiteX23" fmla="*/ 1225 w 1482908"/>
+              <a:gd name="connsiteY23" fmla="*/ 1063354 h 1785309"/>
+            </a:gdLst>
+            <a:ahLst/>
+            <a:cxnLst>
+              <a:cxn ang="0">
+                <a:pos x="connsiteX0" y="connsiteY0"/>
+              </a:cxn>
+              <a:cxn ang="0">
+                <a:pos x="connsiteX1" y="connsiteY1"/>
+              </a:cxn>
+              <a:cxn ang="0">
+                <a:pos x="connsiteX2" y="connsiteY2"/>
+              </a:cxn>
+              <a:cxn ang="0">
+                <a:pos x="connsiteX3" y="connsiteY3"/>
+              </a:cxn>
+              <a:cxn ang="0">
+                <a:pos x="connsiteX4" y="connsiteY4"/>
+              </a:cxn>
+              <a:cxn ang="0">
+                <a:pos x="connsiteX5" y="connsiteY5"/>
+              </a:cxn>
+              <a:cxn ang="0">
+                <a:pos x="connsiteX6" y="connsiteY6"/>
+              </a:cxn>
+              <a:cxn ang="0">
+                <a:pos x="connsiteX7" y="connsiteY7"/>
+              </a:cxn>
+              <a:cxn ang="0">
+                <a:pos x="connsiteX8" y="connsiteY8"/>
+              </a:cxn>
+              <a:cxn ang="0">
+                <a:pos x="connsiteX9" y="connsiteY9"/>
+              </a:cxn>
+              <a:cxn ang="0">
+                <a:pos x="connsiteX10" y="connsiteY10"/>
+              </a:cxn>
+              <a:cxn ang="0">
+                <a:pos x="connsiteX11" y="connsiteY11"/>
+              </a:cxn>
+              <a:cxn ang="0">
+                <a:pos x="connsiteX12" y="connsiteY12"/>
+              </a:cxn>
+              <a:cxn ang="0">
+                <a:pos x="connsiteX13" y="connsiteY13"/>
+              </a:cxn>
+              <a:cxn ang="0">
+                <a:pos x="connsiteX14" y="connsiteY14"/>
+              </a:cxn>
+              <a:cxn ang="0">
+                <a:pos x="connsiteX15" y="connsiteY15"/>
+              </a:cxn>
+              <a:cxn ang="0">
+                <a:pos x="connsiteX16" y="connsiteY16"/>
+              </a:cxn>
+              <a:cxn ang="0">
+                <a:pos x="connsiteX17" y="connsiteY17"/>
+              </a:cxn>
+              <a:cxn ang="0">
+                <a:pos x="connsiteX18" y="connsiteY18"/>
+              </a:cxn>
+              <a:cxn ang="0">
+                <a:pos x="connsiteX19" y="connsiteY19"/>
+              </a:cxn>
+              <a:cxn ang="0">
+                <a:pos x="connsiteX20" y="connsiteY20"/>
+              </a:cxn>
+              <a:cxn ang="0">
+                <a:pos x="connsiteX21" y="connsiteY21"/>
+              </a:cxn>
+              <a:cxn ang="0">
+                <a:pos x="connsiteX22" y="connsiteY22"/>
+              </a:cxn>
+              <a:cxn ang="0">
+                <a:pos x="connsiteX23" y="connsiteY23"/>
+              </a:cxn>
+            </a:cxnLst>
+            <a:rect l="l" t="t" r="r" b="b"/>
+            <a:pathLst>
+              <a:path w="1482908" h="1785309">
+                <a:moveTo>
+                  <a:pt x="1225" y="1063326"/>
+                </a:moveTo>
+                <a:cubicBezTo>
+                  <a:pt x="222" y="922761"/>
+                  <a:pt x="24165" y="783056"/>
+                  <a:pt x="72022" y="650854"/>
+                </a:cubicBezTo>
+                <a:cubicBezTo>
+                  <a:pt x="116901" y="525841"/>
+                  <a:pt x="185837" y="410852"/>
+                  <a:pt x="274878" y="312359"/>
+                </a:cubicBezTo>
+                <a:cubicBezTo>
+                  <a:pt x="364664" y="214669"/>
+                  <a:pt x="473840" y="136911"/>
+                  <a:pt x="595474" y="83985"/>
+                </a:cubicBezTo>
+                <a:cubicBezTo>
+                  <a:pt x="728133" y="26705"/>
+                  <a:pt x="871418" y="-1906"/>
+                  <a:pt x="1015907" y="99"/>
+                </a:cubicBezTo>
+                <a:cubicBezTo>
+                  <a:pt x="1103144" y="-932"/>
+                  <a:pt x="1190209" y="8261"/>
+                  <a:pt x="1275270" y="27507"/>
+                </a:cubicBezTo>
+                <a:cubicBezTo>
+                  <a:pt x="1346783" y="44462"/>
+                  <a:pt x="1416350" y="68720"/>
+                  <a:pt x="1482909" y="99909"/>
+                </a:cubicBezTo>
+                <a:lnTo>
+                  <a:pt x="1317055" y="472628"/>
+                </a:lnTo>
+                <a:cubicBezTo>
+                  <a:pt x="1274096" y="455129"/>
+                  <a:pt x="1229532" y="440064"/>
+                  <a:pt x="1183393" y="426088"/>
+                </a:cubicBezTo>
+                <a:cubicBezTo>
+                  <a:pt x="1128376" y="410766"/>
+                  <a:pt x="1071411" y="403663"/>
+                  <a:pt x="1014332" y="405009"/>
+                </a:cubicBezTo>
+                <a:cubicBezTo>
+                  <a:pt x="870101" y="399797"/>
+                  <a:pt x="731370" y="460771"/>
+                  <a:pt x="637631" y="570491"/>
+                </a:cubicBezTo>
+                <a:cubicBezTo>
+                  <a:pt x="544552" y="679981"/>
+                  <a:pt x="497840" y="827161"/>
+                  <a:pt x="497611" y="1012032"/>
+                </a:cubicBezTo>
+                <a:cubicBezTo>
+                  <a:pt x="493229" y="1105799"/>
+                  <a:pt x="517974" y="1198592"/>
+                  <a:pt x="568408" y="1277781"/>
+                </a:cubicBezTo>
+                <a:cubicBezTo>
+                  <a:pt x="615579" y="1345400"/>
+                  <a:pt x="702615" y="1379167"/>
+                  <a:pt x="829347" y="1379167"/>
+                </a:cubicBezTo>
+                <a:cubicBezTo>
+                  <a:pt x="890092" y="1379224"/>
+                  <a:pt x="950637" y="1372694"/>
+                  <a:pt x="1009950" y="1359691"/>
+                </a:cubicBezTo>
+                <a:cubicBezTo>
+                  <a:pt x="1062848" y="1348407"/>
+                  <a:pt x="1114686" y="1332312"/>
+                  <a:pt x="1164691" y="1311548"/>
+                </a:cubicBezTo>
+                <a:lnTo>
+                  <a:pt x="1200090" y="1695036"/>
+                </a:lnTo>
+                <a:cubicBezTo>
+                  <a:pt x="1135020" y="1719666"/>
+                  <a:pt x="1068633" y="1740659"/>
+                  <a:pt x="1001215" y="1757843"/>
+                </a:cubicBezTo>
+                <a:cubicBezTo>
+                  <a:pt x="915610" y="1777146"/>
+                  <a:pt x="828029" y="1786254"/>
+                  <a:pt x="740276" y="1784936"/>
+                </a:cubicBezTo>
+                <a:cubicBezTo>
+                  <a:pt x="623798" y="1788316"/>
+                  <a:pt x="507864" y="1768698"/>
+                  <a:pt x="398975" y="1727227"/>
+                </a:cubicBezTo>
+                <a:cubicBezTo>
+                  <a:pt x="312425" y="1692344"/>
+                  <a:pt x="234496" y="1639016"/>
+                  <a:pt x="170658" y="1570939"/>
+                </a:cubicBezTo>
+                <a:cubicBezTo>
+                  <a:pt x="110085" y="1504953"/>
+                  <a:pt x="65320" y="1426021"/>
+                  <a:pt x="39802" y="1340187"/>
+                </a:cubicBezTo>
+                <a:cubicBezTo>
+                  <a:pt x="12794" y="1249857"/>
+                  <a:pt x="-609" y="1156004"/>
+                  <a:pt x="21" y="1061751"/>
+                </a:cubicBezTo>
+                <a:lnTo>
+                  <a:pt x="1225" y="1063354"/>
+                </a:lnTo>
+                <a:close/>
+              </a:path>
+            </a:pathLst>
+          </a:custGeom>
+          <a:solidFill>
+            <a:srgbClr val="4D4D4D">
+              <a:alpha val="46000"/>
+            </a:srgbClr>
+          </a:solidFill>
+          <a:ln w="2864" cap="flat">
+            <a:noFill/>
+            <a:prstDash val="solid"/>
+            <a:miter/>
+          </a:ln>
+        </p:spPr>
+        <p:txBody>
+          <a:bodyPr rtlCol="0" anchor="ctr"/>
+          <a:lstStyle/>
+          <a:p>
+            <a:endParaRPr lang="en-FI"/>
+          </a:p>
+        </p:txBody>
+      </p:sp>
+      <p:sp>
+        <p:nvSpPr>
+          <p:cNvPr id="39" name="Freeform: Shape 38">
+            <a:extLst>
+              <a:ext uri="{FF2B5EF4-FFF2-40B4-BE49-F238E27FC236}">
+                <a16:creationId xmlns:a16="http://schemas.microsoft.com/office/drawing/2014/main" id="{D6FC7DC6-A1BF-84EF-45DF-282406389CCB}"/>
+              </a:ext>
+            </a:extLst>
+          </p:cNvPr>
+          <p:cNvSpPr/>
+          <p:nvPr/>
+        </p:nvSpPr>
+        <p:spPr>
+          <a:xfrm>
+            <a:off x="8014082" y="2916925"/>
+            <a:ext cx="1619305" cy="1783578"/>
+          </a:xfrm>
+          <a:custGeom>
+            <a:avLst/>
+            <a:gdLst>
+              <a:gd name="connsiteX0" fmla="*/ 907071 w 1619305"/>
+              <a:gd name="connsiteY0" fmla="*/ 404675 h 1783578"/>
+              <a:gd name="connsiteX1" fmla="*/ 720109 w 1619305"/>
+              <a:gd name="connsiteY1" fmla="*/ 465535 h 1783578"/>
+              <a:gd name="connsiteX2" fmla="*/ 585273 w 1619305"/>
+              <a:gd name="connsiteY2" fmla="*/ 620276 h 1783578"/>
+              <a:gd name="connsiteX3" fmla="*/ 500957 w 1619305"/>
+              <a:gd name="connsiteY3" fmla="*/ 824794 h 1783578"/>
+              <a:gd name="connsiteX4" fmla="*/ 473921 w 1619305"/>
+              <a:gd name="connsiteY4" fmla="*/ 1035555 h 1783578"/>
+              <a:gd name="connsiteX5" fmla="*/ 525244 w 1619305"/>
+              <a:gd name="connsiteY5" fmla="*/ 1286956 h 1783578"/>
+              <a:gd name="connsiteX6" fmla="*/ 712205 w 1619305"/>
+              <a:gd name="connsiteY6" fmla="*/ 1377257 h 1783578"/>
+              <a:gd name="connsiteX7" fmla="*/ 899166 w 1619305"/>
+              <a:gd name="connsiteY7" fmla="*/ 1315997 h 1783578"/>
+              <a:gd name="connsiteX8" fmla="*/ 1034403 w 1619305"/>
+              <a:gd name="connsiteY8" fmla="*/ 1161313 h 1783578"/>
+              <a:gd name="connsiteX9" fmla="*/ 1116772 w 1619305"/>
+              <a:gd name="connsiteY9" fmla="*/ 956795 h 1783578"/>
+              <a:gd name="connsiteX10" fmla="*/ 1143780 w 1619305"/>
+              <a:gd name="connsiteY10" fmla="*/ 745576 h 1783578"/>
+              <a:gd name="connsiteX11" fmla="*/ 1092457 w 1619305"/>
+              <a:gd name="connsiteY11" fmla="*/ 494175 h 1783578"/>
+              <a:gd name="connsiteX12" fmla="*/ 905495 w 1619305"/>
+              <a:gd name="connsiteY12" fmla="*/ 404274 h 1783578"/>
+              <a:gd name="connsiteX13" fmla="*/ 907099 w 1619305"/>
+              <a:gd name="connsiteY13" fmla="*/ 404675 h 1783578"/>
+              <a:gd name="connsiteX14" fmla="*/ 668415 w 1619305"/>
+              <a:gd name="connsiteY14" fmla="*/ 1783371 h 1783578"/>
+              <a:gd name="connsiteX15" fmla="*/ 371677 w 1619305"/>
+              <a:gd name="connsiteY15" fmla="*/ 1731647 h 1783578"/>
+              <a:gd name="connsiteX16" fmla="*/ 164037 w 1619305"/>
+              <a:gd name="connsiteY16" fmla="*/ 1586844 h 1783578"/>
+              <a:gd name="connsiteX17" fmla="*/ 39941 w 1619305"/>
+              <a:gd name="connsiteY17" fmla="*/ 1366088 h 1783578"/>
+              <a:gd name="connsiteX18" fmla="*/ 160 w 1619305"/>
+              <a:gd name="connsiteY18" fmla="*/ 1084472 h 1783578"/>
+              <a:gd name="connsiteX19" fmla="*/ 62653 w 1619305"/>
+              <a:gd name="connsiteY19" fmla="*/ 697833 h 1783578"/>
+              <a:gd name="connsiteX20" fmla="*/ 246377 w 1619305"/>
+              <a:gd name="connsiteY20" fmla="*/ 351377 h 1783578"/>
+              <a:gd name="connsiteX21" fmla="*/ 545893 w 1619305"/>
+              <a:gd name="connsiteY21" fmla="*/ 98400 h 1783578"/>
+              <a:gd name="connsiteX22" fmla="*/ 951634 w 1619305"/>
+              <a:gd name="connsiteY22" fmla="*/ 137 h 1783578"/>
+              <a:gd name="connsiteX23" fmla="*/ 1246797 w 1619305"/>
+              <a:gd name="connsiteY23" fmla="*/ 51861 h 1783578"/>
+              <a:gd name="connsiteX24" fmla="*/ 1455610 w 1619305"/>
+              <a:gd name="connsiteY24" fmla="*/ 194659 h 1783578"/>
+              <a:gd name="connsiteX25" fmla="*/ 1579335 w 1619305"/>
+              <a:gd name="connsiteY25" fmla="*/ 415415 h 1783578"/>
+              <a:gd name="connsiteX26" fmla="*/ 1619116 w 1619305"/>
+              <a:gd name="connsiteY26" fmla="*/ 697432 h 1783578"/>
+              <a:gd name="connsiteX27" fmla="*/ 1558256 w 1619305"/>
+              <a:gd name="connsiteY27" fmla="*/ 1084071 h 1783578"/>
+              <a:gd name="connsiteX28" fmla="*/ 1377653 w 1619305"/>
+              <a:gd name="connsiteY28" fmla="*/ 1432131 h 1783578"/>
+              <a:gd name="connsiteX29" fmla="*/ 1079712 w 1619305"/>
+              <a:gd name="connsiteY29" fmla="*/ 1684735 h 1783578"/>
+              <a:gd name="connsiteX30" fmla="*/ 668415 w 1619305"/>
+              <a:gd name="connsiteY30" fmla="*/ 1783371 h 1783578"/>
+            </a:gdLst>
+            <a:ahLst/>
+            <a:cxnLst>
+              <a:cxn ang="0">
+                <a:pos x="connsiteX0" y="connsiteY0"/>
+              </a:cxn>
+              <a:cxn ang="0">
+                <a:pos x="connsiteX1" y="connsiteY1"/>
+              </a:cxn>
+              <a:cxn ang="0">
+                <a:pos x="connsiteX2" y="connsiteY2"/>
+              </a:cxn>
+              <a:cxn ang="0">
+                <a:pos x="connsiteX3" y="connsiteY3"/>
+              </a:cxn>
+              <a:cxn ang="0">
+                <a:pos x="connsiteX4" y="connsiteY4"/>
+              </a:cxn>
+              <a:cxn ang="0">
+                <a:pos x="connsiteX5" y="connsiteY5"/>
+              </a:cxn>
+              <a:cxn ang="0">
+                <a:pos x="connsiteX6" y="connsiteY6"/>
+              </a:cxn>
+              <a:cxn ang="0">
+                <a:pos x="connsiteX7" y="connsiteY7"/>
+              </a:cxn>
+              <a:cxn ang="0">
+                <a:pos x="connsiteX8" y="connsiteY8"/>
+              </a:cxn>
+              <a:cxn ang="0">
+                <a:pos x="connsiteX9" y="connsiteY9"/>
+              </a:cxn>
+              <a:cxn ang="0">
+                <a:pos x="connsiteX10" y="connsiteY10"/>
+              </a:cxn>
+              <a:cxn ang="0">
+                <a:pos x="connsiteX11" y="connsiteY11"/>
+              </a:cxn>
+              <a:cxn ang="0">
+                <a:pos x="connsiteX12" y="connsiteY12"/>
+              </a:cxn>
+              <a:cxn ang="0">
+                <a:pos x="connsiteX13" y="connsiteY13"/>
+              </a:cxn>
+              <a:cxn ang="0">
+                <a:pos x="connsiteX14" y="connsiteY14"/>
+              </a:cxn>
+              <a:cxn ang="0">
+                <a:pos x="connsiteX15" y="connsiteY15"/>
+              </a:cxn>
+              <a:cxn ang="0">
+                <a:pos x="connsiteX16" y="connsiteY16"/>
+              </a:cxn>
+              <a:cxn ang="0">
+                <a:pos x="connsiteX17" y="connsiteY17"/>
+              </a:cxn>
+              <a:cxn ang="0">
+                <a:pos x="connsiteX18" y="connsiteY18"/>
+              </a:cxn>
+              <a:cxn ang="0">
+                <a:pos x="connsiteX19" y="connsiteY19"/>
+              </a:cxn>
+              <a:cxn ang="0">
+                <a:pos x="connsiteX20" y="connsiteY20"/>
+              </a:cxn>
+              <a:cxn ang="0">
+                <a:pos x="connsiteX21" y="connsiteY21"/>
+              </a:cxn>
+              <a:cxn ang="0">
+                <a:pos x="connsiteX22" y="connsiteY22"/>
+              </a:cxn>
+              <a:cxn ang="0">
+                <a:pos x="connsiteX23" y="connsiteY23"/>
+              </a:cxn>
+              <a:cxn ang="0">
+                <a:pos x="connsiteX24" y="connsiteY24"/>
+              </a:cxn>
+              <a:cxn ang="0">
+                <a:pos x="connsiteX25" y="connsiteY25"/>
+              </a:cxn>
+              <a:cxn ang="0">
+                <a:pos x="connsiteX26" y="connsiteY26"/>
+              </a:cxn>
+              <a:cxn ang="0">
+                <a:pos x="connsiteX27" y="connsiteY27"/>
+              </a:cxn>
+              <a:cxn ang="0">
+                <a:pos x="connsiteX28" y="connsiteY28"/>
+              </a:cxn>
+              <a:cxn ang="0">
+                <a:pos x="connsiteX29" y="connsiteY29"/>
+              </a:cxn>
+              <a:cxn ang="0">
+                <a:pos x="connsiteX30" y="connsiteY30"/>
+              </a:cxn>
+            </a:cxnLst>
+            <a:rect l="l" t="t" r="r" b="b"/>
+            <a:pathLst>
+              <a:path w="1619305" h="1783578">
+                <a:moveTo>
+                  <a:pt x="907071" y="404675"/>
+                </a:moveTo>
+                <a:cubicBezTo>
+                  <a:pt x="839767" y="403730"/>
+                  <a:pt x="773981" y="425124"/>
+                  <a:pt x="720109" y="465535"/>
+                </a:cubicBezTo>
+                <a:cubicBezTo>
+                  <a:pt x="665494" y="507808"/>
+                  <a:pt x="619670" y="560419"/>
+                  <a:pt x="585273" y="620276"/>
+                </a:cubicBezTo>
+                <a:cubicBezTo>
+                  <a:pt x="547440" y="684000"/>
+                  <a:pt x="519029" y="752908"/>
+                  <a:pt x="500957" y="824794"/>
+                </a:cubicBezTo>
+                <a:cubicBezTo>
+                  <a:pt x="483458" y="893701"/>
+                  <a:pt x="474351" y="964442"/>
+                  <a:pt x="473921" y="1035555"/>
+                </a:cubicBezTo>
+                <a:cubicBezTo>
+                  <a:pt x="469625" y="1122362"/>
+                  <a:pt x="487296" y="1208798"/>
+                  <a:pt x="525244" y="1286956"/>
+                </a:cubicBezTo>
+                <a:cubicBezTo>
+                  <a:pt x="559869" y="1347014"/>
+                  <a:pt x="621904" y="1377257"/>
+                  <a:pt x="712205" y="1377257"/>
+                </a:cubicBezTo>
+                <a:cubicBezTo>
+                  <a:pt x="779623" y="1378403"/>
+                  <a:pt x="845495" y="1356837"/>
+                  <a:pt x="899166" y="1315997"/>
+                </a:cubicBezTo>
+                <a:cubicBezTo>
+                  <a:pt x="953897" y="1273724"/>
+                  <a:pt x="999807" y="1221113"/>
+                  <a:pt x="1034403" y="1161313"/>
+                </a:cubicBezTo>
+                <a:cubicBezTo>
+                  <a:pt x="1071693" y="1097503"/>
+                  <a:pt x="1099417" y="1028624"/>
+                  <a:pt x="1116772" y="956795"/>
+                </a:cubicBezTo>
+                <a:cubicBezTo>
+                  <a:pt x="1134070" y="887744"/>
+                  <a:pt x="1143178" y="816832"/>
+                  <a:pt x="1143780" y="745576"/>
+                </a:cubicBezTo>
+                <a:cubicBezTo>
+                  <a:pt x="1148247" y="658826"/>
+                  <a:pt x="1130519" y="572305"/>
+                  <a:pt x="1092457" y="494175"/>
+                </a:cubicBezTo>
+                <a:cubicBezTo>
+                  <a:pt x="1057860" y="434518"/>
+                  <a:pt x="995396" y="404274"/>
+                  <a:pt x="905495" y="404274"/>
+                </a:cubicBezTo>
+                <a:lnTo>
+                  <a:pt x="907099" y="404675"/>
+                </a:lnTo>
+                <a:close/>
+                <a:moveTo>
+                  <a:pt x="668415" y="1783371"/>
+                </a:moveTo>
+                <a:cubicBezTo>
+                  <a:pt x="567058" y="1785719"/>
+                  <a:pt x="466274" y="1768135"/>
+                  <a:pt x="371677" y="1731647"/>
+                </a:cubicBezTo>
+                <a:cubicBezTo>
+                  <a:pt x="292086" y="1700258"/>
+                  <a:pt x="221002" y="1650711"/>
+                  <a:pt x="164037" y="1586844"/>
+                </a:cubicBezTo>
+                <a:cubicBezTo>
+                  <a:pt x="108018" y="1522519"/>
+                  <a:pt x="65831" y="1447396"/>
+                  <a:pt x="39941" y="1366088"/>
+                </a:cubicBezTo>
+                <a:cubicBezTo>
+                  <a:pt x="11817" y="1274927"/>
+                  <a:pt x="-1645" y="1179843"/>
+                  <a:pt x="160" y="1084472"/>
+                </a:cubicBezTo>
+                <a:cubicBezTo>
+                  <a:pt x="475" y="953129"/>
+                  <a:pt x="21525" y="822617"/>
+                  <a:pt x="62653" y="697833"/>
+                </a:cubicBezTo>
+                <a:cubicBezTo>
+                  <a:pt x="102548" y="572247"/>
+                  <a:pt x="164839" y="454910"/>
+                  <a:pt x="246377" y="351377"/>
+                </a:cubicBezTo>
+                <a:cubicBezTo>
+                  <a:pt x="328288" y="247872"/>
+                  <a:pt x="430159" y="161838"/>
+                  <a:pt x="545893" y="98400"/>
+                </a:cubicBezTo>
+                <a:cubicBezTo>
+                  <a:pt x="670477" y="31412"/>
+                  <a:pt x="810182" y="-2441"/>
+                  <a:pt x="951634" y="137"/>
+                </a:cubicBezTo>
+                <a:cubicBezTo>
+                  <a:pt x="1052389" y="-1696"/>
+                  <a:pt x="1152629" y="15889"/>
+                  <a:pt x="1246797" y="51861"/>
+                </a:cubicBezTo>
+                <a:cubicBezTo>
+                  <a:pt x="1326473" y="82734"/>
+                  <a:pt x="1397959" y="131623"/>
+                  <a:pt x="1455610" y="194659"/>
+                </a:cubicBezTo>
+                <a:cubicBezTo>
+                  <a:pt x="1511286" y="259156"/>
+                  <a:pt x="1553387" y="334250"/>
+                  <a:pt x="1579335" y="415415"/>
+                </a:cubicBezTo>
+                <a:cubicBezTo>
+                  <a:pt x="1607660" y="506662"/>
+                  <a:pt x="1621092" y="601890"/>
+                  <a:pt x="1619116" y="697432"/>
+                </a:cubicBezTo>
+                <a:cubicBezTo>
+                  <a:pt x="1618714" y="828660"/>
+                  <a:pt x="1598180" y="959086"/>
+                  <a:pt x="1558256" y="1084071"/>
+                </a:cubicBezTo>
+                <a:cubicBezTo>
+                  <a:pt x="1519048" y="1209829"/>
+                  <a:pt x="1457902" y="1327624"/>
+                  <a:pt x="1377653" y="1432131"/>
+                </a:cubicBezTo>
+                <a:cubicBezTo>
+                  <a:pt x="1296946" y="1536065"/>
+                  <a:pt x="1195474" y="1622100"/>
+                  <a:pt x="1079712" y="1684735"/>
+                </a:cubicBezTo>
+                <a:cubicBezTo>
+                  <a:pt x="953210" y="1752068"/>
+                  <a:pt x="811700" y="1786034"/>
+                  <a:pt x="668415" y="1783371"/>
+                </a:cubicBezTo>
+                <a:close/>
+              </a:path>
+            </a:pathLst>
+          </a:custGeom>
+          <a:solidFill>
+            <a:srgbClr val="4D4D4D">
+              <a:alpha val="46000"/>
+            </a:srgbClr>
+          </a:solidFill>
+          <a:ln w="2864" cap="flat">
+            <a:noFill/>
+            <a:prstDash val="solid"/>
+            <a:miter/>
+          </a:ln>
+        </p:spPr>
+        <p:txBody>
+          <a:bodyPr rtlCol="0" anchor="ctr"/>
+          <a:lstStyle/>
+          <a:p>
+            <a:endParaRPr lang="en-FI"/>
+          </a:p>
+        </p:txBody>
+      </p:sp>
+      <p:sp>
+        <p:nvSpPr>
+          <p:cNvPr id="40" name="Freeform: Shape 39">
+            <a:extLst>
+              <a:ext uri="{FF2B5EF4-FFF2-40B4-BE49-F238E27FC236}">
+                <a16:creationId xmlns:a16="http://schemas.microsoft.com/office/drawing/2014/main" id="{EDC864D6-4D6D-4BF3-898E-11CF51FCBD0C}"/>
+              </a:ext>
+            </a:extLst>
+          </p:cNvPr>
+          <p:cNvSpPr/>
+          <p:nvPr/>
+        </p:nvSpPr>
+        <p:spPr>
+          <a:xfrm>
+            <a:off x="9678162" y="2187105"/>
+            <a:ext cx="1040009" cy="2467853"/>
+          </a:xfrm>
+          <a:custGeom>
+            <a:avLst/>
+            <a:gdLst>
+              <a:gd name="connsiteX0" fmla="*/ 708809 w 1040009"/>
+              <a:gd name="connsiteY0" fmla="*/ 566852 h 2467853"/>
+              <a:gd name="connsiteX1" fmla="*/ 528635 w 1040009"/>
+              <a:gd name="connsiteY1" fmla="*/ 507596 h 2467853"/>
+              <a:gd name="connsiteX2" fmla="*/ 449074 w 1040009"/>
+              <a:gd name="connsiteY2" fmla="*/ 325418 h 2467853"/>
+              <a:gd name="connsiteX3" fmla="*/ 476481 w 1040009"/>
+              <a:gd name="connsiteY3" fmla="*/ 198514 h 2467853"/>
+              <a:gd name="connsiteX4" fmla="*/ 547280 w 1040009"/>
+              <a:gd name="connsiteY4" fmla="*/ 95096 h 2467853"/>
+              <a:gd name="connsiteX5" fmla="*/ 652302 w 1040009"/>
+              <a:gd name="connsiteY5" fmla="*/ 25873 h 2467853"/>
+              <a:gd name="connsiteX6" fmla="*/ 779234 w 1040009"/>
+              <a:gd name="connsiteY6" fmla="*/ 11 h 2467853"/>
+              <a:gd name="connsiteX7" fmla="*/ 959837 w 1040009"/>
+              <a:gd name="connsiteY7" fmla="*/ 59668 h 2467853"/>
+              <a:gd name="connsiteX8" fmla="*/ 1039399 w 1040009"/>
+              <a:gd name="connsiteY8" fmla="*/ 241847 h 2467853"/>
+              <a:gd name="connsiteX9" fmla="*/ 1011503 w 1040009"/>
+              <a:gd name="connsiteY9" fmla="*/ 369122 h 2467853"/>
+              <a:gd name="connsiteX10" fmla="*/ 939532 w 1040009"/>
+              <a:gd name="connsiteY10" fmla="*/ 472140 h 2467853"/>
+              <a:gd name="connsiteX11" fmla="*/ 834910 w 1040009"/>
+              <a:gd name="connsiteY11" fmla="*/ 541363 h 2467853"/>
+              <a:gd name="connsiteX12" fmla="*/ 708780 w 1040009"/>
+              <a:gd name="connsiteY12" fmla="*/ 566823 h 2467853"/>
+              <a:gd name="connsiteX13" fmla="*/ 477341 w 1040009"/>
+              <a:gd name="connsiteY13" fmla="*/ 2467853 h 2467853"/>
+              <a:gd name="connsiteX14" fmla="*/ 0 w 1040009"/>
+              <a:gd name="connsiteY14" fmla="*/ 2467853 h 2467853"/>
+              <a:gd name="connsiteX15" fmla="*/ 402562 w 1040009"/>
+              <a:gd name="connsiteY15" fmla="*/ 773288 h 2467853"/>
+              <a:gd name="connsiteX16" fmla="*/ 883083 w 1040009"/>
+              <a:gd name="connsiteY16" fmla="*/ 773288 h 2467853"/>
+              <a:gd name="connsiteX17" fmla="*/ 477341 w 1040009"/>
+              <a:gd name="connsiteY17" fmla="*/ 2467853 h 2467853"/>
+            </a:gdLst>
+            <a:ahLst/>
+            <a:cxnLst>
+              <a:cxn ang="0">
+                <a:pos x="connsiteX0" y="connsiteY0"/>
+              </a:cxn>
+              <a:cxn ang="0">
+                <a:pos x="connsiteX1" y="connsiteY1"/>
+              </a:cxn>
+              <a:cxn ang="0">
+                <a:pos x="connsiteX2" y="connsiteY2"/>
+              </a:cxn>
+              <a:cxn ang="0">
+                <a:pos x="connsiteX3" y="connsiteY3"/>
+              </a:cxn>
+              <a:cxn ang="0">
+                <a:pos x="connsiteX4" y="connsiteY4"/>
+              </a:cxn>
+              <a:cxn ang="0">
+                <a:pos x="connsiteX5" y="connsiteY5"/>
+              </a:cxn>
+              <a:cxn ang="0">
+                <a:pos x="connsiteX6" y="connsiteY6"/>
+              </a:cxn>
+              <a:cxn ang="0">
+                <a:pos x="connsiteX7" y="connsiteY7"/>
+              </a:cxn>
+              <a:cxn ang="0">
+                <a:pos x="connsiteX8" y="connsiteY8"/>
+              </a:cxn>
+              <a:cxn ang="0">
+                <a:pos x="connsiteX9" y="connsiteY9"/>
+              </a:cxn>
+              <a:cxn ang="0">
+                <a:pos x="connsiteX10" y="connsiteY10"/>
+              </a:cxn>
+              <a:cxn ang="0">
+                <a:pos x="connsiteX11" y="connsiteY11"/>
+              </a:cxn>
+              <a:cxn ang="0">
+                <a:pos x="connsiteX12" y="connsiteY12"/>
+              </a:cxn>
+              <a:cxn ang="0">
+                <a:pos x="connsiteX13" y="connsiteY13"/>
+              </a:cxn>
+              <a:cxn ang="0">
+                <a:pos x="connsiteX14" y="connsiteY14"/>
+              </a:cxn>
+              <a:cxn ang="0">
+                <a:pos x="connsiteX15" y="connsiteY15"/>
+              </a:cxn>
+              <a:cxn ang="0">
+                <a:pos x="connsiteX16" y="connsiteY16"/>
+              </a:cxn>
+              <a:cxn ang="0">
+                <a:pos x="connsiteX17" y="connsiteY17"/>
+              </a:cxn>
+            </a:cxnLst>
+            <a:rect l="l" t="t" r="r" b="b"/>
+            <a:pathLst>
+              <a:path w="1040009" h="2467853">
+                <a:moveTo>
+                  <a:pt x="708809" y="566852"/>
+                </a:moveTo>
+                <a:cubicBezTo>
+                  <a:pt x="643854" y="567539"/>
+                  <a:pt x="580473" y="546690"/>
+                  <a:pt x="528635" y="507596"/>
+                </a:cubicBezTo>
+                <a:cubicBezTo>
+                  <a:pt x="473389" y="463920"/>
+                  <a:pt x="443546" y="395614"/>
+                  <a:pt x="449074" y="325418"/>
+                </a:cubicBezTo>
+                <a:cubicBezTo>
+                  <a:pt x="448844" y="281627"/>
+                  <a:pt x="458181" y="238295"/>
+                  <a:pt x="476481" y="198514"/>
+                </a:cubicBezTo>
+                <a:cubicBezTo>
+                  <a:pt x="493551" y="159965"/>
+                  <a:pt x="517523" y="124939"/>
+                  <a:pt x="547280" y="95096"/>
+                </a:cubicBezTo>
+                <a:cubicBezTo>
+                  <a:pt x="578039" y="66141"/>
+                  <a:pt x="613552" y="42713"/>
+                  <a:pt x="652302" y="25873"/>
+                </a:cubicBezTo>
+                <a:cubicBezTo>
+                  <a:pt x="692398" y="8632"/>
+                  <a:pt x="735587" y="-160"/>
+                  <a:pt x="779234" y="11"/>
+                </a:cubicBezTo>
+                <a:cubicBezTo>
+                  <a:pt x="844304" y="-561"/>
+                  <a:pt x="907856" y="20460"/>
+                  <a:pt x="959837" y="59668"/>
+                </a:cubicBezTo>
+                <a:cubicBezTo>
+                  <a:pt x="1014940" y="103430"/>
+                  <a:pt x="1044726" y="171679"/>
+                  <a:pt x="1039399" y="241847"/>
+                </a:cubicBezTo>
+                <a:cubicBezTo>
+                  <a:pt x="1039485" y="285809"/>
+                  <a:pt x="1029976" y="329256"/>
+                  <a:pt x="1011503" y="369122"/>
+                </a:cubicBezTo>
+                <a:cubicBezTo>
+                  <a:pt x="994262" y="407700"/>
+                  <a:pt x="969804" y="442670"/>
+                  <a:pt x="939532" y="472140"/>
+                </a:cubicBezTo>
+                <a:cubicBezTo>
+                  <a:pt x="909058" y="501295"/>
+                  <a:pt x="873660" y="524723"/>
+                  <a:pt x="834910" y="541363"/>
+                </a:cubicBezTo>
+                <a:cubicBezTo>
+                  <a:pt x="795044" y="558461"/>
+                  <a:pt x="752140" y="567138"/>
+                  <a:pt x="708780" y="566823"/>
+                </a:cubicBezTo>
+                <a:close/>
+                <a:moveTo>
+                  <a:pt x="477341" y="2467853"/>
+                </a:moveTo>
+                <a:lnTo>
+                  <a:pt x="0" y="2467853"/>
+                </a:lnTo>
+                <a:lnTo>
+                  <a:pt x="402562" y="773288"/>
+                </a:lnTo>
+                <a:lnTo>
+                  <a:pt x="883083" y="773288"/>
+                </a:lnTo>
+                <a:lnTo>
+                  <a:pt x="477341" y="2467853"/>
+                </a:lnTo>
+                <a:close/>
+              </a:path>
+            </a:pathLst>
+          </a:custGeom>
+          <a:solidFill>
+            <a:srgbClr val="4D4D4D">
+              <a:alpha val="46000"/>
+            </a:srgbClr>
+          </a:solidFill>
+          <a:ln w="2864" cap="flat">
+            <a:noFill/>
+            <a:prstDash val="solid"/>
+            <a:miter/>
+          </a:ln>
+        </p:spPr>
+        <p:txBody>
+          <a:bodyPr rtlCol="0" anchor="ctr"/>
+          <a:lstStyle/>
+          <a:p>
+            <a:endParaRPr lang="en-FI"/>
+          </a:p>
+        </p:txBody>
+      </p:sp>
+      <p:sp>
+        <p:nvSpPr>
+          <p:cNvPr id="41" name="Freeform: Shape 40">
+            <a:extLst>
+              <a:ext uri="{FF2B5EF4-FFF2-40B4-BE49-F238E27FC236}">
+                <a16:creationId xmlns:a16="http://schemas.microsoft.com/office/drawing/2014/main" id="{3EDE3DB7-B887-C61F-EB69-0376A05A7253}"/>
+              </a:ext>
+            </a:extLst>
+          </p:cNvPr>
+          <p:cNvSpPr/>
+          <p:nvPr/>
+        </p:nvSpPr>
+        <p:spPr>
+          <a:xfrm>
+            <a:off x="10514647" y="2920212"/>
+            <a:ext cx="1678726" cy="1735118"/>
+          </a:xfrm>
+          <a:custGeom>
+            <a:avLst/>
+            <a:gdLst>
+              <a:gd name="connsiteX0" fmla="*/ 390247 w 1678726"/>
+              <a:gd name="connsiteY0" fmla="*/ 117366 h 1735118"/>
+              <a:gd name="connsiteX1" fmla="*/ 509589 w 1678726"/>
+              <a:gd name="connsiteY1" fmla="*/ 80392 h 1735118"/>
+              <a:gd name="connsiteX2" fmla="*/ 657915 w 1678726"/>
+              <a:gd name="connsiteY2" fmla="*/ 40611 h 1735118"/>
+              <a:gd name="connsiteX3" fmla="*/ 841325 w 1678726"/>
+              <a:gd name="connsiteY3" fmla="*/ 11570 h 1735118"/>
+              <a:gd name="connsiteX4" fmla="*/ 1071647 w 1678726"/>
+              <a:gd name="connsiteY4" fmla="*/ 28 h 1735118"/>
+              <a:gd name="connsiteX5" fmla="*/ 1591948 w 1678726"/>
+              <a:gd name="connsiteY5" fmla="*/ 219209 h 1735118"/>
+              <a:gd name="connsiteX6" fmla="*/ 1678727 w 1678726"/>
+              <a:gd name="connsiteY6" fmla="*/ 539547 h 1735118"/>
+              <a:gd name="connsiteX7" fmla="*/ 1678727 w 1678726"/>
+              <a:gd name="connsiteY7" fmla="*/ 548625 h 1735118"/>
+              <a:gd name="connsiteX8" fmla="*/ 1642068 w 1678726"/>
+              <a:gd name="connsiteY8" fmla="*/ 818642 h 1735118"/>
+              <a:gd name="connsiteX9" fmla="*/ 1422886 w 1678726"/>
+              <a:gd name="connsiteY9" fmla="*/ 1733515 h 1735118"/>
+              <a:gd name="connsiteX10" fmla="*/ 943970 w 1678726"/>
+              <a:gd name="connsiteY10" fmla="*/ 1733515 h 1735118"/>
+              <a:gd name="connsiteX11" fmla="*/ 1156765 w 1678726"/>
+              <a:gd name="connsiteY11" fmla="*/ 837688 h 1735118"/>
+              <a:gd name="connsiteX12" fmla="*/ 1187409 w 1678726"/>
+              <a:gd name="connsiteY12" fmla="*/ 675042 h 1735118"/>
+              <a:gd name="connsiteX13" fmla="*/ 1187409 w 1678726"/>
+              <a:gd name="connsiteY13" fmla="*/ 536625 h 1735118"/>
+              <a:gd name="connsiteX14" fmla="*/ 1127753 w 1678726"/>
+              <a:gd name="connsiteY14" fmla="*/ 439966 h 1735118"/>
+              <a:gd name="connsiteX15" fmla="*/ 984152 w 1678726"/>
+              <a:gd name="connsiteY15" fmla="*/ 402963 h 1735118"/>
+              <a:gd name="connsiteX16" fmla="*/ 794413 w 1678726"/>
+              <a:gd name="connsiteY16" fmla="*/ 422467 h 1735118"/>
+              <a:gd name="connsiteX17" fmla="*/ 481751 w 1678726"/>
+              <a:gd name="connsiteY17" fmla="*/ 1735119 h 1735118"/>
+              <a:gd name="connsiteX18" fmla="*/ 0 w 1678726"/>
+              <a:gd name="connsiteY18" fmla="*/ 1735119 h 1735118"/>
+              <a:gd name="connsiteX19" fmla="*/ 390247 w 1678726"/>
+              <a:gd name="connsiteY19" fmla="*/ 117366 h 1735118"/>
+            </a:gdLst>
+            <a:ahLst/>
+            <a:cxnLst>
+              <a:cxn ang="0">
+                <a:pos x="connsiteX0" y="connsiteY0"/>
+              </a:cxn>
+              <a:cxn ang="0">
+                <a:pos x="connsiteX1" y="connsiteY1"/>
+              </a:cxn>
+              <a:cxn ang="0">
+                <a:pos x="connsiteX2" y="connsiteY2"/>
+              </a:cxn>
+              <a:cxn ang="0">
+                <a:pos x="connsiteX3" y="connsiteY3"/>
+              </a:cxn>
+              <a:cxn ang="0">
+                <a:pos x="connsiteX4" y="connsiteY4"/>
+              </a:cxn>
+              <a:cxn ang="0">
+                <a:pos x="connsiteX5" y="connsiteY5"/>
+              </a:cxn>
+              <a:cxn ang="0">
+                <a:pos x="connsiteX6" y="connsiteY6"/>
+              </a:cxn>
+              <a:cxn ang="0">
+                <a:pos x="connsiteX7" y="connsiteY7"/>
+              </a:cxn>
+              <a:cxn ang="0">
+                <a:pos x="connsiteX8" y="connsiteY8"/>
+              </a:cxn>
+              <a:cxn ang="0">
+                <a:pos x="connsiteX9" y="connsiteY9"/>
+              </a:cxn>
+              <a:cxn ang="0">
+                <a:pos x="connsiteX10" y="connsiteY10"/>
+              </a:cxn>
+              <a:cxn ang="0">
+                <a:pos x="connsiteX11" y="connsiteY11"/>
+              </a:cxn>
+              <a:cxn ang="0">
+                <a:pos x="connsiteX12" y="connsiteY12"/>
+              </a:cxn>
+              <a:cxn ang="0">
+                <a:pos x="connsiteX13" y="connsiteY13"/>
+              </a:cxn>
+              <a:cxn ang="0">
+                <a:pos x="connsiteX14" y="connsiteY14"/>
+              </a:cxn>
+              <a:cxn ang="0">
+                <a:pos x="connsiteX15" y="connsiteY15"/>
+              </a:cxn>
+              <a:cxn ang="0">
+                <a:pos x="connsiteX16" y="connsiteY16"/>
+              </a:cxn>
+              <a:cxn ang="0">
+                <a:pos x="connsiteX17" y="connsiteY17"/>
+              </a:cxn>
+              <a:cxn ang="0">
+                <a:pos x="connsiteX18" y="connsiteY18"/>
+              </a:cxn>
+              <a:cxn ang="0">
+                <a:pos x="connsiteX19" y="connsiteY19"/>
+              </a:cxn>
+            </a:cxnLst>
+            <a:rect l="l" t="t" r="r" b="b"/>
+            <a:pathLst>
+              <a:path w="1678726" h="1735118">
+                <a:moveTo>
+                  <a:pt x="390247" y="117366"/>
+                </a:moveTo>
+                <a:cubicBezTo>
+                  <a:pt x="426448" y="107027"/>
+                  <a:pt x="466630" y="94282"/>
+                  <a:pt x="509589" y="80392"/>
+                </a:cubicBezTo>
+                <a:cubicBezTo>
+                  <a:pt x="552549" y="66473"/>
+                  <a:pt x="602669" y="53728"/>
+                  <a:pt x="657915" y="40611"/>
+                </a:cubicBezTo>
+                <a:cubicBezTo>
+                  <a:pt x="718546" y="27752"/>
+                  <a:pt x="779750" y="18071"/>
+                  <a:pt x="841325" y="11570"/>
+                </a:cubicBezTo>
+                <a:cubicBezTo>
+                  <a:pt x="917822" y="3494"/>
+                  <a:pt x="994720" y="-373"/>
+                  <a:pt x="1071647" y="28"/>
+                </a:cubicBezTo>
+                <a:cubicBezTo>
+                  <a:pt x="1323048" y="28"/>
+                  <a:pt x="1496462" y="73060"/>
+                  <a:pt x="1591948" y="219209"/>
+                </a:cubicBezTo>
+                <a:cubicBezTo>
+                  <a:pt x="1649114" y="306733"/>
+                  <a:pt x="1678040" y="413502"/>
+                  <a:pt x="1678727" y="539547"/>
+                </a:cubicBezTo>
+                <a:lnTo>
+                  <a:pt x="1678727" y="548625"/>
+                </a:lnTo>
+                <a:cubicBezTo>
+                  <a:pt x="1678297" y="630593"/>
+                  <a:pt x="1666068" y="720608"/>
+                  <a:pt x="1642068" y="818642"/>
+                </a:cubicBezTo>
+                <a:lnTo>
+                  <a:pt x="1422886" y="1733515"/>
+                </a:lnTo>
+                <a:lnTo>
+                  <a:pt x="943970" y="1733515"/>
+                </a:lnTo>
+                <a:lnTo>
+                  <a:pt x="1156765" y="837688"/>
+                </a:lnTo>
+                <a:cubicBezTo>
+                  <a:pt x="1169481" y="782040"/>
+                  <a:pt x="1179849" y="727940"/>
+                  <a:pt x="1187409" y="675042"/>
+                </a:cubicBezTo>
+                <a:cubicBezTo>
+                  <a:pt x="1195687" y="629247"/>
+                  <a:pt x="1195687" y="582363"/>
+                  <a:pt x="1187409" y="536625"/>
+                </a:cubicBezTo>
+                <a:cubicBezTo>
+                  <a:pt x="1179505" y="498391"/>
+                  <a:pt x="1158369" y="464195"/>
+                  <a:pt x="1127753" y="439966"/>
+                </a:cubicBezTo>
+                <a:cubicBezTo>
+                  <a:pt x="1085308" y="412128"/>
+                  <a:pt x="1034787" y="399125"/>
+                  <a:pt x="984152" y="402963"/>
+                </a:cubicBezTo>
+                <a:cubicBezTo>
+                  <a:pt x="920400" y="403077"/>
+                  <a:pt x="856819" y="409607"/>
+                  <a:pt x="794413" y="422467"/>
+                </a:cubicBezTo>
+                <a:lnTo>
+                  <a:pt x="481751" y="1735119"/>
+                </a:lnTo>
+                <a:lnTo>
+                  <a:pt x="0" y="1735119"/>
+                </a:lnTo>
+                <a:lnTo>
+                  <a:pt x="390247" y="117366"/>
+                </a:lnTo>
+                <a:close/>
+              </a:path>
+            </a:pathLst>
+          </a:custGeom>
+          <a:solidFill>
+            <a:srgbClr val="4D4D4D">
+              <a:alpha val="46000"/>
+            </a:srgbClr>
+          </a:solidFill>
+          <a:ln w="2864" cap="flat">
+            <a:noFill/>
+            <a:prstDash val="solid"/>
+            <a:miter/>
+          </a:ln>
+        </p:spPr>
+        <p:txBody>
+          <a:bodyPr rtlCol="0" anchor="ctr"/>
+          <a:lstStyle/>
+          <a:p>
+            <a:endParaRPr lang="en-FI"/>
+          </a:p>
+        </p:txBody>
+      </p:sp>
+      <p:pic>
+        <p:nvPicPr>
+          <p:cNvPr id="42" name="Graphic 41">
+            <a:extLst>
+              <a:ext uri="{FF2B5EF4-FFF2-40B4-BE49-F238E27FC236}">
+                <a16:creationId xmlns:a16="http://schemas.microsoft.com/office/drawing/2014/main" id="{83CBA39E-F1F5-2F2E-8749-08C496776519}"/>
+              </a:ext>
+            </a:extLst>
+          </p:cNvPr>
+          <p:cNvPicPr>
+            <a:picLocks noChangeAspect="1"/>
+          </p:cNvPicPr>
+          <p:nvPr/>
+        </p:nvPicPr>
+        <p:blipFill>
+          <a:blip r:embed="rId2">
+            <a:extLst>
+              <a:ext uri="{28A0092B-C50C-407E-A947-70E740481C1C}">
+                <a14:useLocalDpi xmlns:a14="http://schemas.microsoft.com/office/drawing/2010/main" val="0"/>
+              </a:ext>
+              <a:ext uri="{96DAC541-7B7A-43D3-8B79-37D633B846F1}">
+                <asvg:svgBlip xmlns:asvg="http://schemas.microsoft.com/office/drawing/2016/SVG/main" r:embed="rId3"/>
+              </a:ext>
+            </a:extLst>
+          </a:blip>
+          <a:stretch>
+            <a:fillRect/>
+          </a:stretch>
+        </p:blipFill>
+        <p:spPr>
+          <a:xfrm>
+            <a:off x="-4" y="2152942"/>
+            <a:ext cx="2548509" cy="2549132"/>
+          </a:xfrm>
+          <a:prstGeom prst="rect">
+            <a:avLst/>
+          </a:prstGeom>
+        </p:spPr>
+      </p:pic>
+    </p:spTree>
+    <p:extLst>
+      <p:ext uri="{BB962C8B-B14F-4D97-AF65-F5344CB8AC3E}">
+        <p14:creationId xmlns:p14="http://schemas.microsoft.com/office/powerpoint/2010/main" val="1529459634"/>
       </p:ext>
     </p:extLst>
   </p:cSld>
